--- a/Seminário/Seminário Dissertação Gladistone 2.pptx
+++ b/Seminário/Seminário Dissertação Gladistone 2.pptx
@@ -5,10 +5,10 @@
     <p:sldMasterId id="2147483648" r:id="rId1"/>
   </p:sldMasterIdLst>
   <p:notesMasterIdLst>
-    <p:notesMasterId r:id="rId38"/>
+    <p:notesMasterId r:id="rId51"/>
   </p:notesMasterIdLst>
   <p:handoutMasterIdLst>
-    <p:handoutMasterId r:id="rId39"/>
+    <p:handoutMasterId r:id="rId52"/>
   </p:handoutMasterIdLst>
   <p:sldIdLst>
     <p:sldId id="256" r:id="rId2"/>
@@ -37,16 +37,29 @@
     <p:sldId id="309" r:id="rId25"/>
     <p:sldId id="319" r:id="rId26"/>
     <p:sldId id="310" r:id="rId27"/>
-    <p:sldId id="263" r:id="rId28"/>
-    <p:sldId id="320" r:id="rId29"/>
-    <p:sldId id="321" r:id="rId30"/>
-    <p:sldId id="322" r:id="rId31"/>
-    <p:sldId id="323" r:id="rId32"/>
-    <p:sldId id="324" r:id="rId33"/>
-    <p:sldId id="325" r:id="rId34"/>
-    <p:sldId id="326" r:id="rId35"/>
-    <p:sldId id="327" r:id="rId36"/>
-    <p:sldId id="328" r:id="rId37"/>
+    <p:sldId id="320" r:id="rId28"/>
+    <p:sldId id="321" r:id="rId29"/>
+    <p:sldId id="263" r:id="rId30"/>
+    <p:sldId id="329" r:id="rId31"/>
+    <p:sldId id="330" r:id="rId32"/>
+    <p:sldId id="322" r:id="rId33"/>
+    <p:sldId id="331" r:id="rId34"/>
+    <p:sldId id="332" r:id="rId35"/>
+    <p:sldId id="323" r:id="rId36"/>
+    <p:sldId id="334" r:id="rId37"/>
+    <p:sldId id="335" r:id="rId38"/>
+    <p:sldId id="333" r:id="rId39"/>
+    <p:sldId id="336" r:id="rId40"/>
+    <p:sldId id="337" r:id="rId41"/>
+    <p:sldId id="324" r:id="rId42"/>
+    <p:sldId id="338" r:id="rId43"/>
+    <p:sldId id="325" r:id="rId44"/>
+    <p:sldId id="326" r:id="rId45"/>
+    <p:sldId id="327" r:id="rId46"/>
+    <p:sldId id="339" r:id="rId47"/>
+    <p:sldId id="328" r:id="rId48"/>
+    <p:sldId id="340" r:id="rId49"/>
+    <p:sldId id="341" r:id="rId50"/>
   </p:sldIdLst>
   <p:sldSz cx="9144000" cy="6858000" type="screen4x3"/>
   <p:notesSz cx="6858000" cy="9144000"/>
@@ -5547,7 +5560,7 @@
           <a:p>
             <a:fld id="{53EAA4CA-DE6B-E547-8B01-BF8750F83D5C}" type="datetimeFigureOut">
               <a:rPr lang="en-US" smtClean="0"/>
-              <a:t>3/27/2015</a:t>
+              <a:t>5/22/2015</a:t>
             </a:fld>
             <a:endParaRPr lang="pt-BR"/>
           </a:p>
@@ -5713,7 +5726,7 @@
           <a:p>
             <a:fld id="{C7DB5A26-5A39-2F4F-8F1E-058893DDF6EA}" type="datetimeFigureOut">
               <a:rPr lang="en-US" smtClean="0"/>
-              <a:t>3/27/2015</a:t>
+              <a:t>5/22/2015</a:t>
             </a:fld>
             <a:endParaRPr lang="pt-BR"/>
           </a:p>
@@ -6174,7 +6187,7 @@
           <a:p>
             <a:fld id="{F067F73F-4F70-C348-AAF6-49E855166064}" type="datetime1">
               <a:rPr lang="pt-BR" smtClean="0"/>
-              <a:t>27/03/2015</a:t>
+              <a:t>22/05/2015</a:t>
             </a:fld>
             <a:endParaRPr lang="en-US" dirty="0"/>
           </a:p>
@@ -6344,7 +6357,7 @@
           <a:p>
             <a:fld id="{08D4E48C-3DEF-5B4E-B418-FF937D3D7EA8}" type="datetime1">
               <a:rPr lang="pt-BR" smtClean="0"/>
-              <a:t>27/03/2015</a:t>
+              <a:t>22/05/2015</a:t>
             </a:fld>
             <a:endParaRPr lang="en-US"/>
           </a:p>
@@ -6524,7 +6537,7 @@
           <a:p>
             <a:fld id="{FFC279F4-1005-574A-96F4-5355872978E1}" type="datetime1">
               <a:rPr lang="pt-BR" smtClean="0"/>
-              <a:t>27/03/2015</a:t>
+              <a:t>22/05/2015</a:t>
             </a:fld>
             <a:endParaRPr lang="en-US"/>
           </a:p>
@@ -6712,7 +6725,7 @@
           <a:p>
             <a:fld id="{B4003A6F-662C-864D-A907-567EF8D0DF40}" type="datetime1">
               <a:rPr lang="pt-BR" smtClean="0"/>
-              <a:t>27/03/2015</a:t>
+              <a:t>22/05/2015</a:t>
             </a:fld>
             <a:endParaRPr lang="en-US"/>
           </a:p>
@@ -6979,7 +6992,7 @@
           <a:p>
             <a:fld id="{15512F72-CAEB-694A-8EDE-8AB0D98CC93B}" type="datetime1">
               <a:rPr lang="pt-BR" smtClean="0"/>
-              <a:t>27/03/2015</a:t>
+              <a:t>22/05/2015</a:t>
             </a:fld>
             <a:endParaRPr lang="en-US"/>
           </a:p>
@@ -7332,7 +7345,7 @@
           <a:p>
             <a:fld id="{28F8A64D-D085-F747-A206-A2EA857CDA9B}" type="datetime1">
               <a:rPr lang="pt-BR" smtClean="0"/>
-              <a:t>27/03/2015</a:t>
+              <a:t>22/05/2015</a:t>
             </a:fld>
             <a:endParaRPr lang="en-US"/>
           </a:p>
@@ -7645,7 +7658,7 @@
           <a:p>
             <a:fld id="{B7075980-D026-8640-B846-A3FE3C0696EC}" type="datetime1">
               <a:rPr lang="pt-BR" smtClean="0"/>
-              <a:t>27/03/2015</a:t>
+              <a:t>22/05/2015</a:t>
             </a:fld>
             <a:endParaRPr lang="en-US"/>
           </a:p>
@@ -7877,7 +7890,7 @@
           <a:p>
             <a:fld id="{34E879C3-C132-B94C-89FA-56BDBB56AE71}" type="datetime1">
               <a:rPr lang="pt-BR" smtClean="0"/>
-              <a:t>27/03/2015</a:t>
+              <a:t>22/05/2015</a:t>
             </a:fld>
             <a:endParaRPr lang="en-US"/>
           </a:p>
@@ -7972,7 +7985,7 @@
           <a:p>
             <a:fld id="{3D2DE834-0A94-E941-A149-E7C7397C5C7C}" type="datetime1">
               <a:rPr lang="pt-BR" smtClean="0"/>
-              <a:t>27/03/2015</a:t>
+              <a:t>22/05/2015</a:t>
             </a:fld>
             <a:endParaRPr lang="en-US"/>
           </a:p>
@@ -8265,7 +8278,7 @@
           <a:p>
             <a:fld id="{D4281C8C-544B-0242-85DE-7B6F522E9E8D}" type="datetime1">
               <a:rPr lang="pt-BR" smtClean="0"/>
-              <a:t>27/03/2015</a:t>
+              <a:t>22/05/2015</a:t>
             </a:fld>
             <a:endParaRPr lang="en-US"/>
           </a:p>
@@ -8539,7 +8552,7 @@
           <a:p>
             <a:fld id="{942938EB-55C1-7E49-8BC4-15B91946A317}" type="datetime1">
               <a:rPr lang="pt-BR" smtClean="0"/>
-              <a:t>27/03/2015</a:t>
+              <a:t>22/05/2015</a:t>
             </a:fld>
             <a:endParaRPr lang="en-US"/>
           </a:p>
@@ -8754,7 +8767,7 @@
           <a:p>
             <a:fld id="{FB4532D3-BE2D-0B4A-A976-57DEA09C33D5}" type="datetime1">
               <a:rPr lang="pt-BR" smtClean="0"/>
-              <a:t>27/03/2015</a:t>
+              <a:t>22/05/2015</a:t>
             </a:fld>
             <a:endParaRPr lang="en-US" dirty="0"/>
           </a:p>
@@ -15260,19 +15273,27 @@
               <a:rPr lang="pt-BR" dirty="0" smtClean="0"/>
               <a:t>ISO 29110</a:t>
             </a:r>
-            <a:endParaRPr lang="pt-BR" dirty="0" smtClean="0"/>
           </a:p>
           <a:p>
             <a:r>
               <a:rPr lang="pt-BR" dirty="0" smtClean="0"/>
-              <a:t>Solução proposta</a:t>
-            </a:r>
-            <a:endParaRPr lang="pt-BR" dirty="0" smtClean="0"/>
-          </a:p>
-          <a:p>
+              <a:t>Solução </a:t>
+            </a:r>
             <a:r>
               <a:rPr lang="pt-BR" dirty="0" smtClean="0"/>
-              <a:t>Conclusão</a:t>
+              <a:t>proposta</a:t>
+            </a:r>
+          </a:p>
+          <a:p>
+            <a:r>
+              <a:rPr lang="pt-BR" dirty="0" smtClean="0"/>
+              <a:t>Metodologia</a:t>
+            </a:r>
+          </a:p>
+          <a:p>
+            <a:r>
+              <a:rPr lang="pt-BR" dirty="0" smtClean="0"/>
+              <a:t>Conclusões</a:t>
             </a:r>
             <a:endParaRPr lang="pt-BR" dirty="0"/>
           </a:p>
@@ -16178,10 +16199,6 @@
           <a:bodyPr/>
           <a:lstStyle/>
           <a:p>
-            <a:r>
-              <a:rPr lang="pt-BR" dirty="0" smtClean="0"/>
-              <a:t>“...”</a:t>
-            </a:r>
             <a:endParaRPr lang="pt-BR" dirty="0"/>
           </a:p>
         </p:txBody>
@@ -16914,115 +16931,6 @@
       </p:grpSpPr>
       <p:sp>
         <p:nvSpPr>
-          <p:cNvPr id="2" name="Title 1"/>
-          <p:cNvSpPr>
-            <a:spLocks noGrp="1"/>
-          </p:cNvSpPr>
-          <p:nvPr>
-            <p:ph type="title"/>
-          </p:nvPr>
-        </p:nvSpPr>
-        <p:spPr/>
-        <p:txBody>
-          <a:bodyPr/>
-          <a:lstStyle/>
-          <a:p>
-            <a:r>
-              <a:rPr lang="pt-BR" dirty="0" smtClean="0"/>
-              <a:t>Solução proposta</a:t>
-            </a:r>
-            <a:endParaRPr lang="pt-BR" dirty="0"/>
-          </a:p>
-        </p:txBody>
-      </p:sp>
-      <p:sp>
-        <p:nvSpPr>
-          <p:cNvPr id="3" name="Text Placeholder 2"/>
-          <p:cNvSpPr>
-            <a:spLocks noGrp="1"/>
-          </p:cNvSpPr>
-          <p:nvPr>
-            <p:ph type="body" idx="1"/>
-          </p:nvPr>
-        </p:nvSpPr>
-        <p:spPr/>
-        <p:txBody>
-          <a:bodyPr>
-            <a:normAutofit/>
-          </a:bodyPr>
-          <a:lstStyle/>
-          <a:p>
-            <a:r>
-              <a:rPr lang="pt-BR" sz="2800" b="1" dirty="0"/>
-              <a:t>Método de auto diagnóstico e inicialização da implantação da ISO 29110</a:t>
-            </a:r>
-            <a:endParaRPr lang="pt-BR" sz="2800" b="1" dirty="0"/>
-          </a:p>
-        </p:txBody>
-      </p:sp>
-      <p:sp>
-        <p:nvSpPr>
-          <p:cNvPr id="4" name="Slide Number Placeholder 3"/>
-          <p:cNvSpPr>
-            <a:spLocks noGrp="1"/>
-          </p:cNvSpPr>
-          <p:nvPr>
-            <p:ph type="sldNum" sz="quarter" idx="12"/>
-          </p:nvPr>
-        </p:nvSpPr>
-        <p:spPr/>
-        <p:txBody>
-          <a:bodyPr/>
-          <a:lstStyle/>
-          <a:p>
-            <a:fld id="{BA9B540C-44DA-4F69-89C9-7C84606640D3}" type="slidenum">
-              <a:rPr lang="en-US" smtClean="0"/>
-              <a:pPr/>
-              <a:t>27</a:t>
-            </a:fld>
-            <a:endParaRPr lang="en-US"/>
-          </a:p>
-        </p:txBody>
-      </p:sp>
-    </p:spTree>
-    <p:extLst>
-      <p:ext uri="{BB962C8B-B14F-4D97-AF65-F5344CB8AC3E}">
-        <p14:creationId xmlns:p14="http://schemas.microsoft.com/office/powerpoint/2010/main" val="2245777712"/>
-      </p:ext>
-    </p:extLst>
-  </p:cSld>
-  <p:clrMapOvr>
-    <a:masterClrMapping/>
-  </p:clrMapOvr>
-  <p:timing>
-    <p:tnLst>
-      <p:par>
-        <p:cTn id="1" dur="indefinite" restart="never" nodeType="tmRoot"/>
-      </p:par>
-    </p:tnLst>
-  </p:timing>
-</p:sld>
-</file>
-
-<file path=ppt/slides/slide28.xml><?xml version="1.0" encoding="utf-8"?>
-<p:sld xmlns:a="http://schemas.openxmlformats.org/drawingml/2006/main" xmlns:r="http://schemas.openxmlformats.org/officeDocument/2006/relationships" xmlns:p="http://schemas.openxmlformats.org/presentationml/2006/main">
-  <p:cSld>
-    <p:spTree>
-      <p:nvGrpSpPr>
-        <p:cNvPr id="1" name=""/>
-        <p:cNvGrpSpPr/>
-        <p:nvPr/>
-      </p:nvGrpSpPr>
-      <p:grpSpPr>
-        <a:xfrm>
-          <a:off x="0" y="0"/>
-          <a:ext cx="0" cy="0"/>
-          <a:chOff x="0" y="0"/>
-          <a:chExt cx="0" cy="0"/>
-        </a:xfrm>
-      </p:grpSpPr>
-      <p:sp>
-        <p:nvSpPr>
           <p:cNvPr id="5" name="Título 4"/>
           <p:cNvSpPr>
             <a:spLocks noGrp="1"/>
@@ -17096,7 +17004,6 @@
               <a:rPr lang="pt-BR" dirty="0" smtClean="0"/>
               <a:t>Resposta nem sempre é imediata</a:t>
             </a:r>
-            <a:endParaRPr lang="pt-BR" dirty="0" smtClean="0"/>
           </a:p>
           <a:p>
             <a:r>
@@ -17198,7 +17105,7 @@
             <a:fld id="{BA9B540C-44DA-4F69-89C9-7C84606640D3}" type="slidenum">
               <a:rPr lang="en-US" smtClean="0"/>
               <a:pPr/>
-              <a:t>28</a:t>
+              <a:t>27</a:t>
             </a:fld>
             <a:endParaRPr lang="en-US"/>
           </a:p>
@@ -17839,7 +17746,7 @@
 </p:sld>
 </file>
 
-<file path=ppt/slides/slide29.xml><?xml version="1.0" encoding="utf-8"?>
+<file path=ppt/slides/slide28.xml><?xml version="1.0" encoding="utf-8"?>
 <p:sld xmlns:a="http://schemas.openxmlformats.org/drawingml/2006/main" xmlns:r="http://schemas.openxmlformats.org/officeDocument/2006/relationships" xmlns:p="http://schemas.openxmlformats.org/presentationml/2006/main">
   <p:cSld>
     <p:spTree>
@@ -17942,7 +17849,7 @@
             <a:fld id="{BA9B540C-44DA-4F69-89C9-7C84606640D3}" type="slidenum">
               <a:rPr lang="en-US" smtClean="0"/>
               <a:pPr/>
-              <a:t>29</a:t>
+              <a:t>28</a:t>
             </a:fld>
             <a:endParaRPr lang="en-US"/>
           </a:p>
@@ -18089,6 +17996,160 @@
 </p:sld>
 </file>
 
+<file path=ppt/slides/slide29.xml><?xml version="1.0" encoding="utf-8"?>
+<p:sld xmlns:a="http://schemas.openxmlformats.org/drawingml/2006/main" xmlns:r="http://schemas.openxmlformats.org/officeDocument/2006/relationships" xmlns:p="http://schemas.openxmlformats.org/presentationml/2006/main">
+  <p:cSld>
+    <p:spTree>
+      <p:nvGrpSpPr>
+        <p:cNvPr id="1" name=""/>
+        <p:cNvGrpSpPr/>
+        <p:nvPr/>
+      </p:nvGrpSpPr>
+      <p:grpSpPr>
+        <a:xfrm>
+          <a:off x="0" y="0"/>
+          <a:ext cx="0" cy="0"/>
+          <a:chOff x="0" y="0"/>
+          <a:chExt cx="0" cy="0"/>
+        </a:xfrm>
+      </p:grpSpPr>
+      <p:sp>
+        <p:nvSpPr>
+          <p:cNvPr id="2" name="Title 1"/>
+          <p:cNvSpPr>
+            <a:spLocks noGrp="1"/>
+          </p:cNvSpPr>
+          <p:nvPr>
+            <p:ph type="title"/>
+          </p:nvPr>
+        </p:nvSpPr>
+        <p:spPr/>
+        <p:txBody>
+          <a:bodyPr/>
+          <a:lstStyle/>
+          <a:p>
+            <a:r>
+              <a:rPr lang="pt-BR" dirty="0" smtClean="0"/>
+              <a:t>Solução proposta</a:t>
+            </a:r>
+            <a:endParaRPr lang="pt-BR" dirty="0"/>
+          </a:p>
+        </p:txBody>
+      </p:sp>
+      <p:sp>
+        <p:nvSpPr>
+          <p:cNvPr id="3" name="Text Placeholder 2"/>
+          <p:cNvSpPr>
+            <a:spLocks noGrp="1"/>
+          </p:cNvSpPr>
+          <p:nvPr>
+            <p:ph type="body" idx="1"/>
+          </p:nvPr>
+        </p:nvSpPr>
+        <p:spPr>
+          <a:xfrm>
+            <a:off x="722313" y="4068763"/>
+            <a:ext cx="7772400" cy="1894155"/>
+          </a:xfrm>
+        </p:spPr>
+        <p:txBody>
+          <a:bodyPr>
+            <a:normAutofit fontScale="85000" lnSpcReduction="10000"/>
+          </a:bodyPr>
+          <a:lstStyle/>
+          <a:p>
+            <a:r>
+              <a:rPr lang="pt-BR" sz="2800" dirty="0" smtClean="0"/>
+              <a:t>Criar </a:t>
+            </a:r>
+            <a:r>
+              <a:rPr lang="pt-BR" sz="2800" dirty="0"/>
+              <a:t>um método de </a:t>
+            </a:r>
+            <a:r>
+              <a:rPr lang="pt-BR" sz="2800" b="1" dirty="0"/>
+              <a:t>auto diagnóstico </a:t>
+            </a:r>
+            <a:r>
+              <a:rPr lang="pt-BR" sz="2800" dirty="0"/>
+              <a:t>para implantação da ISO 29110</a:t>
+            </a:r>
+            <a:r>
+              <a:rPr lang="pt-BR" sz="2800" dirty="0" smtClean="0"/>
+              <a:t> </a:t>
+            </a:r>
+            <a:r>
+              <a:rPr lang="pt-BR" sz="2800" dirty="0"/>
+              <a:t>que priorize processos com maior aderência aos </a:t>
+            </a:r>
+            <a:r>
+              <a:rPr lang="pt-BR" sz="2800" b="1" dirty="0"/>
+              <a:t>valores</a:t>
+            </a:r>
+            <a:r>
+              <a:rPr lang="pt-BR" sz="2800" dirty="0"/>
+              <a:t> individuais de cada empresa e que tragam benefícios relevantes observáveis nas </a:t>
+            </a:r>
+            <a:r>
+              <a:rPr lang="pt-BR" sz="2800" b="1" dirty="0"/>
+              <a:t>etapas iniciais </a:t>
+            </a:r>
+            <a:r>
+              <a:rPr lang="pt-BR" sz="2800" dirty="0"/>
+              <a:t>da </a:t>
+            </a:r>
+            <a:r>
+              <a:rPr lang="pt-BR" sz="2800" dirty="0" smtClean="0"/>
+              <a:t>implantação.</a:t>
+            </a:r>
+            <a:endParaRPr lang="pt-BR" sz="2800" dirty="0"/>
+          </a:p>
+        </p:txBody>
+      </p:sp>
+      <p:sp>
+        <p:nvSpPr>
+          <p:cNvPr id="4" name="Slide Number Placeholder 3"/>
+          <p:cNvSpPr>
+            <a:spLocks noGrp="1"/>
+          </p:cNvSpPr>
+          <p:nvPr>
+            <p:ph type="sldNum" sz="quarter" idx="12"/>
+          </p:nvPr>
+        </p:nvSpPr>
+        <p:spPr/>
+        <p:txBody>
+          <a:bodyPr/>
+          <a:lstStyle/>
+          <a:p>
+            <a:fld id="{BA9B540C-44DA-4F69-89C9-7C84606640D3}" type="slidenum">
+              <a:rPr lang="en-US" smtClean="0"/>
+              <a:pPr/>
+              <a:t>29</a:t>
+            </a:fld>
+            <a:endParaRPr lang="en-US"/>
+          </a:p>
+        </p:txBody>
+      </p:sp>
+    </p:spTree>
+    <p:extLst>
+      <p:ext uri="{BB962C8B-B14F-4D97-AF65-F5344CB8AC3E}">
+        <p14:creationId xmlns:p14="http://schemas.microsoft.com/office/powerpoint/2010/main" val="2245777712"/>
+      </p:ext>
+    </p:extLst>
+  </p:cSld>
+  <p:clrMapOvr>
+    <a:masterClrMapping/>
+  </p:clrMapOvr>
+  <p:timing>
+    <p:tnLst>
+      <p:par>
+        <p:cTn id="1" dur="indefinite" restart="never" nodeType="tmRoot"/>
+      </p:par>
+    </p:tnLst>
+  </p:timing>
+</p:sld>
+</file>
+
 <file path=ppt/slides/slide3.xml><?xml version="1.0" encoding="utf-8"?>
 <p:sld xmlns:a="http://schemas.openxmlformats.org/drawingml/2006/main" xmlns:r="http://schemas.openxmlformats.org/officeDocument/2006/relationships" xmlns:p="http://schemas.openxmlformats.org/presentationml/2006/main">
   <p:cSld>
@@ -18144,10 +18205,6 @@
           <a:bodyPr/>
           <a:lstStyle/>
           <a:p>
-            <a:r>
-              <a:rPr lang="pt-BR" dirty="0" smtClean="0"/>
-              <a:t>“...”</a:t>
-            </a:r>
             <a:endParaRPr lang="pt-BR" dirty="0"/>
           </a:p>
         </p:txBody>
@@ -18215,6 +18272,291 @@
       </p:grpSpPr>
       <p:sp>
         <p:nvSpPr>
+          <p:cNvPr id="2" name="Título 1"/>
+          <p:cNvSpPr>
+            <a:spLocks noGrp="1"/>
+          </p:cNvSpPr>
+          <p:nvPr>
+            <p:ph type="title"/>
+          </p:nvPr>
+        </p:nvSpPr>
+        <p:spPr/>
+        <p:txBody>
+          <a:bodyPr/>
+          <a:lstStyle/>
+          <a:p>
+            <a:r>
+              <a:rPr lang="pt-BR" dirty="0" smtClean="0"/>
+              <a:t>Metodologia</a:t>
+            </a:r>
+            <a:endParaRPr lang="pt-BR" dirty="0"/>
+          </a:p>
+        </p:txBody>
+      </p:sp>
+      <p:sp>
+        <p:nvSpPr>
+          <p:cNvPr id="3" name="Espaço Reservado para Número de Slide 2"/>
+          <p:cNvSpPr>
+            <a:spLocks noGrp="1"/>
+          </p:cNvSpPr>
+          <p:nvPr>
+            <p:ph type="sldNum" sz="quarter" idx="12"/>
+          </p:nvPr>
+        </p:nvSpPr>
+        <p:spPr/>
+        <p:txBody>
+          <a:bodyPr/>
+          <a:lstStyle/>
+          <a:p>
+            <a:fld id="{BA9B540C-44DA-4F69-89C9-7C84606640D3}" type="slidenum">
+              <a:rPr lang="en-US" smtClean="0"/>
+              <a:pPr/>
+              <a:t>30</a:t>
+            </a:fld>
+            <a:endParaRPr lang="en-US"/>
+          </a:p>
+        </p:txBody>
+      </p:sp>
+      <p:pic>
+        <p:nvPicPr>
+          <p:cNvPr id="4" name="Imagem 3"/>
+          <p:cNvPicPr>
+            <a:picLocks noChangeAspect="1"/>
+          </p:cNvPicPr>
+          <p:nvPr/>
+        </p:nvPicPr>
+        <p:blipFill>
+          <a:blip r:embed="rId2" cstate="email">
+            <a:extLst>
+              <a:ext uri="{28A0092B-C50C-407E-A947-70E740481C1C}">
+                <a14:useLocalDpi xmlns:a14="http://schemas.microsoft.com/office/drawing/2010/main" val="0"/>
+              </a:ext>
+            </a:extLst>
+          </a:blip>
+          <a:stretch>
+            <a:fillRect/>
+          </a:stretch>
+        </p:blipFill>
+        <p:spPr>
+          <a:xfrm>
+            <a:off x="358094" y="1793384"/>
+            <a:ext cx="8427811" cy="3997284"/>
+          </a:xfrm>
+          <a:prstGeom prst="rect">
+            <a:avLst/>
+          </a:prstGeom>
+        </p:spPr>
+      </p:pic>
+      <p:sp>
+        <p:nvSpPr>
+          <p:cNvPr id="5" name="CaixaDeTexto 4"/>
+          <p:cNvSpPr txBox="1"/>
+          <p:nvPr/>
+        </p:nvSpPr>
+        <p:spPr>
+          <a:xfrm>
+            <a:off x="1479646" y="5983852"/>
+            <a:ext cx="6184706" cy="369332"/>
+          </a:xfrm>
+          <a:prstGeom prst="rect">
+            <a:avLst/>
+          </a:prstGeom>
+          <a:noFill/>
+        </p:spPr>
+        <p:txBody>
+          <a:bodyPr wrap="none" rtlCol="0">
+            <a:spAutoFit/>
+          </a:bodyPr>
+          <a:lstStyle/>
+          <a:p>
+            <a:r>
+              <a:rPr lang="pt-BR" dirty="0"/>
+              <a:t>Fases do </a:t>
+            </a:r>
+            <a:r>
+              <a:rPr lang="pt-BR" dirty="0" smtClean="0"/>
+              <a:t>método científico. Fonte</a:t>
+            </a:r>
+            <a:r>
+              <a:rPr lang="pt-BR" dirty="0"/>
+              <a:t>: </a:t>
+            </a:r>
+            <a:r>
+              <a:rPr lang="pt-BR" dirty="0" smtClean="0"/>
+              <a:t>Prado </a:t>
+            </a:r>
+            <a:r>
+              <a:rPr lang="pt-BR" dirty="0"/>
+              <a:t>et al., 2013, p. </a:t>
+            </a:r>
+            <a:r>
+              <a:rPr lang="pt-BR" dirty="0" smtClean="0"/>
+              <a:t>10</a:t>
+            </a:r>
+            <a:endParaRPr lang="pt-BR" dirty="0"/>
+          </a:p>
+        </p:txBody>
+      </p:sp>
+    </p:spTree>
+    <p:extLst>
+      <p:ext uri="{BB962C8B-B14F-4D97-AF65-F5344CB8AC3E}">
+        <p14:creationId xmlns:p14="http://schemas.microsoft.com/office/powerpoint/2010/main" val="3395867303"/>
+      </p:ext>
+    </p:extLst>
+  </p:cSld>
+  <p:clrMapOvr>
+    <a:masterClrMapping/>
+  </p:clrMapOvr>
+  <p:timing>
+    <p:tnLst>
+      <p:par>
+        <p:cTn id="1" dur="indefinite" restart="never" nodeType="tmRoot"/>
+      </p:par>
+    </p:tnLst>
+  </p:timing>
+</p:sld>
+</file>
+
+<file path=ppt/slides/slide31.xml><?xml version="1.0" encoding="utf-8"?>
+<p:sld xmlns:a="http://schemas.openxmlformats.org/drawingml/2006/main" xmlns:r="http://schemas.openxmlformats.org/officeDocument/2006/relationships" xmlns:p="http://schemas.openxmlformats.org/presentationml/2006/main">
+  <p:cSld>
+    <p:spTree>
+      <p:nvGrpSpPr>
+        <p:cNvPr id="1" name=""/>
+        <p:cNvGrpSpPr/>
+        <p:nvPr/>
+      </p:nvGrpSpPr>
+      <p:grpSpPr>
+        <a:xfrm>
+          <a:off x="0" y="0"/>
+          <a:ext cx="0" cy="0"/>
+          <a:chOff x="0" y="0"/>
+          <a:chExt cx="0" cy="0"/>
+        </a:xfrm>
+      </p:grpSpPr>
+      <p:sp>
+        <p:nvSpPr>
+          <p:cNvPr id="2" name="Título 1"/>
+          <p:cNvSpPr>
+            <a:spLocks noGrp="1"/>
+          </p:cNvSpPr>
+          <p:nvPr>
+            <p:ph type="title"/>
+          </p:nvPr>
+        </p:nvSpPr>
+        <p:spPr/>
+        <p:txBody>
+          <a:bodyPr/>
+          <a:lstStyle/>
+          <a:p>
+            <a:r>
+              <a:rPr lang="pt-BR" dirty="0"/>
+              <a:t>H</a:t>
+            </a:r>
+            <a:r>
+              <a:rPr lang="pt-BR" dirty="0" smtClean="0"/>
+              <a:t>ipótese</a:t>
+            </a:r>
+            <a:endParaRPr lang="pt-BR" dirty="0"/>
+          </a:p>
+        </p:txBody>
+      </p:sp>
+      <p:sp>
+        <p:nvSpPr>
+          <p:cNvPr id="3" name="Espaço Reservado para Texto 2"/>
+          <p:cNvSpPr>
+            <a:spLocks noGrp="1"/>
+          </p:cNvSpPr>
+          <p:nvPr>
+            <p:ph type="body" idx="1"/>
+          </p:nvPr>
+        </p:nvSpPr>
+        <p:spPr>
+          <a:xfrm>
+            <a:off x="722313" y="4068763"/>
+            <a:ext cx="7772400" cy="1842640"/>
+          </a:xfrm>
+        </p:spPr>
+        <p:txBody>
+          <a:bodyPr>
+            <a:normAutofit/>
+          </a:bodyPr>
+          <a:lstStyle/>
+          <a:p>
+            <a:r>
+              <a:rPr lang="pt-BR" sz="2800" dirty="0" smtClean="0"/>
+              <a:t>A melhor solução para o auto diagnóstico é a implantação </a:t>
+            </a:r>
+            <a:r>
+              <a:rPr lang="pt-BR" sz="2800" dirty="0"/>
+              <a:t>de um questionário de auto avaliação</a:t>
+            </a:r>
+          </a:p>
+        </p:txBody>
+      </p:sp>
+      <p:sp>
+        <p:nvSpPr>
+          <p:cNvPr id="4" name="Espaço Reservado para Número de Slide 3"/>
+          <p:cNvSpPr>
+            <a:spLocks noGrp="1"/>
+          </p:cNvSpPr>
+          <p:nvPr>
+            <p:ph type="sldNum" sz="quarter" idx="12"/>
+          </p:nvPr>
+        </p:nvSpPr>
+        <p:spPr/>
+        <p:txBody>
+          <a:bodyPr/>
+          <a:lstStyle/>
+          <a:p>
+            <a:fld id="{BA9B540C-44DA-4F69-89C9-7C84606640D3}" type="slidenum">
+              <a:rPr lang="en-US" smtClean="0"/>
+              <a:pPr/>
+              <a:t>31</a:t>
+            </a:fld>
+            <a:endParaRPr lang="en-US"/>
+          </a:p>
+        </p:txBody>
+      </p:sp>
+    </p:spTree>
+    <p:extLst>
+      <p:ext uri="{BB962C8B-B14F-4D97-AF65-F5344CB8AC3E}">
+        <p14:creationId xmlns:p14="http://schemas.microsoft.com/office/powerpoint/2010/main" val="3337286482"/>
+      </p:ext>
+    </p:extLst>
+  </p:cSld>
+  <p:clrMapOvr>
+    <a:masterClrMapping/>
+  </p:clrMapOvr>
+  <p:timing>
+    <p:tnLst>
+      <p:par>
+        <p:cTn id="1" dur="indefinite" restart="never" nodeType="tmRoot"/>
+      </p:par>
+    </p:tnLst>
+  </p:timing>
+</p:sld>
+</file>
+
+<file path=ppt/slides/slide32.xml><?xml version="1.0" encoding="utf-8"?>
+<p:sld xmlns:a="http://schemas.openxmlformats.org/drawingml/2006/main" xmlns:r="http://schemas.openxmlformats.org/officeDocument/2006/relationships" xmlns:p="http://schemas.openxmlformats.org/presentationml/2006/main">
+  <p:cSld>
+    <p:spTree>
+      <p:nvGrpSpPr>
+        <p:cNvPr id="1" name=""/>
+        <p:cNvGrpSpPr/>
+        <p:nvPr/>
+      </p:nvGrpSpPr>
+      <p:grpSpPr>
+        <a:xfrm>
+          <a:off x="0" y="0"/>
+          <a:ext cx="0" cy="0"/>
+          <a:chOff x="0" y="0"/>
+          <a:chExt cx="0" cy="0"/>
+        </a:xfrm>
+      </p:grpSpPr>
+      <p:sp>
+        <p:nvSpPr>
           <p:cNvPr id="5" name="Título 4"/>
           <p:cNvSpPr>
             <a:spLocks noGrp="1"/>
@@ -18315,7 +18657,6 @@
               <a:rPr lang="pt-BR" dirty="0" smtClean="0"/>
               <a:t> por área.</a:t>
             </a:r>
-            <a:endParaRPr lang="pt-BR" dirty="0" smtClean="0"/>
           </a:p>
         </p:txBody>
       </p:sp>
@@ -18337,7 +18678,7 @@
             <a:fld id="{BA9B540C-44DA-4F69-89C9-7C84606640D3}" type="slidenum">
               <a:rPr lang="en-US" smtClean="0"/>
               <a:pPr/>
-              <a:t>30</a:t>
+              <a:t>32</a:t>
             </a:fld>
             <a:endParaRPr lang="en-US"/>
           </a:p>
@@ -18631,307 +18972,6 @@
 </p:sld>
 </file>
 
-<file path=ppt/slides/slide31.xml><?xml version="1.0" encoding="utf-8"?>
-<p:sld xmlns:a="http://schemas.openxmlformats.org/drawingml/2006/main" xmlns:r="http://schemas.openxmlformats.org/officeDocument/2006/relationships" xmlns:p="http://schemas.openxmlformats.org/presentationml/2006/main">
-  <p:cSld>
-    <p:spTree>
-      <p:nvGrpSpPr>
-        <p:cNvPr id="1" name=""/>
-        <p:cNvGrpSpPr/>
-        <p:nvPr/>
-      </p:nvGrpSpPr>
-      <p:grpSpPr>
-        <a:xfrm>
-          <a:off x="0" y="0"/>
-          <a:ext cx="0" cy="0"/>
-          <a:chOff x="0" y="0"/>
-          <a:chExt cx="0" cy="0"/>
-        </a:xfrm>
-      </p:grpSpPr>
-      <p:sp>
-        <p:nvSpPr>
-          <p:cNvPr id="5" name="Título 4"/>
-          <p:cNvSpPr>
-            <a:spLocks noGrp="1"/>
-          </p:cNvSpPr>
-          <p:nvPr>
-            <p:ph type="title"/>
-          </p:nvPr>
-        </p:nvSpPr>
-        <p:spPr>
-          <a:xfrm>
-            <a:off x="457200" y="-1"/>
-            <a:ext cx="8229600" cy="1777285"/>
-          </a:xfrm>
-        </p:spPr>
-        <p:txBody>
-          <a:bodyPr/>
-          <a:lstStyle/>
-          <a:p>
-            <a:r>
-              <a:rPr lang="pt-BR" sz="3200" dirty="0"/>
-              <a:t>Pontuação desses valores através de sua ordem de importância para a empresa</a:t>
-            </a:r>
-            <a:endParaRPr lang="pt-BR" sz="3200" dirty="0"/>
-          </a:p>
-        </p:txBody>
-      </p:sp>
-      <p:sp>
-        <p:nvSpPr>
-          <p:cNvPr id="4" name="Espaço Reservado para Número de Slide 3"/>
-          <p:cNvSpPr>
-            <a:spLocks noGrp="1"/>
-          </p:cNvSpPr>
-          <p:nvPr>
-            <p:ph type="sldNum" sz="quarter" idx="12"/>
-          </p:nvPr>
-        </p:nvSpPr>
-        <p:spPr/>
-        <p:txBody>
-          <a:bodyPr/>
-          <a:lstStyle/>
-          <a:p>
-            <a:fld id="{BA9B540C-44DA-4F69-89C9-7C84606640D3}" type="slidenum">
-              <a:rPr lang="en-US" smtClean="0"/>
-              <a:pPr/>
-              <a:t>31</a:t>
-            </a:fld>
-            <a:endParaRPr lang="en-US"/>
-          </a:p>
-        </p:txBody>
-      </p:sp>
-      <p:pic>
-        <p:nvPicPr>
-          <p:cNvPr id="7" name="Imagem 6"/>
-          <p:cNvPicPr>
-            <a:picLocks noChangeAspect="1" noChangeArrowheads="1"/>
-          </p:cNvPicPr>
-          <p:nvPr/>
-        </p:nvPicPr>
-        <p:blipFill>
-          <a:blip r:embed="rId2">
-            <a:extLst>
-              <a:ext uri="{28A0092B-C50C-407E-A947-70E740481C1C}">
-                <a14:useLocalDpi xmlns:a14="http://schemas.microsoft.com/office/drawing/2010/main" val="0"/>
-              </a:ext>
-            </a:extLst>
-          </a:blip>
-          <a:srcRect/>
-          <a:stretch>
-            <a:fillRect/>
-          </a:stretch>
-        </p:blipFill>
-        <p:spPr bwMode="auto">
-          <a:xfrm>
-            <a:off x="628650" y="2185987"/>
-            <a:ext cx="7886700" cy="2486025"/>
-          </a:xfrm>
-          <a:prstGeom prst="rect">
-            <a:avLst/>
-          </a:prstGeom>
-          <a:noFill/>
-          <a:extLst>
-            <a:ext uri="{909E8E84-426E-40DD-AFC4-6F175D3DCCD1}">
-              <a14:hiddenFill xmlns:a14="http://schemas.microsoft.com/office/drawing/2010/main">
-                <a:solidFill>
-                  <a:srgbClr val="FFFFFF"/>
-                </a:solidFill>
-              </a14:hiddenFill>
-            </a:ext>
-          </a:extLst>
-        </p:spPr>
-      </p:pic>
-    </p:spTree>
-    <p:extLst>
-      <p:ext uri="{BB962C8B-B14F-4D97-AF65-F5344CB8AC3E}">
-        <p14:creationId xmlns:p14="http://schemas.microsoft.com/office/powerpoint/2010/main" val="4092468326"/>
-      </p:ext>
-    </p:extLst>
-  </p:cSld>
-  <p:clrMapOvr>
-    <a:masterClrMapping/>
-  </p:clrMapOvr>
-  <p:timing>
-    <p:tnLst>
-      <p:par>
-        <p:cTn id="1" dur="indefinite" restart="never" nodeType="tmRoot"/>
-      </p:par>
-    </p:tnLst>
-  </p:timing>
-</p:sld>
-</file>
-
-<file path=ppt/slides/slide32.xml><?xml version="1.0" encoding="utf-8"?>
-<p:sld xmlns:a="http://schemas.openxmlformats.org/drawingml/2006/main" xmlns:r="http://schemas.openxmlformats.org/officeDocument/2006/relationships" xmlns:p="http://schemas.openxmlformats.org/presentationml/2006/main">
-  <p:cSld>
-    <p:spTree>
-      <p:nvGrpSpPr>
-        <p:cNvPr id="1" name=""/>
-        <p:cNvGrpSpPr/>
-        <p:nvPr/>
-      </p:nvGrpSpPr>
-      <p:grpSpPr>
-        <a:xfrm>
-          <a:off x="0" y="0"/>
-          <a:ext cx="0" cy="0"/>
-          <a:chOff x="0" y="0"/>
-          <a:chExt cx="0" cy="0"/>
-        </a:xfrm>
-      </p:grpSpPr>
-      <p:sp>
-        <p:nvSpPr>
-          <p:cNvPr id="5" name="Título 4"/>
-          <p:cNvSpPr>
-            <a:spLocks noGrp="1"/>
-          </p:cNvSpPr>
-          <p:nvPr>
-            <p:ph type="title"/>
-          </p:nvPr>
-        </p:nvSpPr>
-        <p:spPr>
-          <a:xfrm>
-            <a:off x="457200" y="-1"/>
-            <a:ext cx="8229600" cy="1867438"/>
-          </a:xfrm>
-        </p:spPr>
-        <p:txBody>
-          <a:bodyPr/>
-          <a:lstStyle/>
-          <a:p>
-            <a:r>
-              <a:rPr lang="pt-BR" sz="3200" dirty="0"/>
-              <a:t>Pontuação de cada resposta em relação aos valores</a:t>
-            </a:r>
-            <a:endParaRPr lang="pt-BR" sz="3200" dirty="0"/>
-          </a:p>
-        </p:txBody>
-      </p:sp>
-      <p:sp>
-        <p:nvSpPr>
-          <p:cNvPr id="4" name="Espaço Reservado para Número de Slide 3"/>
-          <p:cNvSpPr>
-            <a:spLocks noGrp="1"/>
-          </p:cNvSpPr>
-          <p:nvPr>
-            <p:ph type="sldNum" sz="quarter" idx="12"/>
-          </p:nvPr>
-        </p:nvSpPr>
-        <p:spPr/>
-        <p:txBody>
-          <a:bodyPr/>
-          <a:lstStyle/>
-          <a:p>
-            <a:fld id="{BA9B540C-44DA-4F69-89C9-7C84606640D3}" type="slidenum">
-              <a:rPr lang="en-US" smtClean="0"/>
-              <a:pPr/>
-              <a:t>32</a:t>
-            </a:fld>
-            <a:endParaRPr lang="en-US"/>
-          </a:p>
-        </p:txBody>
-      </p:sp>
-      <p:pic>
-        <p:nvPicPr>
-          <p:cNvPr id="6" name="Imagem 5"/>
-          <p:cNvPicPr>
-            <a:picLocks noChangeAspect="1" noChangeArrowheads="1"/>
-          </p:cNvPicPr>
-          <p:nvPr/>
-        </p:nvPicPr>
-        <p:blipFill>
-          <a:blip r:embed="rId2" cstate="email">
-            <a:extLst>
-              <a:ext uri="{28A0092B-C50C-407E-A947-70E740481C1C}">
-                <a14:useLocalDpi xmlns:a14="http://schemas.microsoft.com/office/drawing/2010/main" val="0"/>
-              </a:ext>
-            </a:extLst>
-          </a:blip>
-          <a:srcRect/>
-          <a:stretch>
-            <a:fillRect/>
-          </a:stretch>
-        </p:blipFill>
-        <p:spPr bwMode="auto">
-          <a:xfrm>
-            <a:off x="457200" y="2601277"/>
-            <a:ext cx="8932545" cy="1655445"/>
-          </a:xfrm>
-          <a:prstGeom prst="rect">
-            <a:avLst/>
-          </a:prstGeom>
-          <a:noFill/>
-          <a:extLst>
-            <a:ext uri="{909E8E84-426E-40DD-AFC4-6F175D3DCCD1}">
-              <a14:hiddenFill xmlns:a14="http://schemas.microsoft.com/office/drawing/2010/main">
-                <a:solidFill>
-                  <a:srgbClr val="FFFFFF"/>
-                </a:solidFill>
-              </a14:hiddenFill>
-            </a:ext>
-          </a:extLst>
-        </p:spPr>
-      </p:pic>
-      <p:pic>
-        <p:nvPicPr>
-          <p:cNvPr id="8" name="Imagem 7"/>
-          <p:cNvPicPr>
-            <a:picLocks noChangeAspect="1" noChangeArrowheads="1"/>
-          </p:cNvPicPr>
-          <p:nvPr/>
-        </p:nvPicPr>
-        <p:blipFill>
-          <a:blip r:embed="rId3" cstate="email">
-            <a:extLst>
-              <a:ext uri="{28A0092B-C50C-407E-A947-70E740481C1C}">
-                <a14:useLocalDpi xmlns:a14="http://schemas.microsoft.com/office/drawing/2010/main" val="0"/>
-              </a:ext>
-            </a:extLst>
-          </a:blip>
-          <a:srcRect/>
-          <a:stretch>
-            <a:fillRect/>
-          </a:stretch>
-        </p:blipFill>
-        <p:spPr bwMode="auto">
-          <a:xfrm>
-            <a:off x="2209545" y="4672012"/>
-            <a:ext cx="5008245" cy="1655445"/>
-          </a:xfrm>
-          <a:prstGeom prst="rect">
-            <a:avLst/>
-          </a:prstGeom>
-          <a:noFill/>
-          <a:extLst>
-            <a:ext uri="{909E8E84-426E-40DD-AFC4-6F175D3DCCD1}">
-              <a14:hiddenFill xmlns:a14="http://schemas.microsoft.com/office/drawing/2010/main">
-                <a:solidFill>
-                  <a:srgbClr val="FFFFFF"/>
-                </a:solidFill>
-              </a14:hiddenFill>
-            </a:ext>
-          </a:extLst>
-        </p:spPr>
-      </p:pic>
-    </p:spTree>
-    <p:extLst>
-      <p:ext uri="{BB962C8B-B14F-4D97-AF65-F5344CB8AC3E}">
-        <p14:creationId xmlns:p14="http://schemas.microsoft.com/office/powerpoint/2010/main" val="191409761"/>
-      </p:ext>
-    </p:extLst>
-  </p:cSld>
-  <p:clrMapOvr>
-    <a:masterClrMapping/>
-  </p:clrMapOvr>
-  <p:timing>
-    <p:tnLst>
-      <p:par>
-        <p:cTn id="1" dur="indefinite" restart="never" nodeType="tmRoot"/>
-      </p:par>
-    </p:tnLst>
-  </p:timing>
-</p:sld>
-</file>
-
 <file path=ppt/slides/slide33.xml><?xml version="1.0" encoding="utf-8"?>
 <p:sld xmlns:a="http://schemas.openxmlformats.org/drawingml/2006/main" xmlns:r="http://schemas.openxmlformats.org/officeDocument/2006/relationships" xmlns:p="http://schemas.openxmlformats.org/presentationml/2006/main">
   <p:cSld>
@@ -18951,7 +18991,7 @@
       </p:grpSpPr>
       <p:sp>
         <p:nvSpPr>
-          <p:cNvPr id="5" name="Título 4"/>
+          <p:cNvPr id="2" name="Título 1"/>
           <p:cNvSpPr>
             <a:spLocks noGrp="1"/>
           </p:cNvSpPr>
@@ -18959,35 +18999,25 @@
             <p:ph type="title"/>
           </p:nvPr>
         </p:nvSpPr>
-        <p:spPr>
-          <a:xfrm>
-            <a:off x="457200" y="-1"/>
-            <a:ext cx="8229600" cy="2185988"/>
-          </a:xfrm>
-        </p:spPr>
+        <p:spPr/>
         <p:txBody>
           <a:bodyPr/>
           <a:lstStyle/>
           <a:p>
             <a:r>
-              <a:rPr lang="pt-BR" sz="3200" dirty="0"/>
-              <a:t>Aplicação desses valores como pesos nas escalas de </a:t>
-            </a:r>
-            <a:r>
-              <a:rPr lang="pt-BR" sz="3200" dirty="0" err="1"/>
-              <a:t>Likert</a:t>
-            </a:r>
-            <a:r>
-              <a:rPr lang="pt-BR" sz="3200" dirty="0"/>
-              <a:t> do questionário de auto avaliação</a:t>
-            </a:r>
-            <a:endParaRPr lang="pt-BR" sz="3200" dirty="0"/>
+              <a:rPr lang="pt-BR" dirty="0" smtClean="0"/>
+              <a:t>Abordagem estatística pesquisas </a:t>
+            </a:r>
+            <a:r>
+              <a:rPr lang="pt-BR" dirty="0"/>
+              <a:t>qualitativas</a:t>
+            </a:r>
           </a:p>
         </p:txBody>
       </p:sp>
       <p:sp>
         <p:nvSpPr>
-          <p:cNvPr id="4" name="Espaço Reservado para Número de Slide 3"/>
+          <p:cNvPr id="3" name="Espaço Reservado para Número de Slide 2"/>
           <p:cNvSpPr>
             <a:spLocks noGrp="1"/>
           </p:cNvSpPr>
@@ -19011,9 +19041,9 @@
       </p:sp>
       <p:pic>
         <p:nvPicPr>
-          <p:cNvPr id="9" name="Imagem 8"/>
+          <p:cNvPr id="4" name="Imagem 3"/>
           <p:cNvPicPr>
-            <a:picLocks noChangeAspect="1" noChangeArrowheads="1"/>
+            <a:picLocks noChangeAspect="1"/>
           </p:cNvPicPr>
           <p:nvPr/>
         </p:nvPicPr>
@@ -19025,35 +19055,73 @@
               </a:ext>
             </a:extLst>
           </a:blip>
-          <a:srcRect/>
           <a:stretch>
             <a:fillRect/>
           </a:stretch>
         </p:blipFill>
-        <p:spPr bwMode="auto">
+        <p:spPr>
           <a:xfrm>
-            <a:off x="1911989" y="2601277"/>
-            <a:ext cx="5732145" cy="1655445"/>
+            <a:off x="1394071" y="1679356"/>
+            <a:ext cx="6355858" cy="4253536"/>
+          </a:xfrm>
+          <a:prstGeom prst="rect">
+            <a:avLst/>
+          </a:prstGeom>
+        </p:spPr>
+      </p:pic>
+      <p:sp>
+        <p:nvSpPr>
+          <p:cNvPr id="5" name="CaixaDeTexto 4"/>
+          <p:cNvSpPr txBox="1"/>
+          <p:nvPr/>
+        </p:nvSpPr>
+        <p:spPr>
+          <a:xfrm>
+            <a:off x="421569" y="5968326"/>
+            <a:ext cx="8300862" cy="369332"/>
           </a:xfrm>
           <a:prstGeom prst="rect">
             <a:avLst/>
           </a:prstGeom>
           <a:noFill/>
-          <a:extLst>
-            <a:ext uri="{909E8E84-426E-40DD-AFC4-6F175D3DCCD1}">
-              <a14:hiddenFill xmlns:a14="http://schemas.microsoft.com/office/drawing/2010/main">
-                <a:solidFill>
-                  <a:srgbClr val="FFFFFF"/>
-                </a:solidFill>
-              </a14:hiddenFill>
-            </a:ext>
-          </a:extLst>
         </p:spPr>
-      </p:pic>
+        <p:txBody>
+          <a:bodyPr wrap="none" rtlCol="0">
+            <a:spAutoFit/>
+          </a:bodyPr>
+          <a:lstStyle/>
+          <a:p>
+            <a:r>
+              <a:rPr lang="pt-BR" dirty="0" smtClean="0"/>
+              <a:t>Abordagem </a:t>
+            </a:r>
+            <a:r>
+              <a:rPr lang="pt-BR" dirty="0"/>
+              <a:t>estatística na pesquisa </a:t>
+            </a:r>
+            <a:r>
+              <a:rPr lang="pt-BR" dirty="0" smtClean="0"/>
+              <a:t>quantitativa. Fonte</a:t>
+            </a:r>
+            <a:r>
+              <a:rPr lang="pt-BR" dirty="0"/>
+              <a:t>: </a:t>
+            </a:r>
+            <a:r>
+              <a:rPr lang="pt-BR" dirty="0" err="1"/>
+              <a:t>Manzato</a:t>
+            </a:r>
+            <a:r>
+              <a:rPr lang="pt-BR" dirty="0"/>
+              <a:t> e Santos (2012)</a:t>
+            </a:r>
+          </a:p>
+        </p:txBody>
+      </p:sp>
     </p:spTree>
     <p:extLst>
       <p:ext uri="{BB962C8B-B14F-4D97-AF65-F5344CB8AC3E}">
-        <p14:creationId xmlns:p14="http://schemas.microsoft.com/office/powerpoint/2010/main" val="3205883508"/>
+        <p14:creationId xmlns:p14="http://schemas.microsoft.com/office/powerpoint/2010/main" val="3594637008"/>
       </p:ext>
     </p:extLst>
   </p:cSld>
@@ -19089,7 +19157,7 @@
       </p:grpSpPr>
       <p:sp>
         <p:nvSpPr>
-          <p:cNvPr id="5" name="Título 4"/>
+          <p:cNvPr id="2" name="Título 1"/>
           <p:cNvSpPr>
             <a:spLocks noGrp="1"/>
           </p:cNvSpPr>
@@ -19097,36 +19165,34 @@
             <p:ph type="title"/>
           </p:nvPr>
         </p:nvSpPr>
-        <p:spPr>
-          <a:xfrm>
-            <a:off x="457200" y="-1"/>
-            <a:ext cx="8229600" cy="1596981"/>
-          </a:xfrm>
-        </p:spPr>
+        <p:spPr/>
         <p:txBody>
           <a:bodyPr/>
           <a:lstStyle/>
           <a:p>
             <a:r>
-              <a:rPr lang="pt-BR" sz="3200" dirty="0" smtClean="0"/>
-              <a:t>Totalização dos </a:t>
-            </a:r>
-            <a:r>
-              <a:rPr lang="pt-BR" sz="3200" i="1" dirty="0" smtClean="0"/>
-              <a:t>scores</a:t>
-            </a:r>
-            <a:r>
-              <a:rPr lang="pt-BR" sz="3200" dirty="0" smtClean="0"/>
-              <a:t> para </a:t>
-            </a:r>
-            <a:br>
-              <a:rPr lang="pt-BR" sz="3200" dirty="0" smtClean="0"/>
-            </a:br>
-            <a:r>
-              <a:rPr lang="pt-BR" sz="3200" dirty="0" smtClean="0"/>
-              <a:t>gerência de projetos</a:t>
-            </a:r>
-            <a:endParaRPr lang="pt-BR" sz="3200" dirty="0"/>
+              <a:rPr lang="pt-BR" dirty="0"/>
+              <a:t>Planejamento e redação do questionário</a:t>
+            </a:r>
+          </a:p>
+        </p:txBody>
+      </p:sp>
+      <p:sp>
+        <p:nvSpPr>
+          <p:cNvPr id="3" name="Espaço Reservado para Texto 2"/>
+          <p:cNvSpPr>
+            <a:spLocks noGrp="1"/>
+          </p:cNvSpPr>
+          <p:nvPr>
+            <p:ph type="body" idx="1"/>
+          </p:nvPr>
+        </p:nvSpPr>
+        <p:spPr/>
+        <p:txBody>
+          <a:bodyPr/>
+          <a:lstStyle/>
+          <a:p>
+            <a:endParaRPr lang="pt-BR"/>
           </a:p>
         </p:txBody>
       </p:sp>
@@ -19154,51 +19220,10 @@
           </a:p>
         </p:txBody>
       </p:sp>
-      <p:pic>
-        <p:nvPicPr>
-          <p:cNvPr id="7" name="Imagem 6"/>
-          <p:cNvPicPr>
-            <a:picLocks noChangeAspect="1" noChangeArrowheads="1"/>
-          </p:cNvPicPr>
-          <p:nvPr/>
-        </p:nvPicPr>
-        <p:blipFill>
-          <a:blip r:embed="rId2">
-            <a:extLst>
-              <a:ext uri="{28A0092B-C50C-407E-A947-70E740481C1C}">
-                <a14:useLocalDpi xmlns:a14="http://schemas.microsoft.com/office/drawing/2010/main" val="0"/>
-              </a:ext>
-            </a:extLst>
-          </a:blip>
-          <a:srcRect/>
-          <a:stretch>
-            <a:fillRect/>
-          </a:stretch>
-        </p:blipFill>
-        <p:spPr bwMode="auto">
-          <a:xfrm>
-            <a:off x="314325" y="2395537"/>
-            <a:ext cx="8515350" cy="2066925"/>
-          </a:xfrm>
-          <a:prstGeom prst="rect">
-            <a:avLst/>
-          </a:prstGeom>
-          <a:noFill/>
-          <a:extLst>
-            <a:ext uri="{909E8E84-426E-40DD-AFC4-6F175D3DCCD1}">
-              <a14:hiddenFill xmlns:a14="http://schemas.microsoft.com/office/drawing/2010/main">
-                <a:solidFill>
-                  <a:srgbClr val="FFFFFF"/>
-                </a:solidFill>
-              </a14:hiddenFill>
-            </a:ext>
-          </a:extLst>
-        </p:spPr>
-      </p:pic>
     </p:spTree>
     <p:extLst>
       <p:ext uri="{BB962C8B-B14F-4D97-AF65-F5344CB8AC3E}">
-        <p14:creationId xmlns:p14="http://schemas.microsoft.com/office/powerpoint/2010/main" val="2689514566"/>
+        <p14:creationId xmlns:p14="http://schemas.microsoft.com/office/powerpoint/2010/main" val="151947584"/>
       </p:ext>
     </p:extLst>
   </p:cSld>
@@ -19245,7 +19270,7 @@
         <p:spPr>
           <a:xfrm>
             <a:off x="457200" y="-1"/>
-            <a:ext cx="8229600" cy="1596981"/>
+            <a:ext cx="8229600" cy="1777285"/>
           </a:xfrm>
         </p:spPr>
         <p:txBody>
@@ -19253,29 +19278,17 @@
           <a:lstStyle/>
           <a:p>
             <a:r>
+              <a:rPr lang="pt-BR" sz="3200" dirty="0"/>
+              <a:t>Pontuação </a:t>
+            </a:r>
+            <a:r>
               <a:rPr lang="pt-BR" sz="3200" dirty="0" smtClean="0"/>
-              <a:t>Totalização dos </a:t>
-            </a:r>
-            <a:r>
-              <a:rPr lang="pt-BR" sz="3200" i="1" dirty="0" smtClean="0"/>
-              <a:t>scores</a:t>
-            </a:r>
-            <a:r>
-              <a:rPr lang="pt-BR" sz="3200" dirty="0" smtClean="0"/>
-              <a:t> para </a:t>
-            </a:r>
-            <a:br>
-              <a:rPr lang="pt-BR" sz="3200" dirty="0" smtClean="0"/>
-            </a:br>
-            <a:r>
-              <a:rPr lang="pt-BR" sz="3200" dirty="0" smtClean="0"/>
-              <a:t>desenvolvimento de </a:t>
-            </a:r>
-            <a:r>
-              <a:rPr lang="pt-BR" sz="3200" i="1" dirty="0" smtClean="0"/>
-              <a:t>software</a:t>
-            </a:r>
-            <a:endParaRPr lang="pt-BR" sz="3200" dirty="0"/>
+              <a:t>dos valores </a:t>
+            </a:r>
+            <a:r>
+              <a:rPr lang="pt-BR" sz="3200" dirty="0"/>
+              <a:t>através de sua ordem de importância para a empresa</a:t>
+            </a:r>
           </a:p>
         </p:txBody>
       </p:sp>
@@ -19298,6 +19311,2546 @@
               <a:rPr lang="en-US" smtClean="0"/>
               <a:pPr/>
               <a:t>35</a:t>
+            </a:fld>
+            <a:endParaRPr lang="en-US"/>
+          </a:p>
+        </p:txBody>
+      </p:sp>
+      <p:pic>
+        <p:nvPicPr>
+          <p:cNvPr id="7" name="Imagem 6"/>
+          <p:cNvPicPr>
+            <a:picLocks noChangeAspect="1" noChangeArrowheads="1"/>
+          </p:cNvPicPr>
+          <p:nvPr/>
+        </p:nvPicPr>
+        <p:blipFill>
+          <a:blip r:embed="rId2">
+            <a:extLst>
+              <a:ext uri="{28A0092B-C50C-407E-A947-70E740481C1C}">
+                <a14:useLocalDpi xmlns:a14="http://schemas.microsoft.com/office/drawing/2010/main" val="0"/>
+              </a:ext>
+            </a:extLst>
+          </a:blip>
+          <a:srcRect/>
+          <a:stretch>
+            <a:fillRect/>
+          </a:stretch>
+        </p:blipFill>
+        <p:spPr bwMode="auto">
+          <a:xfrm>
+            <a:off x="628650" y="1876706"/>
+            <a:ext cx="7886700" cy="2486025"/>
+          </a:xfrm>
+          <a:prstGeom prst="rect">
+            <a:avLst/>
+          </a:prstGeom>
+          <a:noFill/>
+          <a:extLst>
+            <a:ext uri="{909E8E84-426E-40DD-AFC4-6F175D3DCCD1}">
+              <a14:hiddenFill xmlns:a14="http://schemas.microsoft.com/office/drawing/2010/main">
+                <a:solidFill>
+                  <a:srgbClr val="FFFFFF"/>
+                </a:solidFill>
+              </a14:hiddenFill>
+            </a:ext>
+          </a:extLst>
+        </p:spPr>
+      </p:pic>
+      <p:sp>
+        <p:nvSpPr>
+          <p:cNvPr id="2" name="CaixaDeTexto 1"/>
+          <p:cNvSpPr txBox="1"/>
+          <p:nvPr/>
+        </p:nvSpPr>
+        <p:spPr>
+          <a:xfrm>
+            <a:off x="628650" y="4567458"/>
+            <a:ext cx="7914628" cy="1754326"/>
+          </a:xfrm>
+          <a:prstGeom prst="rect">
+            <a:avLst/>
+          </a:prstGeom>
+          <a:noFill/>
+        </p:spPr>
+        <p:txBody>
+          <a:bodyPr wrap="square" rtlCol="0">
+            <a:spAutoFit/>
+          </a:bodyPr>
+          <a:lstStyle/>
+          <a:p>
+            <a:r>
+              <a:rPr lang="pt-BR" dirty="0"/>
+              <a:t>A fórmula para cálculo do peso do valor empresarial </a:t>
+            </a:r>
+            <a:r>
+              <a:rPr lang="pt-BR" dirty="0" smtClean="0"/>
+              <a:t>é:</a:t>
+            </a:r>
+          </a:p>
+          <a:p>
+            <a:pPr algn="ctr"/>
+            <a:r>
+              <a:rPr lang="pt-BR" b="1" dirty="0" smtClean="0"/>
+              <a:t> </a:t>
+            </a:r>
+            <a:r>
+              <a:rPr lang="pt-BR" b="1" i="1" dirty="0" smtClean="0"/>
+              <a:t>p </a:t>
+            </a:r>
+            <a:r>
+              <a:rPr lang="pt-BR" b="1" dirty="0"/>
+              <a:t>= </a:t>
+            </a:r>
+            <a:r>
+              <a:rPr lang="pt-BR" b="1" i="1" dirty="0"/>
+              <a:t>n </a:t>
+            </a:r>
+            <a:r>
+              <a:rPr lang="pt-BR" b="1" dirty="0"/>
+              <a:t>+ 1 </a:t>
+            </a:r>
+            <a:r>
+              <a:rPr lang="pt-BR" b="1" i="1" dirty="0"/>
+              <a:t>− </a:t>
+            </a:r>
+            <a:r>
+              <a:rPr lang="pt-BR" b="1" i="1" dirty="0" smtClean="0"/>
+              <a:t>c</a:t>
+            </a:r>
+          </a:p>
+          <a:p>
+            <a:r>
+              <a:rPr lang="pt-BR" dirty="0" smtClean="0"/>
+              <a:t>onde</a:t>
+            </a:r>
+            <a:r>
+              <a:rPr lang="pt-BR" dirty="0"/>
+              <a:t>: </a:t>
+            </a:r>
+            <a:r>
+              <a:rPr lang="pt-BR" dirty="0" smtClean="0"/>
+              <a:t> </a:t>
+            </a:r>
+          </a:p>
+          <a:p>
+            <a:pPr marL="285750" indent="-285750">
+              <a:buFont typeface="Arial" panose="020B0604020202020204" pitchFamily="34" charset="0"/>
+              <a:buChar char="•"/>
+            </a:pPr>
+            <a:r>
+              <a:rPr lang="pt-BR" i="1" dirty="0" smtClean="0"/>
+              <a:t>p </a:t>
+            </a:r>
+            <a:r>
+              <a:rPr lang="pt-BR" dirty="0" smtClean="0"/>
+              <a:t>= peso </a:t>
+            </a:r>
+          </a:p>
+          <a:p>
+            <a:pPr marL="285750" indent="-285750">
+              <a:buFont typeface="Arial" panose="020B0604020202020204" pitchFamily="34" charset="0"/>
+              <a:buChar char="•"/>
+            </a:pPr>
+            <a:r>
+              <a:rPr lang="pt-BR" i="1" dirty="0" smtClean="0"/>
+              <a:t>n </a:t>
+            </a:r>
+            <a:r>
+              <a:rPr lang="pt-BR" dirty="0" smtClean="0"/>
+              <a:t>= quantidade </a:t>
+            </a:r>
+            <a:r>
+              <a:rPr lang="pt-BR" dirty="0"/>
+              <a:t>de valores empresariais disponíveis e </a:t>
+            </a:r>
+            <a:r>
+              <a:rPr lang="pt-BR" dirty="0" smtClean="0"/>
+              <a:t>utilizados</a:t>
+            </a:r>
+          </a:p>
+          <a:p>
+            <a:pPr marL="285750" indent="-285750">
+              <a:buFont typeface="Arial" panose="020B0604020202020204" pitchFamily="34" charset="0"/>
+              <a:buChar char="•"/>
+            </a:pPr>
+            <a:r>
+              <a:rPr lang="pt-BR" i="1" dirty="0" smtClean="0"/>
+              <a:t>c</a:t>
+            </a:r>
+            <a:r>
+              <a:rPr lang="pt-BR" dirty="0" smtClean="0"/>
+              <a:t> = coluna </a:t>
+            </a:r>
+            <a:r>
+              <a:rPr lang="pt-BR" dirty="0"/>
+              <a:t>de classificação</a:t>
+            </a:r>
+          </a:p>
+        </p:txBody>
+      </p:sp>
+    </p:spTree>
+    <p:extLst>
+      <p:ext uri="{BB962C8B-B14F-4D97-AF65-F5344CB8AC3E}">
+        <p14:creationId xmlns:p14="http://schemas.microsoft.com/office/powerpoint/2010/main" val="4092468326"/>
+      </p:ext>
+    </p:extLst>
+  </p:cSld>
+  <p:clrMapOvr>
+    <a:masterClrMapping/>
+  </p:clrMapOvr>
+  <p:timing>
+    <p:tnLst>
+      <p:par>
+        <p:cTn id="1" dur="indefinite" restart="never" nodeType="tmRoot">
+          <p:childTnLst>
+            <p:seq concurrent="1" nextAc="seek">
+              <p:cTn id="2" dur="indefinite" nodeType="mainSeq">
+                <p:childTnLst>
+                  <p:par>
+                    <p:cTn id="3" fill="hold">
+                      <p:stCondLst>
+                        <p:cond delay="indefinite"/>
+                      </p:stCondLst>
+                      <p:childTnLst>
+                        <p:par>
+                          <p:cTn id="4" fill="hold">
+                            <p:stCondLst>
+                              <p:cond delay="0"/>
+                            </p:stCondLst>
+                            <p:childTnLst>
+                              <p:par>
+                                <p:cTn id="5" presetID="1" presetClass="entr" presetSubtype="0" fill="hold" grpId="0" nodeType="clickEffect">
+                                  <p:stCondLst>
+                                    <p:cond delay="0"/>
+                                  </p:stCondLst>
+                                  <p:childTnLst>
+                                    <p:set>
+                                      <p:cBhvr>
+                                        <p:cTn id="6" dur="1" fill="hold">
+                                          <p:stCondLst>
+                                            <p:cond delay="0"/>
+                                          </p:stCondLst>
+                                        </p:cTn>
+                                        <p:tgtEl>
+                                          <p:spTgt spid="2"/>
+                                        </p:tgtEl>
+                                        <p:attrNameLst>
+                                          <p:attrName>style.visibility</p:attrName>
+                                        </p:attrNameLst>
+                                      </p:cBhvr>
+                                      <p:to>
+                                        <p:strVal val="visible"/>
+                                      </p:to>
+                                    </p:set>
+                                  </p:childTnLst>
+                                </p:cTn>
+                              </p:par>
+                            </p:childTnLst>
+                          </p:cTn>
+                        </p:par>
+                      </p:childTnLst>
+                    </p:cTn>
+                  </p:par>
+                </p:childTnLst>
+              </p:cTn>
+              <p:prevCondLst>
+                <p:cond evt="onPrev" delay="0">
+                  <p:tgtEl>
+                    <p:sldTgt/>
+                  </p:tgtEl>
+                </p:cond>
+              </p:prevCondLst>
+              <p:nextCondLst>
+                <p:cond evt="onNext" delay="0">
+                  <p:tgtEl>
+                    <p:sldTgt/>
+                  </p:tgtEl>
+                </p:cond>
+              </p:nextCondLst>
+            </p:seq>
+          </p:childTnLst>
+        </p:cTn>
+      </p:par>
+    </p:tnLst>
+    <p:bldLst>
+      <p:bldP spid="2" grpId="0"/>
+    </p:bldLst>
+  </p:timing>
+</p:sld>
+</file>
+
+<file path=ppt/slides/slide36.xml><?xml version="1.0" encoding="utf-8"?>
+<p:sld xmlns:a="http://schemas.openxmlformats.org/drawingml/2006/main" xmlns:r="http://schemas.openxmlformats.org/officeDocument/2006/relationships" xmlns:p="http://schemas.openxmlformats.org/presentationml/2006/main">
+  <p:cSld>
+    <p:spTree>
+      <p:nvGrpSpPr>
+        <p:cNvPr id="1" name=""/>
+        <p:cNvGrpSpPr/>
+        <p:nvPr/>
+      </p:nvGrpSpPr>
+      <p:grpSpPr>
+        <a:xfrm>
+          <a:off x="0" y="0"/>
+          <a:ext cx="0" cy="0"/>
+          <a:chOff x="0" y="0"/>
+          <a:chExt cx="0" cy="0"/>
+        </a:xfrm>
+      </p:grpSpPr>
+      <p:sp>
+        <p:nvSpPr>
+          <p:cNvPr id="2" name="Título 1"/>
+          <p:cNvSpPr>
+            <a:spLocks noGrp="1"/>
+          </p:cNvSpPr>
+          <p:nvPr>
+            <p:ph type="title"/>
+          </p:nvPr>
+        </p:nvSpPr>
+        <p:spPr/>
+        <p:txBody>
+          <a:bodyPr/>
+          <a:lstStyle/>
+          <a:p>
+            <a:r>
+              <a:rPr lang="pt-BR" dirty="0"/>
+              <a:t>Criação das perguntas</a:t>
+            </a:r>
+          </a:p>
+        </p:txBody>
+      </p:sp>
+      <p:sp>
+        <p:nvSpPr>
+          <p:cNvPr id="3" name="Espaço Reservado para Número de Slide 2"/>
+          <p:cNvSpPr>
+            <a:spLocks noGrp="1"/>
+          </p:cNvSpPr>
+          <p:nvPr>
+            <p:ph type="sldNum" sz="quarter" idx="12"/>
+          </p:nvPr>
+        </p:nvSpPr>
+        <p:spPr/>
+        <p:txBody>
+          <a:bodyPr/>
+          <a:lstStyle/>
+          <a:p>
+            <a:fld id="{BA9B540C-44DA-4F69-89C9-7C84606640D3}" type="slidenum">
+              <a:rPr lang="en-US" smtClean="0"/>
+              <a:pPr/>
+              <a:t>36</a:t>
+            </a:fld>
+            <a:endParaRPr lang="en-US"/>
+          </a:p>
+        </p:txBody>
+      </p:sp>
+      <p:pic>
+        <p:nvPicPr>
+          <p:cNvPr id="4" name="Imagem 3"/>
+          <p:cNvPicPr>
+            <a:picLocks noChangeAspect="1"/>
+          </p:cNvPicPr>
+          <p:nvPr/>
+        </p:nvPicPr>
+        <p:blipFill>
+          <a:blip r:embed="rId2" cstate="email">
+            <a:extLst>
+              <a:ext uri="{28A0092B-C50C-407E-A947-70E740481C1C}">
+                <a14:useLocalDpi xmlns:a14="http://schemas.microsoft.com/office/drawing/2010/main" val="0"/>
+              </a:ext>
+            </a:extLst>
+          </a:blip>
+          <a:stretch>
+            <a:fillRect/>
+          </a:stretch>
+        </p:blipFill>
+        <p:spPr>
+          <a:xfrm>
+            <a:off x="2479128" y="1824710"/>
+            <a:ext cx="4185744" cy="1435710"/>
+          </a:xfrm>
+          <a:prstGeom prst="rect">
+            <a:avLst/>
+          </a:prstGeom>
+        </p:spPr>
+      </p:pic>
+      <p:pic>
+        <p:nvPicPr>
+          <p:cNvPr id="5" name="Content Placeholder 7" descr="AA002733.png"/>
+          <p:cNvPicPr>
+            <a:picLocks noChangeAspect="1"/>
+          </p:cNvPicPr>
+          <p:nvPr/>
+        </p:nvPicPr>
+        <p:blipFill>
+          <a:blip r:embed="rId3" cstate="email">
+            <a:clrChange>
+              <a:clrFrom>
+                <a:srgbClr val="E0DEDD"/>
+              </a:clrFrom>
+              <a:clrTo>
+                <a:srgbClr val="E0DEDD">
+                  <a:alpha val="0"/>
+                </a:srgbClr>
+              </a:clrTo>
+            </a:clrChange>
+            <a:extLst>
+              <a:ext uri="{28A0092B-C50C-407E-A947-70E740481C1C}">
+                <a14:useLocalDpi xmlns:a14="http://schemas.microsoft.com/office/drawing/2010/main" val="0"/>
+              </a:ext>
+            </a:extLst>
+          </a:blip>
+          <a:srcRect t="-39593" b="-39593"/>
+          <a:stretch>
+            <a:fillRect/>
+          </a:stretch>
+        </p:blipFill>
+        <p:spPr>
+          <a:xfrm>
+            <a:off x="919551" y="1286911"/>
+            <a:ext cx="2403198" cy="2691364"/>
+          </a:xfrm>
+          <a:prstGeom prst="rect">
+            <a:avLst/>
+          </a:prstGeom>
+        </p:spPr>
+      </p:pic>
+      <p:sp>
+        <p:nvSpPr>
+          <p:cNvPr id="7" name="CaixaDeTexto 6"/>
+          <p:cNvSpPr txBox="1"/>
+          <p:nvPr/>
+        </p:nvSpPr>
+        <p:spPr>
+          <a:xfrm>
+            <a:off x="759854" y="3721994"/>
+            <a:ext cx="7624292" cy="2554545"/>
+          </a:xfrm>
+          <a:prstGeom prst="rect">
+            <a:avLst/>
+          </a:prstGeom>
+          <a:noFill/>
+        </p:spPr>
+        <p:txBody>
+          <a:bodyPr wrap="square" rtlCol="0">
+            <a:spAutoFit/>
+          </a:bodyPr>
+          <a:lstStyle/>
+          <a:p>
+            <a:pPr algn="ctr"/>
+            <a:r>
+              <a:rPr lang="pt-BR" sz="2000" dirty="0" smtClean="0"/>
+              <a:t>Respostas: </a:t>
+            </a:r>
+            <a:r>
+              <a:rPr lang="pt-BR" sz="2000" dirty="0" err="1" smtClean="0"/>
+              <a:t>Likert</a:t>
+            </a:r>
+            <a:r>
+              <a:rPr lang="pt-BR" sz="2000" dirty="0" smtClean="0"/>
+              <a:t>?</a:t>
+            </a:r>
+          </a:p>
+          <a:p>
+            <a:pPr algn="r"/>
+            <a:endParaRPr lang="pt-BR" sz="2000" dirty="0" smtClean="0"/>
+          </a:p>
+          <a:p>
+            <a:pPr marL="285750" indent="-285750">
+              <a:buFont typeface="Arial" panose="020B0604020202020204" pitchFamily="34" charset="0"/>
+              <a:buChar char="•"/>
+            </a:pPr>
+            <a:r>
+              <a:rPr lang="pt-BR" sz="2000" dirty="0" smtClean="0"/>
+              <a:t>Maior </a:t>
+            </a:r>
+            <a:r>
+              <a:rPr lang="pt-BR" sz="2000" dirty="0"/>
+              <a:t>valor na escala: </a:t>
+            </a:r>
+            <a:r>
+              <a:rPr lang="pt-BR" sz="2000" dirty="0" smtClean="0"/>
+              <a:t>transcrição </a:t>
+            </a:r>
+            <a:r>
+              <a:rPr lang="pt-BR" sz="2000" dirty="0"/>
+              <a:t>da definição do processo da norma </a:t>
+            </a:r>
+            <a:r>
+              <a:rPr lang="pt-BR" sz="2000" dirty="0" smtClean="0"/>
+              <a:t>(maior </a:t>
+            </a:r>
+            <a:r>
+              <a:rPr lang="pt-BR" sz="2000" dirty="0"/>
+              <a:t>nível de </a:t>
+            </a:r>
+            <a:r>
+              <a:rPr lang="pt-BR" sz="2000" dirty="0" smtClean="0"/>
+              <a:t>maturidade);</a:t>
+            </a:r>
+            <a:r>
+              <a:rPr lang="pt-BR" sz="2000" dirty="0"/>
+              <a:t>	</a:t>
+            </a:r>
+          </a:p>
+          <a:p>
+            <a:pPr marL="285750" indent="-285750">
+              <a:buFont typeface="Arial" panose="020B0604020202020204" pitchFamily="34" charset="0"/>
+              <a:buChar char="•"/>
+            </a:pPr>
+            <a:r>
+              <a:rPr lang="pt-BR" sz="2000" dirty="0" smtClean="0"/>
+              <a:t>Menor </a:t>
+            </a:r>
+            <a:r>
+              <a:rPr lang="pt-BR" sz="2000" dirty="0"/>
+              <a:t>valor na escala: </a:t>
+            </a:r>
+            <a:r>
+              <a:rPr lang="pt-BR" sz="2000" dirty="0" smtClean="0"/>
+              <a:t>contrapartida (pior </a:t>
+            </a:r>
+            <a:r>
+              <a:rPr lang="pt-BR" sz="2000" dirty="0"/>
+              <a:t>nível de </a:t>
+            </a:r>
+            <a:r>
+              <a:rPr lang="pt-BR" sz="2000" dirty="0" smtClean="0"/>
+              <a:t>maturidade);</a:t>
+            </a:r>
+            <a:endParaRPr lang="pt-BR" sz="2000" dirty="0"/>
+          </a:p>
+          <a:p>
+            <a:pPr marL="285750" indent="-285750">
+              <a:buFont typeface="Arial" panose="020B0604020202020204" pitchFamily="34" charset="0"/>
+              <a:buChar char="•"/>
+            </a:pPr>
+            <a:r>
+              <a:rPr lang="pt-BR" sz="2000" dirty="0" smtClean="0"/>
+              <a:t>Demais </a:t>
+            </a:r>
+            <a:r>
+              <a:rPr lang="pt-BR" sz="2000" dirty="0"/>
+              <a:t>itens: </a:t>
+            </a:r>
+            <a:r>
+              <a:rPr lang="pt-BR" sz="2000" dirty="0" smtClean="0"/>
+              <a:t>elementos </a:t>
+            </a:r>
+            <a:r>
+              <a:rPr lang="pt-BR" sz="2000" dirty="0"/>
+              <a:t>e situações que elevassem gradualmente o nível de </a:t>
+            </a:r>
+            <a:r>
+              <a:rPr lang="pt-BR" sz="2000" dirty="0" smtClean="0"/>
+              <a:t>maturidade.</a:t>
+            </a:r>
+            <a:endParaRPr lang="pt-BR" sz="2000" dirty="0"/>
+          </a:p>
+        </p:txBody>
+      </p:sp>
+    </p:spTree>
+    <p:extLst>
+      <p:ext uri="{BB962C8B-B14F-4D97-AF65-F5344CB8AC3E}">
+        <p14:creationId xmlns:p14="http://schemas.microsoft.com/office/powerpoint/2010/main" val="1327567386"/>
+      </p:ext>
+    </p:extLst>
+  </p:cSld>
+  <p:clrMapOvr>
+    <a:masterClrMapping/>
+  </p:clrMapOvr>
+  <p:timing>
+    <p:tnLst>
+      <p:par>
+        <p:cTn id="1" dur="indefinite" restart="never" nodeType="tmRoot">
+          <p:childTnLst>
+            <p:seq concurrent="1" nextAc="seek">
+              <p:cTn id="2" dur="indefinite" nodeType="mainSeq">
+                <p:childTnLst>
+                  <p:par>
+                    <p:cTn id="3" fill="hold">
+                      <p:stCondLst>
+                        <p:cond delay="indefinite"/>
+                      </p:stCondLst>
+                      <p:childTnLst>
+                        <p:par>
+                          <p:cTn id="4" fill="hold">
+                            <p:stCondLst>
+                              <p:cond delay="0"/>
+                            </p:stCondLst>
+                            <p:childTnLst>
+                              <p:par>
+                                <p:cTn id="5" presetID="1" presetClass="entr" presetSubtype="0" fill="hold" nodeType="clickEffect">
+                                  <p:stCondLst>
+                                    <p:cond delay="0"/>
+                                  </p:stCondLst>
+                                  <p:childTnLst>
+                                    <p:set>
+                                      <p:cBhvr>
+                                        <p:cTn id="6" dur="1" fill="hold">
+                                          <p:stCondLst>
+                                            <p:cond delay="0"/>
+                                          </p:stCondLst>
+                                        </p:cTn>
+                                        <p:tgtEl>
+                                          <p:spTgt spid="7">
+                                            <p:txEl>
+                                              <p:pRg st="0" end="0"/>
+                                            </p:txEl>
+                                          </p:spTgt>
+                                        </p:tgtEl>
+                                        <p:attrNameLst>
+                                          <p:attrName>style.visibility</p:attrName>
+                                        </p:attrNameLst>
+                                      </p:cBhvr>
+                                      <p:to>
+                                        <p:strVal val="visible"/>
+                                      </p:to>
+                                    </p:set>
+                                  </p:childTnLst>
+                                </p:cTn>
+                              </p:par>
+                            </p:childTnLst>
+                          </p:cTn>
+                        </p:par>
+                      </p:childTnLst>
+                    </p:cTn>
+                  </p:par>
+                  <p:par>
+                    <p:cTn id="7" fill="hold">
+                      <p:stCondLst>
+                        <p:cond delay="indefinite"/>
+                      </p:stCondLst>
+                      <p:childTnLst>
+                        <p:par>
+                          <p:cTn id="8" fill="hold">
+                            <p:stCondLst>
+                              <p:cond delay="0"/>
+                            </p:stCondLst>
+                            <p:childTnLst>
+                              <p:par>
+                                <p:cTn id="9" presetID="1" presetClass="entr" presetSubtype="0" fill="hold" nodeType="clickEffect">
+                                  <p:stCondLst>
+                                    <p:cond delay="0"/>
+                                  </p:stCondLst>
+                                  <p:childTnLst>
+                                    <p:set>
+                                      <p:cBhvr>
+                                        <p:cTn id="10" dur="1" fill="hold">
+                                          <p:stCondLst>
+                                            <p:cond delay="0"/>
+                                          </p:stCondLst>
+                                        </p:cTn>
+                                        <p:tgtEl>
+                                          <p:spTgt spid="7">
+                                            <p:txEl>
+                                              <p:pRg st="2" end="2"/>
+                                            </p:txEl>
+                                          </p:spTgt>
+                                        </p:tgtEl>
+                                        <p:attrNameLst>
+                                          <p:attrName>style.visibility</p:attrName>
+                                        </p:attrNameLst>
+                                      </p:cBhvr>
+                                      <p:to>
+                                        <p:strVal val="visible"/>
+                                      </p:to>
+                                    </p:set>
+                                  </p:childTnLst>
+                                </p:cTn>
+                              </p:par>
+                            </p:childTnLst>
+                          </p:cTn>
+                        </p:par>
+                      </p:childTnLst>
+                    </p:cTn>
+                  </p:par>
+                  <p:par>
+                    <p:cTn id="11" fill="hold">
+                      <p:stCondLst>
+                        <p:cond delay="indefinite"/>
+                      </p:stCondLst>
+                      <p:childTnLst>
+                        <p:par>
+                          <p:cTn id="12" fill="hold">
+                            <p:stCondLst>
+                              <p:cond delay="0"/>
+                            </p:stCondLst>
+                            <p:childTnLst>
+                              <p:par>
+                                <p:cTn id="13" presetID="1" presetClass="entr" presetSubtype="0" fill="hold" nodeType="clickEffect">
+                                  <p:stCondLst>
+                                    <p:cond delay="0"/>
+                                  </p:stCondLst>
+                                  <p:childTnLst>
+                                    <p:set>
+                                      <p:cBhvr>
+                                        <p:cTn id="14" dur="1" fill="hold">
+                                          <p:stCondLst>
+                                            <p:cond delay="0"/>
+                                          </p:stCondLst>
+                                        </p:cTn>
+                                        <p:tgtEl>
+                                          <p:spTgt spid="7">
+                                            <p:txEl>
+                                              <p:pRg st="3" end="3"/>
+                                            </p:txEl>
+                                          </p:spTgt>
+                                        </p:tgtEl>
+                                        <p:attrNameLst>
+                                          <p:attrName>style.visibility</p:attrName>
+                                        </p:attrNameLst>
+                                      </p:cBhvr>
+                                      <p:to>
+                                        <p:strVal val="visible"/>
+                                      </p:to>
+                                    </p:set>
+                                  </p:childTnLst>
+                                </p:cTn>
+                              </p:par>
+                            </p:childTnLst>
+                          </p:cTn>
+                        </p:par>
+                      </p:childTnLst>
+                    </p:cTn>
+                  </p:par>
+                  <p:par>
+                    <p:cTn id="15" fill="hold">
+                      <p:stCondLst>
+                        <p:cond delay="indefinite"/>
+                      </p:stCondLst>
+                      <p:childTnLst>
+                        <p:par>
+                          <p:cTn id="16" fill="hold">
+                            <p:stCondLst>
+                              <p:cond delay="0"/>
+                            </p:stCondLst>
+                            <p:childTnLst>
+                              <p:par>
+                                <p:cTn id="17" presetID="1" presetClass="entr" presetSubtype="0" fill="hold" nodeType="clickEffect">
+                                  <p:stCondLst>
+                                    <p:cond delay="0"/>
+                                  </p:stCondLst>
+                                  <p:childTnLst>
+                                    <p:set>
+                                      <p:cBhvr>
+                                        <p:cTn id="18" dur="1" fill="hold">
+                                          <p:stCondLst>
+                                            <p:cond delay="0"/>
+                                          </p:stCondLst>
+                                        </p:cTn>
+                                        <p:tgtEl>
+                                          <p:spTgt spid="7">
+                                            <p:txEl>
+                                              <p:pRg st="4" end="4"/>
+                                            </p:txEl>
+                                          </p:spTgt>
+                                        </p:tgtEl>
+                                        <p:attrNameLst>
+                                          <p:attrName>style.visibility</p:attrName>
+                                        </p:attrNameLst>
+                                      </p:cBhvr>
+                                      <p:to>
+                                        <p:strVal val="visible"/>
+                                      </p:to>
+                                    </p:set>
+                                  </p:childTnLst>
+                                </p:cTn>
+                              </p:par>
+                            </p:childTnLst>
+                          </p:cTn>
+                        </p:par>
+                      </p:childTnLst>
+                    </p:cTn>
+                  </p:par>
+                </p:childTnLst>
+              </p:cTn>
+              <p:prevCondLst>
+                <p:cond evt="onPrev" delay="0">
+                  <p:tgtEl>
+                    <p:sldTgt/>
+                  </p:tgtEl>
+                </p:cond>
+              </p:prevCondLst>
+              <p:nextCondLst>
+                <p:cond evt="onNext" delay="0">
+                  <p:tgtEl>
+                    <p:sldTgt/>
+                  </p:tgtEl>
+                </p:cond>
+              </p:nextCondLst>
+            </p:seq>
+          </p:childTnLst>
+        </p:cTn>
+      </p:par>
+    </p:tnLst>
+  </p:timing>
+</p:sld>
+</file>
+
+<file path=ppt/slides/slide37.xml><?xml version="1.0" encoding="utf-8"?>
+<p:sld xmlns:a="http://schemas.openxmlformats.org/drawingml/2006/main" xmlns:r="http://schemas.openxmlformats.org/officeDocument/2006/relationships" xmlns:p="http://schemas.openxmlformats.org/presentationml/2006/main">
+  <p:cSld>
+    <p:spTree>
+      <p:nvGrpSpPr>
+        <p:cNvPr id="1" name=""/>
+        <p:cNvGrpSpPr/>
+        <p:nvPr/>
+      </p:nvGrpSpPr>
+      <p:grpSpPr>
+        <a:xfrm>
+          <a:off x="0" y="0"/>
+          <a:ext cx="0" cy="0"/>
+          <a:chOff x="0" y="0"/>
+          <a:chExt cx="0" cy="0"/>
+        </a:xfrm>
+      </p:grpSpPr>
+      <p:sp>
+        <p:nvSpPr>
+          <p:cNvPr id="5" name="Título 4"/>
+          <p:cNvSpPr>
+            <a:spLocks noGrp="1"/>
+          </p:cNvSpPr>
+          <p:nvPr>
+            <p:ph type="title"/>
+          </p:nvPr>
+        </p:nvSpPr>
+        <p:spPr>
+          <a:xfrm>
+            <a:off x="457200" y="-1"/>
+            <a:ext cx="8229600" cy="1867438"/>
+          </a:xfrm>
+        </p:spPr>
+        <p:txBody>
+          <a:bodyPr/>
+          <a:lstStyle/>
+          <a:p>
+            <a:r>
+              <a:rPr lang="pt-BR" sz="3200" dirty="0" smtClean="0"/>
+              <a:t>Exemplo de pergunta e resposta</a:t>
+            </a:r>
+            <a:endParaRPr lang="pt-BR" sz="3200" dirty="0"/>
+          </a:p>
+        </p:txBody>
+      </p:sp>
+      <p:sp>
+        <p:nvSpPr>
+          <p:cNvPr id="4" name="Espaço Reservado para Número de Slide 3"/>
+          <p:cNvSpPr>
+            <a:spLocks noGrp="1"/>
+          </p:cNvSpPr>
+          <p:nvPr>
+            <p:ph type="sldNum" sz="quarter" idx="12"/>
+          </p:nvPr>
+        </p:nvSpPr>
+        <p:spPr/>
+        <p:txBody>
+          <a:bodyPr/>
+          <a:lstStyle/>
+          <a:p>
+            <a:fld id="{BA9B540C-44DA-4F69-89C9-7C84606640D3}" type="slidenum">
+              <a:rPr lang="en-US" smtClean="0"/>
+              <a:pPr/>
+              <a:t>37</a:t>
+            </a:fld>
+            <a:endParaRPr lang="en-US"/>
+          </a:p>
+        </p:txBody>
+      </p:sp>
+      <p:pic>
+        <p:nvPicPr>
+          <p:cNvPr id="6" name="Imagem 5"/>
+          <p:cNvPicPr>
+            <a:picLocks noChangeAspect="1" noChangeArrowheads="1"/>
+          </p:cNvPicPr>
+          <p:nvPr/>
+        </p:nvPicPr>
+        <p:blipFill rotWithShape="1">
+          <a:blip r:embed="rId2" cstate="email">
+            <a:extLst>
+              <a:ext uri="{28A0092B-C50C-407E-A947-70E740481C1C}">
+                <a14:useLocalDpi xmlns:a14="http://schemas.microsoft.com/office/drawing/2010/main" val="0"/>
+              </a:ext>
+            </a:extLst>
+          </a:blip>
+          <a:srcRect l="648" t="3906" r="8085" b="15964"/>
+          <a:stretch/>
+        </p:blipFill>
+        <p:spPr bwMode="auto">
+          <a:xfrm>
+            <a:off x="27917" y="2459866"/>
+            <a:ext cx="9088167" cy="1478802"/>
+          </a:xfrm>
+          <a:prstGeom prst="rect">
+            <a:avLst/>
+          </a:prstGeom>
+          <a:noFill/>
+          <a:ln>
+            <a:solidFill>
+              <a:schemeClr val="tx1"/>
+            </a:solidFill>
+          </a:ln>
+          <a:extLst>
+            <a:ext uri="{909E8E84-426E-40DD-AFC4-6F175D3DCCD1}">
+              <a14:hiddenFill xmlns:a14="http://schemas.microsoft.com/office/drawing/2010/main">
+                <a:solidFill>
+                  <a:srgbClr val="FFFFFF"/>
+                </a:solidFill>
+              </a14:hiddenFill>
+            </a:ext>
+          </a:extLst>
+        </p:spPr>
+      </p:pic>
+    </p:spTree>
+    <p:extLst>
+      <p:ext uri="{BB962C8B-B14F-4D97-AF65-F5344CB8AC3E}">
+        <p14:creationId xmlns:p14="http://schemas.microsoft.com/office/powerpoint/2010/main" val="4290808827"/>
+      </p:ext>
+    </p:extLst>
+  </p:cSld>
+  <p:clrMapOvr>
+    <a:masterClrMapping/>
+  </p:clrMapOvr>
+  <p:timing>
+    <p:tnLst>
+      <p:par>
+        <p:cTn id="1" dur="indefinite" restart="never" nodeType="tmRoot"/>
+      </p:par>
+    </p:tnLst>
+  </p:timing>
+</p:sld>
+</file>
+
+<file path=ppt/slides/slide38.xml><?xml version="1.0" encoding="utf-8"?>
+<p:sld xmlns:a="http://schemas.openxmlformats.org/drawingml/2006/main" xmlns:r="http://schemas.openxmlformats.org/officeDocument/2006/relationships" xmlns:p="http://schemas.openxmlformats.org/presentationml/2006/main">
+  <p:cSld>
+    <p:spTree>
+      <p:nvGrpSpPr>
+        <p:cNvPr id="1" name=""/>
+        <p:cNvGrpSpPr/>
+        <p:nvPr/>
+      </p:nvGrpSpPr>
+      <p:grpSpPr>
+        <a:xfrm>
+          <a:off x="0" y="0"/>
+          <a:ext cx="0" cy="0"/>
+          <a:chOff x="0" y="0"/>
+          <a:chExt cx="0" cy="0"/>
+        </a:xfrm>
+      </p:grpSpPr>
+      <p:sp>
+        <p:nvSpPr>
+          <p:cNvPr id="2" name="Título 1"/>
+          <p:cNvSpPr>
+            <a:spLocks noGrp="1"/>
+          </p:cNvSpPr>
+          <p:nvPr>
+            <p:ph type="title"/>
+          </p:nvPr>
+        </p:nvSpPr>
+        <p:spPr/>
+        <p:txBody>
+          <a:bodyPr/>
+          <a:lstStyle/>
+          <a:p>
+            <a:r>
+              <a:rPr lang="pt-BR" dirty="0"/>
+              <a:t>Classificação dos valores empresariais</a:t>
+            </a:r>
+          </a:p>
+        </p:txBody>
+      </p:sp>
+      <p:sp>
+        <p:nvSpPr>
+          <p:cNvPr id="4" name="Espaço Reservado para Número de Slide 3"/>
+          <p:cNvSpPr>
+            <a:spLocks noGrp="1"/>
+          </p:cNvSpPr>
+          <p:nvPr>
+            <p:ph type="sldNum" sz="quarter" idx="12"/>
+          </p:nvPr>
+        </p:nvSpPr>
+        <p:spPr/>
+        <p:txBody>
+          <a:bodyPr/>
+          <a:lstStyle/>
+          <a:p>
+            <a:fld id="{BA9B540C-44DA-4F69-89C9-7C84606640D3}" type="slidenum">
+              <a:rPr lang="en-US" smtClean="0"/>
+              <a:pPr/>
+              <a:t>38</a:t>
+            </a:fld>
+            <a:endParaRPr lang="en-US"/>
+          </a:p>
+        </p:txBody>
+      </p:sp>
+      <p:pic>
+        <p:nvPicPr>
+          <p:cNvPr id="5" name="Imagem 4"/>
+          <p:cNvPicPr>
+            <a:picLocks noChangeAspect="1" noChangeArrowheads="1"/>
+          </p:cNvPicPr>
+          <p:nvPr/>
+        </p:nvPicPr>
+        <p:blipFill>
+          <a:blip r:embed="rId2" cstate="email">
+            <a:extLst>
+              <a:ext uri="{28A0092B-C50C-407E-A947-70E740481C1C}">
+                <a14:useLocalDpi xmlns:a14="http://schemas.microsoft.com/office/drawing/2010/main" val="0"/>
+              </a:ext>
+            </a:extLst>
+          </a:blip>
+          <a:srcRect/>
+          <a:stretch>
+            <a:fillRect/>
+          </a:stretch>
+        </p:blipFill>
+        <p:spPr bwMode="auto">
+          <a:xfrm>
+            <a:off x="2934966" y="2601532"/>
+            <a:ext cx="5850844" cy="1933961"/>
+          </a:xfrm>
+          <a:prstGeom prst="rect">
+            <a:avLst/>
+          </a:prstGeom>
+          <a:noFill/>
+          <a:extLst>
+            <a:ext uri="{909E8E84-426E-40DD-AFC4-6F175D3DCCD1}">
+              <a14:hiddenFill xmlns:a14="http://schemas.microsoft.com/office/drawing/2010/main">
+                <a:solidFill>
+                  <a:srgbClr val="FFFFFF"/>
+                </a:solidFill>
+              </a14:hiddenFill>
+            </a:ext>
+          </a:extLst>
+        </p:spPr>
+      </p:pic>
+      <p:pic>
+        <p:nvPicPr>
+          <p:cNvPr id="6" name="Espaço Reservado para Conteúdo 5"/>
+          <p:cNvPicPr>
+            <a:picLocks noGrp="1" noChangeAspect="1" noChangeArrowheads="1"/>
+          </p:cNvPicPr>
+          <p:nvPr>
+            <p:ph idx="1"/>
+          </p:nvPr>
+        </p:nvPicPr>
+        <p:blipFill rotWithShape="1">
+          <a:blip r:embed="rId3" cstate="email">
+            <a:extLst>
+              <a:ext uri="{28A0092B-C50C-407E-A947-70E740481C1C}">
+                <a14:useLocalDpi xmlns:a14="http://schemas.microsoft.com/office/drawing/2010/main" val="0"/>
+              </a:ext>
+            </a:extLst>
+          </a:blip>
+          <a:srcRect r="73423"/>
+          <a:stretch/>
+        </p:blipFill>
+        <p:spPr bwMode="auto">
+          <a:xfrm>
+            <a:off x="225380" y="2601532"/>
+            <a:ext cx="2555147" cy="1793641"/>
+          </a:xfrm>
+          <a:prstGeom prst="rect">
+            <a:avLst/>
+          </a:prstGeom>
+          <a:noFill/>
+          <a:ln>
+            <a:noFill/>
+          </a:ln>
+          <a:extLst>
+            <a:ext uri="{909E8E84-426E-40DD-AFC4-6F175D3DCCD1}">
+              <a14:hiddenFill xmlns:a14="http://schemas.microsoft.com/office/drawing/2010/main">
+                <a:solidFill>
+                  <a:srgbClr val="FFFFFF"/>
+                </a:solidFill>
+              </a14:hiddenFill>
+            </a:ext>
+          </a:extLst>
+        </p:spPr>
+      </p:pic>
+    </p:spTree>
+    <p:extLst>
+      <p:ext uri="{BB962C8B-B14F-4D97-AF65-F5344CB8AC3E}">
+        <p14:creationId xmlns:p14="http://schemas.microsoft.com/office/powerpoint/2010/main" val="112773261"/>
+      </p:ext>
+    </p:extLst>
+  </p:cSld>
+  <p:clrMapOvr>
+    <a:masterClrMapping/>
+  </p:clrMapOvr>
+  <p:timing>
+    <p:tnLst>
+      <p:par>
+        <p:cTn id="1" dur="indefinite" restart="never" nodeType="tmRoot"/>
+      </p:par>
+    </p:tnLst>
+  </p:timing>
+</p:sld>
+</file>
+
+<file path=ppt/slides/slide39.xml><?xml version="1.0" encoding="utf-8"?>
+<p:sld xmlns:a="http://schemas.openxmlformats.org/drawingml/2006/main" xmlns:r="http://schemas.openxmlformats.org/officeDocument/2006/relationships" xmlns:p="http://schemas.openxmlformats.org/presentationml/2006/main">
+  <p:cSld>
+    <p:spTree>
+      <p:nvGrpSpPr>
+        <p:cNvPr id="1" name=""/>
+        <p:cNvGrpSpPr/>
+        <p:nvPr/>
+      </p:nvGrpSpPr>
+      <p:grpSpPr>
+        <a:xfrm>
+          <a:off x="0" y="0"/>
+          <a:ext cx="0" cy="0"/>
+          <a:chOff x="0" y="0"/>
+          <a:chExt cx="0" cy="0"/>
+        </a:xfrm>
+      </p:grpSpPr>
+      <p:sp>
+        <p:nvSpPr>
+          <p:cNvPr id="2" name="Título 1"/>
+          <p:cNvSpPr>
+            <a:spLocks noGrp="1"/>
+          </p:cNvSpPr>
+          <p:nvPr>
+            <p:ph type="title"/>
+          </p:nvPr>
+        </p:nvSpPr>
+        <p:spPr/>
+        <p:txBody>
+          <a:bodyPr/>
+          <a:lstStyle/>
+          <a:p>
+            <a:r>
+              <a:rPr lang="pt-BR" dirty="0"/>
+              <a:t>Realização de campo</a:t>
+            </a:r>
+          </a:p>
+        </p:txBody>
+      </p:sp>
+      <p:sp>
+        <p:nvSpPr>
+          <p:cNvPr id="3" name="Espaço Reservado para Texto 2"/>
+          <p:cNvSpPr>
+            <a:spLocks noGrp="1"/>
+          </p:cNvSpPr>
+          <p:nvPr>
+            <p:ph type="body" idx="1"/>
+          </p:nvPr>
+        </p:nvSpPr>
+        <p:spPr/>
+        <p:txBody>
+          <a:bodyPr/>
+          <a:lstStyle/>
+          <a:p>
+            <a:endParaRPr lang="pt-BR"/>
+          </a:p>
+        </p:txBody>
+      </p:sp>
+      <p:sp>
+        <p:nvSpPr>
+          <p:cNvPr id="4" name="Espaço Reservado para Número de Slide 3"/>
+          <p:cNvSpPr>
+            <a:spLocks noGrp="1"/>
+          </p:cNvSpPr>
+          <p:nvPr>
+            <p:ph type="sldNum" sz="quarter" idx="12"/>
+          </p:nvPr>
+        </p:nvSpPr>
+        <p:spPr/>
+        <p:txBody>
+          <a:bodyPr/>
+          <a:lstStyle/>
+          <a:p>
+            <a:fld id="{BA9B540C-44DA-4F69-89C9-7C84606640D3}" type="slidenum">
+              <a:rPr lang="en-US" smtClean="0"/>
+              <a:pPr/>
+              <a:t>39</a:t>
+            </a:fld>
+            <a:endParaRPr lang="en-US"/>
+          </a:p>
+        </p:txBody>
+      </p:sp>
+    </p:spTree>
+    <p:extLst>
+      <p:ext uri="{BB962C8B-B14F-4D97-AF65-F5344CB8AC3E}">
+        <p14:creationId xmlns:p14="http://schemas.microsoft.com/office/powerpoint/2010/main" val="1418798522"/>
+      </p:ext>
+    </p:extLst>
+  </p:cSld>
+  <p:clrMapOvr>
+    <a:masterClrMapping/>
+  </p:clrMapOvr>
+  <p:timing>
+    <p:tnLst>
+      <p:par>
+        <p:cTn id="1" dur="indefinite" restart="never" nodeType="tmRoot"/>
+      </p:par>
+    </p:tnLst>
+  </p:timing>
+</p:sld>
+</file>
+
+<file path=ppt/slides/slide4.xml><?xml version="1.0" encoding="utf-8"?>
+<p:sld xmlns:a="http://schemas.openxmlformats.org/drawingml/2006/main" xmlns:r="http://schemas.openxmlformats.org/officeDocument/2006/relationships" xmlns:p="http://schemas.openxmlformats.org/presentationml/2006/main">
+  <p:cSld>
+    <p:spTree>
+      <p:nvGrpSpPr>
+        <p:cNvPr id="1" name=""/>
+        <p:cNvGrpSpPr/>
+        <p:nvPr/>
+      </p:nvGrpSpPr>
+      <p:grpSpPr>
+        <a:xfrm>
+          <a:off x="0" y="0"/>
+          <a:ext cx="0" cy="0"/>
+          <a:chOff x="0" y="0"/>
+          <a:chExt cx="0" cy="0"/>
+        </a:xfrm>
+      </p:grpSpPr>
+      <p:sp>
+        <p:nvSpPr>
+          <p:cNvPr id="2" name="Title 1"/>
+          <p:cNvSpPr>
+            <a:spLocks noGrp="1"/>
+          </p:cNvSpPr>
+          <p:nvPr>
+            <p:ph type="title"/>
+          </p:nvPr>
+        </p:nvSpPr>
+        <p:spPr/>
+        <p:txBody>
+          <a:bodyPr/>
+          <a:lstStyle/>
+          <a:p>
+            <a:r>
+              <a:rPr lang="pt-BR" dirty="0" smtClean="0"/>
+              <a:t>Motivação</a:t>
+            </a:r>
+            <a:endParaRPr lang="pt-BR" dirty="0"/>
+          </a:p>
+        </p:txBody>
+      </p:sp>
+      <p:sp>
+        <p:nvSpPr>
+          <p:cNvPr id="3" name="Content Placeholder 2"/>
+          <p:cNvSpPr>
+            <a:spLocks noGrp="1"/>
+          </p:cNvSpPr>
+          <p:nvPr>
+            <p:ph idx="1"/>
+          </p:nvPr>
+        </p:nvSpPr>
+        <p:spPr/>
+        <p:txBody>
+          <a:bodyPr/>
+          <a:lstStyle/>
+          <a:p>
+            <a:r>
+              <a:rPr lang="pt-BR" dirty="0"/>
+              <a:t>Mestrado profissional </a:t>
+            </a:r>
+            <a:r>
+              <a:rPr lang="pt-BR" dirty="0" smtClean="0">
+                <a:sym typeface="Wingdings"/>
+              </a:rPr>
+              <a:t> Problema profissional</a:t>
+            </a:r>
+          </a:p>
+          <a:p>
+            <a:r>
+              <a:rPr lang="pt-BR" dirty="0" smtClean="0">
+                <a:sym typeface="Wingdings"/>
+              </a:rPr>
+              <a:t>Área profissional </a:t>
+            </a:r>
+            <a:r>
+              <a:rPr lang="pt-BR" dirty="0" smtClean="0">
+                <a:latin typeface="Wingdings"/>
+                <a:ea typeface="Wingdings"/>
+                <a:cs typeface="Wingdings"/>
+                <a:sym typeface="Wingdings"/>
+              </a:rPr>
+              <a:t></a:t>
+            </a:r>
+            <a:r>
+              <a:rPr lang="pt-BR" dirty="0">
+                <a:sym typeface="Wingdings"/>
+              </a:rPr>
+              <a:t> </a:t>
+            </a:r>
+            <a:r>
+              <a:rPr lang="pt-BR" dirty="0" smtClean="0">
+                <a:sym typeface="Wingdings"/>
+              </a:rPr>
+              <a:t>Engenharia de Software</a:t>
+            </a:r>
+          </a:p>
+          <a:p>
+            <a:r>
+              <a:rPr lang="pt-BR" dirty="0" smtClean="0">
+                <a:sym typeface="Wingdings"/>
+              </a:rPr>
+              <a:t>Situação profissional </a:t>
+            </a:r>
+            <a:r>
+              <a:rPr lang="pt-BR" dirty="0" smtClean="0">
+                <a:latin typeface="Wingdings"/>
+                <a:ea typeface="Wingdings"/>
+                <a:cs typeface="Wingdings"/>
+                <a:sym typeface="Wingdings"/>
+              </a:rPr>
+              <a:t></a:t>
+            </a:r>
+            <a:r>
+              <a:rPr lang="pt-BR" dirty="0">
+                <a:sym typeface="Wingdings"/>
+              </a:rPr>
+              <a:t> </a:t>
+            </a:r>
+            <a:r>
+              <a:rPr lang="pt-BR" dirty="0" smtClean="0">
+                <a:sym typeface="Wingdings"/>
+              </a:rPr>
+              <a:t>Empresário</a:t>
+            </a:r>
+          </a:p>
+          <a:p>
+            <a:r>
+              <a:rPr lang="pt-BR" dirty="0" smtClean="0">
+                <a:sym typeface="Wingdings"/>
+              </a:rPr>
+              <a:t>Motivação</a:t>
+            </a:r>
+          </a:p>
+          <a:p>
+            <a:pPr marL="0" indent="0">
+              <a:buNone/>
+            </a:pPr>
+            <a:endParaRPr lang="pt-BR" dirty="0" smtClean="0">
+              <a:sym typeface="Wingdings"/>
+            </a:endParaRPr>
+          </a:p>
+          <a:p>
+            <a:pPr marL="457200" lvl="1" indent="0" algn="ctr">
+              <a:buNone/>
+            </a:pPr>
+            <a:r>
+              <a:rPr lang="pt-BR" sz="2400" dirty="0" smtClean="0">
+                <a:sym typeface="Wingdings"/>
+              </a:rPr>
+              <a:t>Investir o conhecimento adquirido através das disciplinas e da pesquisa da dissertação para resolver problemas reais na própria empresa de desenvolvimento de software</a:t>
+            </a:r>
+            <a:endParaRPr lang="pt-BR" sz="2400" dirty="0"/>
+          </a:p>
+        </p:txBody>
+      </p:sp>
+      <p:sp>
+        <p:nvSpPr>
+          <p:cNvPr id="4" name="Slide Number Placeholder 3"/>
+          <p:cNvSpPr>
+            <a:spLocks noGrp="1"/>
+          </p:cNvSpPr>
+          <p:nvPr>
+            <p:ph type="sldNum" sz="quarter" idx="12"/>
+          </p:nvPr>
+        </p:nvSpPr>
+        <p:spPr/>
+        <p:txBody>
+          <a:bodyPr/>
+          <a:lstStyle/>
+          <a:p>
+            <a:fld id="{BA9B540C-44DA-4F69-89C9-7C84606640D3}" type="slidenum">
+              <a:rPr lang="en-US" smtClean="0"/>
+              <a:pPr/>
+              <a:t>4</a:t>
+            </a:fld>
+            <a:endParaRPr lang="en-US"/>
+          </a:p>
+        </p:txBody>
+      </p:sp>
+    </p:spTree>
+    <p:extLst>
+      <p:ext uri="{BB962C8B-B14F-4D97-AF65-F5344CB8AC3E}">
+        <p14:creationId xmlns:p14="http://schemas.microsoft.com/office/powerpoint/2010/main" val="1884584294"/>
+      </p:ext>
+    </p:extLst>
+  </p:cSld>
+  <p:clrMapOvr>
+    <a:masterClrMapping/>
+  </p:clrMapOvr>
+  <p:timing>
+    <p:tnLst>
+      <p:par>
+        <p:cTn id="1" dur="indefinite" restart="never" nodeType="tmRoot">
+          <p:childTnLst>
+            <p:seq concurrent="1" nextAc="seek">
+              <p:cTn id="2" dur="indefinite" nodeType="mainSeq">
+                <p:childTnLst>
+                  <p:par>
+                    <p:cTn id="3" fill="hold">
+                      <p:stCondLst>
+                        <p:cond delay="indefinite"/>
+                      </p:stCondLst>
+                      <p:childTnLst>
+                        <p:par>
+                          <p:cTn id="4" fill="hold">
+                            <p:stCondLst>
+                              <p:cond delay="0"/>
+                            </p:stCondLst>
+                            <p:childTnLst>
+                              <p:par>
+                                <p:cTn id="5" presetID="1" presetClass="entr" presetSubtype="0" fill="hold" nodeType="clickEffect">
+                                  <p:stCondLst>
+                                    <p:cond delay="0"/>
+                                  </p:stCondLst>
+                                  <p:childTnLst>
+                                    <p:set>
+                                      <p:cBhvr>
+                                        <p:cTn id="6" dur="1" fill="hold">
+                                          <p:stCondLst>
+                                            <p:cond delay="0"/>
+                                          </p:stCondLst>
+                                        </p:cTn>
+                                        <p:tgtEl>
+                                          <p:spTgt spid="3">
+                                            <p:txEl>
+                                              <p:pRg st="1" end="1"/>
+                                            </p:txEl>
+                                          </p:spTgt>
+                                        </p:tgtEl>
+                                        <p:attrNameLst>
+                                          <p:attrName>style.visibility</p:attrName>
+                                        </p:attrNameLst>
+                                      </p:cBhvr>
+                                      <p:to>
+                                        <p:strVal val="visible"/>
+                                      </p:to>
+                                    </p:set>
+                                  </p:childTnLst>
+                                </p:cTn>
+                              </p:par>
+                            </p:childTnLst>
+                          </p:cTn>
+                        </p:par>
+                      </p:childTnLst>
+                    </p:cTn>
+                  </p:par>
+                  <p:par>
+                    <p:cTn id="7" fill="hold">
+                      <p:stCondLst>
+                        <p:cond delay="indefinite"/>
+                      </p:stCondLst>
+                      <p:childTnLst>
+                        <p:par>
+                          <p:cTn id="8" fill="hold">
+                            <p:stCondLst>
+                              <p:cond delay="0"/>
+                            </p:stCondLst>
+                            <p:childTnLst>
+                              <p:par>
+                                <p:cTn id="9" presetID="1" presetClass="entr" presetSubtype="0" fill="hold" nodeType="clickEffect">
+                                  <p:stCondLst>
+                                    <p:cond delay="0"/>
+                                  </p:stCondLst>
+                                  <p:childTnLst>
+                                    <p:set>
+                                      <p:cBhvr>
+                                        <p:cTn id="10" dur="1" fill="hold">
+                                          <p:stCondLst>
+                                            <p:cond delay="0"/>
+                                          </p:stCondLst>
+                                        </p:cTn>
+                                        <p:tgtEl>
+                                          <p:spTgt spid="3">
+                                            <p:txEl>
+                                              <p:pRg st="2" end="2"/>
+                                            </p:txEl>
+                                          </p:spTgt>
+                                        </p:tgtEl>
+                                        <p:attrNameLst>
+                                          <p:attrName>style.visibility</p:attrName>
+                                        </p:attrNameLst>
+                                      </p:cBhvr>
+                                      <p:to>
+                                        <p:strVal val="visible"/>
+                                      </p:to>
+                                    </p:set>
+                                  </p:childTnLst>
+                                </p:cTn>
+                              </p:par>
+                            </p:childTnLst>
+                          </p:cTn>
+                        </p:par>
+                      </p:childTnLst>
+                    </p:cTn>
+                  </p:par>
+                  <p:par>
+                    <p:cTn id="11" fill="hold">
+                      <p:stCondLst>
+                        <p:cond delay="indefinite"/>
+                      </p:stCondLst>
+                      <p:childTnLst>
+                        <p:par>
+                          <p:cTn id="12" fill="hold">
+                            <p:stCondLst>
+                              <p:cond delay="0"/>
+                            </p:stCondLst>
+                            <p:childTnLst>
+                              <p:par>
+                                <p:cTn id="13" presetID="1" presetClass="entr" presetSubtype="0" fill="hold" nodeType="clickEffect">
+                                  <p:stCondLst>
+                                    <p:cond delay="0"/>
+                                  </p:stCondLst>
+                                  <p:childTnLst>
+                                    <p:set>
+                                      <p:cBhvr>
+                                        <p:cTn id="14" dur="1" fill="hold">
+                                          <p:stCondLst>
+                                            <p:cond delay="0"/>
+                                          </p:stCondLst>
+                                        </p:cTn>
+                                        <p:tgtEl>
+                                          <p:spTgt spid="3">
+                                            <p:txEl>
+                                              <p:pRg st="3" end="3"/>
+                                            </p:txEl>
+                                          </p:spTgt>
+                                        </p:tgtEl>
+                                        <p:attrNameLst>
+                                          <p:attrName>style.visibility</p:attrName>
+                                        </p:attrNameLst>
+                                      </p:cBhvr>
+                                      <p:to>
+                                        <p:strVal val="visible"/>
+                                      </p:to>
+                                    </p:set>
+                                  </p:childTnLst>
+                                </p:cTn>
+                              </p:par>
+                              <p:par>
+                                <p:cTn id="15" presetID="1" presetClass="entr" presetSubtype="0" fill="hold" nodeType="withEffect">
+                                  <p:stCondLst>
+                                    <p:cond delay="0"/>
+                                  </p:stCondLst>
+                                  <p:childTnLst>
+                                    <p:set>
+                                      <p:cBhvr>
+                                        <p:cTn id="16" dur="1" fill="hold">
+                                          <p:stCondLst>
+                                            <p:cond delay="0"/>
+                                          </p:stCondLst>
+                                        </p:cTn>
+                                        <p:tgtEl>
+                                          <p:spTgt spid="3">
+                                            <p:txEl>
+                                              <p:pRg st="5" end="5"/>
+                                            </p:txEl>
+                                          </p:spTgt>
+                                        </p:tgtEl>
+                                        <p:attrNameLst>
+                                          <p:attrName>style.visibility</p:attrName>
+                                        </p:attrNameLst>
+                                      </p:cBhvr>
+                                      <p:to>
+                                        <p:strVal val="visible"/>
+                                      </p:to>
+                                    </p:set>
+                                  </p:childTnLst>
+                                </p:cTn>
+                              </p:par>
+                            </p:childTnLst>
+                          </p:cTn>
+                        </p:par>
+                      </p:childTnLst>
+                    </p:cTn>
+                  </p:par>
+                </p:childTnLst>
+              </p:cTn>
+              <p:prevCondLst>
+                <p:cond evt="onPrev" delay="0">
+                  <p:tgtEl>
+                    <p:sldTgt/>
+                  </p:tgtEl>
+                </p:cond>
+              </p:prevCondLst>
+              <p:nextCondLst>
+                <p:cond evt="onNext" delay="0">
+                  <p:tgtEl>
+                    <p:sldTgt/>
+                  </p:tgtEl>
+                </p:cond>
+              </p:nextCondLst>
+            </p:seq>
+          </p:childTnLst>
+        </p:cTn>
+      </p:par>
+    </p:tnLst>
+  </p:timing>
+</p:sld>
+</file>
+
+<file path=ppt/slides/slide40.xml><?xml version="1.0" encoding="utf-8"?>
+<p:sld xmlns:a="http://schemas.openxmlformats.org/drawingml/2006/main" xmlns:r="http://schemas.openxmlformats.org/officeDocument/2006/relationships" xmlns:p="http://schemas.openxmlformats.org/presentationml/2006/main">
+  <p:cSld>
+    <p:spTree>
+      <p:nvGrpSpPr>
+        <p:cNvPr id="1" name=""/>
+        <p:cNvGrpSpPr/>
+        <p:nvPr/>
+      </p:nvGrpSpPr>
+      <p:grpSpPr>
+        <a:xfrm>
+          <a:off x="0" y="0"/>
+          <a:ext cx="0" cy="0"/>
+          <a:chOff x="0" y="0"/>
+          <a:chExt cx="0" cy="0"/>
+        </a:xfrm>
+      </p:grpSpPr>
+      <p:sp>
+        <p:nvSpPr>
+          <p:cNvPr id="2" name="Título 1"/>
+          <p:cNvSpPr>
+            <a:spLocks noGrp="1"/>
+          </p:cNvSpPr>
+          <p:nvPr>
+            <p:ph type="title"/>
+          </p:nvPr>
+        </p:nvSpPr>
+        <p:spPr/>
+        <p:txBody>
+          <a:bodyPr/>
+          <a:lstStyle/>
+          <a:p>
+            <a:r>
+              <a:rPr lang="pt-BR" dirty="0"/>
+              <a:t>Revisão e pontuação dos valores empresariais</a:t>
+            </a:r>
+          </a:p>
+        </p:txBody>
+      </p:sp>
+      <p:sp>
+        <p:nvSpPr>
+          <p:cNvPr id="3" name="Espaço Reservado para Conteúdo 2"/>
+          <p:cNvSpPr>
+            <a:spLocks noGrp="1"/>
+          </p:cNvSpPr>
+          <p:nvPr>
+            <p:ph idx="1"/>
+          </p:nvPr>
+        </p:nvSpPr>
+        <p:spPr/>
+        <p:txBody>
+          <a:bodyPr>
+            <a:normAutofit/>
+          </a:bodyPr>
+          <a:lstStyle/>
+          <a:p>
+            <a:pPr marL="0" indent="0" algn="ctr">
+              <a:buNone/>
+            </a:pPr>
+            <a:endParaRPr lang="pt-BR" dirty="0" smtClean="0"/>
+          </a:p>
+          <a:p>
+            <a:pPr marL="0" indent="0" algn="ctr">
+              <a:buNone/>
+            </a:pPr>
+            <a:r>
+              <a:rPr lang="pt-BR" dirty="0" smtClean="0"/>
+              <a:t>O </a:t>
+            </a:r>
+            <a:r>
+              <a:rPr lang="pt-BR" dirty="0"/>
+              <a:t>entrevistado </a:t>
+            </a:r>
+            <a:r>
+              <a:rPr lang="pt-BR" dirty="0" smtClean="0"/>
+              <a:t>pode revisar </a:t>
+            </a:r>
+            <a:r>
+              <a:rPr lang="pt-BR" dirty="0"/>
+              <a:t>os valores empresariais sugeridos pelo autor antes de começar o processo de pontuação dos </a:t>
+            </a:r>
+            <a:r>
+              <a:rPr lang="pt-BR" dirty="0" smtClean="0"/>
+              <a:t>peso</a:t>
+            </a:r>
+          </a:p>
+          <a:p>
+            <a:pPr marL="0" indent="0" algn="ctr">
+              <a:buNone/>
+            </a:pPr>
+            <a:endParaRPr lang="pt-BR" dirty="0" smtClean="0"/>
+          </a:p>
+          <a:p>
+            <a:pPr marL="0" indent="0" algn="ctr">
+              <a:buNone/>
+            </a:pPr>
+            <a:endParaRPr lang="pt-BR" dirty="0"/>
+          </a:p>
+        </p:txBody>
+      </p:sp>
+      <p:sp>
+        <p:nvSpPr>
+          <p:cNvPr id="4" name="Espaço Reservado para Número de Slide 3"/>
+          <p:cNvSpPr>
+            <a:spLocks noGrp="1"/>
+          </p:cNvSpPr>
+          <p:nvPr>
+            <p:ph type="sldNum" sz="quarter" idx="12"/>
+          </p:nvPr>
+        </p:nvSpPr>
+        <p:spPr/>
+        <p:txBody>
+          <a:bodyPr/>
+          <a:lstStyle/>
+          <a:p>
+            <a:fld id="{BA9B540C-44DA-4F69-89C9-7C84606640D3}" type="slidenum">
+              <a:rPr lang="en-US" smtClean="0"/>
+              <a:pPr/>
+              <a:t>40</a:t>
+            </a:fld>
+            <a:endParaRPr lang="en-US"/>
+          </a:p>
+        </p:txBody>
+      </p:sp>
+    </p:spTree>
+    <p:extLst>
+      <p:ext uri="{BB962C8B-B14F-4D97-AF65-F5344CB8AC3E}">
+        <p14:creationId xmlns:p14="http://schemas.microsoft.com/office/powerpoint/2010/main" val="2566108991"/>
+      </p:ext>
+    </p:extLst>
+  </p:cSld>
+  <p:clrMapOvr>
+    <a:masterClrMapping/>
+  </p:clrMapOvr>
+  <p:timing>
+    <p:tnLst>
+      <p:par>
+        <p:cTn id="1" dur="indefinite" restart="never" nodeType="tmRoot"/>
+      </p:par>
+    </p:tnLst>
+  </p:timing>
+</p:sld>
+</file>
+
+<file path=ppt/slides/slide41.xml><?xml version="1.0" encoding="utf-8"?>
+<p:sld xmlns:a="http://schemas.openxmlformats.org/drawingml/2006/main" xmlns:r="http://schemas.openxmlformats.org/officeDocument/2006/relationships" xmlns:p="http://schemas.openxmlformats.org/presentationml/2006/main">
+  <p:cSld>
+    <p:spTree>
+      <p:nvGrpSpPr>
+        <p:cNvPr id="1" name=""/>
+        <p:cNvGrpSpPr/>
+        <p:nvPr/>
+      </p:nvGrpSpPr>
+      <p:grpSpPr>
+        <a:xfrm>
+          <a:off x="0" y="0"/>
+          <a:ext cx="0" cy="0"/>
+          <a:chOff x="0" y="0"/>
+          <a:chExt cx="0" cy="0"/>
+        </a:xfrm>
+      </p:grpSpPr>
+      <p:sp>
+        <p:nvSpPr>
+          <p:cNvPr id="5" name="Título 4"/>
+          <p:cNvSpPr>
+            <a:spLocks noGrp="1"/>
+          </p:cNvSpPr>
+          <p:nvPr>
+            <p:ph type="title"/>
+          </p:nvPr>
+        </p:nvSpPr>
+        <p:spPr>
+          <a:xfrm>
+            <a:off x="457200" y="-1"/>
+            <a:ext cx="8229600" cy="1867438"/>
+          </a:xfrm>
+        </p:spPr>
+        <p:txBody>
+          <a:bodyPr/>
+          <a:lstStyle/>
+          <a:p>
+            <a:r>
+              <a:rPr lang="pt-BR" sz="3200" dirty="0"/>
+              <a:t>Resposta às perguntas</a:t>
+            </a:r>
+            <a:endParaRPr lang="pt-BR" sz="3200" dirty="0"/>
+          </a:p>
+        </p:txBody>
+      </p:sp>
+      <p:sp>
+        <p:nvSpPr>
+          <p:cNvPr id="4" name="Espaço Reservado para Número de Slide 3"/>
+          <p:cNvSpPr>
+            <a:spLocks noGrp="1"/>
+          </p:cNvSpPr>
+          <p:nvPr>
+            <p:ph type="sldNum" sz="quarter" idx="12"/>
+          </p:nvPr>
+        </p:nvSpPr>
+        <p:spPr/>
+        <p:txBody>
+          <a:bodyPr/>
+          <a:lstStyle/>
+          <a:p>
+            <a:fld id="{BA9B540C-44DA-4F69-89C9-7C84606640D3}" type="slidenum">
+              <a:rPr lang="en-US" smtClean="0"/>
+              <a:pPr/>
+              <a:t>41</a:t>
+            </a:fld>
+            <a:endParaRPr lang="en-US"/>
+          </a:p>
+        </p:txBody>
+      </p:sp>
+      <p:pic>
+        <p:nvPicPr>
+          <p:cNvPr id="6" name="Imagem 5"/>
+          <p:cNvPicPr>
+            <a:picLocks noChangeAspect="1" noChangeArrowheads="1"/>
+          </p:cNvPicPr>
+          <p:nvPr/>
+        </p:nvPicPr>
+        <p:blipFill>
+          <a:blip r:embed="rId2" cstate="email">
+            <a:extLst>
+              <a:ext uri="{28A0092B-C50C-407E-A947-70E740481C1C}">
+                <a14:useLocalDpi xmlns:a14="http://schemas.microsoft.com/office/drawing/2010/main" val="0"/>
+              </a:ext>
+            </a:extLst>
+          </a:blip>
+          <a:srcRect/>
+          <a:stretch>
+            <a:fillRect/>
+          </a:stretch>
+        </p:blipFill>
+        <p:spPr bwMode="auto">
+          <a:xfrm>
+            <a:off x="457200" y="2601277"/>
+            <a:ext cx="8932545" cy="1655445"/>
+          </a:xfrm>
+          <a:prstGeom prst="rect">
+            <a:avLst/>
+          </a:prstGeom>
+          <a:noFill/>
+          <a:extLst>
+            <a:ext uri="{909E8E84-426E-40DD-AFC4-6F175D3DCCD1}">
+              <a14:hiddenFill xmlns:a14="http://schemas.microsoft.com/office/drawing/2010/main">
+                <a:solidFill>
+                  <a:srgbClr val="FFFFFF"/>
+                </a:solidFill>
+              </a14:hiddenFill>
+            </a:ext>
+          </a:extLst>
+        </p:spPr>
+      </p:pic>
+    </p:spTree>
+    <p:extLst>
+      <p:ext uri="{BB962C8B-B14F-4D97-AF65-F5344CB8AC3E}">
+        <p14:creationId xmlns:p14="http://schemas.microsoft.com/office/powerpoint/2010/main" val="191409761"/>
+      </p:ext>
+    </p:extLst>
+  </p:cSld>
+  <p:clrMapOvr>
+    <a:masterClrMapping/>
+  </p:clrMapOvr>
+  <p:timing>
+    <p:tnLst>
+      <p:par>
+        <p:cTn id="1" dur="indefinite" restart="never" nodeType="tmRoot"/>
+      </p:par>
+    </p:tnLst>
+  </p:timing>
+</p:sld>
+</file>
+
+<file path=ppt/slides/slide42.xml><?xml version="1.0" encoding="utf-8"?>
+<p:sld xmlns:a="http://schemas.openxmlformats.org/drawingml/2006/main" xmlns:r="http://schemas.openxmlformats.org/officeDocument/2006/relationships" xmlns:p="http://schemas.openxmlformats.org/presentationml/2006/main">
+  <p:cSld>
+    <p:spTree>
+      <p:nvGrpSpPr>
+        <p:cNvPr id="1" name=""/>
+        <p:cNvGrpSpPr/>
+        <p:nvPr/>
+      </p:nvGrpSpPr>
+      <p:grpSpPr>
+        <a:xfrm>
+          <a:off x="0" y="0"/>
+          <a:ext cx="0" cy="0"/>
+          <a:chOff x="0" y="0"/>
+          <a:chExt cx="0" cy="0"/>
+        </a:xfrm>
+      </p:grpSpPr>
+      <p:sp>
+        <p:nvSpPr>
+          <p:cNvPr id="2" name="Título 1"/>
+          <p:cNvSpPr>
+            <a:spLocks noGrp="1"/>
+          </p:cNvSpPr>
+          <p:nvPr>
+            <p:ph type="title"/>
+          </p:nvPr>
+        </p:nvSpPr>
+        <p:spPr/>
+        <p:txBody>
+          <a:bodyPr/>
+          <a:lstStyle/>
+          <a:p>
+            <a:r>
+              <a:rPr lang="pt-BR" dirty="0"/>
+              <a:t>Obtenção dos dados, análise e discussão dos resultados</a:t>
+            </a:r>
+          </a:p>
+        </p:txBody>
+      </p:sp>
+      <p:sp>
+        <p:nvSpPr>
+          <p:cNvPr id="3" name="Espaço Reservado para Texto 2"/>
+          <p:cNvSpPr>
+            <a:spLocks noGrp="1"/>
+          </p:cNvSpPr>
+          <p:nvPr>
+            <p:ph type="body" idx="1"/>
+          </p:nvPr>
+        </p:nvSpPr>
+        <p:spPr/>
+        <p:txBody>
+          <a:bodyPr/>
+          <a:lstStyle/>
+          <a:p>
+            <a:endParaRPr lang="pt-BR"/>
+          </a:p>
+        </p:txBody>
+      </p:sp>
+      <p:sp>
+        <p:nvSpPr>
+          <p:cNvPr id="4" name="Espaço Reservado para Número de Slide 3"/>
+          <p:cNvSpPr>
+            <a:spLocks noGrp="1"/>
+          </p:cNvSpPr>
+          <p:nvPr>
+            <p:ph type="sldNum" sz="quarter" idx="12"/>
+          </p:nvPr>
+        </p:nvSpPr>
+        <p:spPr/>
+        <p:txBody>
+          <a:bodyPr/>
+          <a:lstStyle/>
+          <a:p>
+            <a:fld id="{BA9B540C-44DA-4F69-89C9-7C84606640D3}" type="slidenum">
+              <a:rPr lang="en-US" smtClean="0"/>
+              <a:pPr/>
+              <a:t>42</a:t>
+            </a:fld>
+            <a:endParaRPr lang="en-US"/>
+          </a:p>
+        </p:txBody>
+      </p:sp>
+    </p:spTree>
+    <p:extLst>
+      <p:ext uri="{BB962C8B-B14F-4D97-AF65-F5344CB8AC3E}">
+        <p14:creationId xmlns:p14="http://schemas.microsoft.com/office/powerpoint/2010/main" val="2205507444"/>
+      </p:ext>
+    </p:extLst>
+  </p:cSld>
+  <p:clrMapOvr>
+    <a:masterClrMapping/>
+  </p:clrMapOvr>
+  <p:timing>
+    <p:tnLst>
+      <p:par>
+        <p:cTn id="1" dur="indefinite" restart="never" nodeType="tmRoot"/>
+      </p:par>
+    </p:tnLst>
+  </p:timing>
+</p:sld>
+</file>
+
+<file path=ppt/slides/slide43.xml><?xml version="1.0" encoding="utf-8"?>
+<p:sld xmlns:a="http://schemas.openxmlformats.org/drawingml/2006/main" xmlns:r="http://schemas.openxmlformats.org/officeDocument/2006/relationships" xmlns:p="http://schemas.openxmlformats.org/presentationml/2006/main">
+  <p:cSld>
+    <p:spTree>
+      <p:nvGrpSpPr>
+        <p:cNvPr id="1" name=""/>
+        <p:cNvGrpSpPr/>
+        <p:nvPr/>
+      </p:nvGrpSpPr>
+      <p:grpSpPr>
+        <a:xfrm>
+          <a:off x="0" y="0"/>
+          <a:ext cx="0" cy="0"/>
+          <a:chOff x="0" y="0"/>
+          <a:chExt cx="0" cy="0"/>
+        </a:xfrm>
+      </p:grpSpPr>
+      <p:sp>
+        <p:nvSpPr>
+          <p:cNvPr id="5" name="Título 4"/>
+          <p:cNvSpPr>
+            <a:spLocks noGrp="1"/>
+          </p:cNvSpPr>
+          <p:nvPr>
+            <p:ph type="title"/>
+          </p:nvPr>
+        </p:nvSpPr>
+        <p:spPr>
+          <a:xfrm>
+            <a:off x="457200" y="-1"/>
+            <a:ext cx="8229600" cy="1339404"/>
+          </a:xfrm>
+        </p:spPr>
+        <p:txBody>
+          <a:bodyPr/>
+          <a:lstStyle/>
+          <a:p>
+            <a:r>
+              <a:rPr lang="pt-BR" sz="3200" dirty="0" smtClean="0"/>
+              <a:t>Resultado por pergunta</a:t>
+            </a:r>
+            <a:endParaRPr lang="pt-BR" sz="3200" dirty="0"/>
+          </a:p>
+        </p:txBody>
+      </p:sp>
+      <p:sp>
+        <p:nvSpPr>
+          <p:cNvPr id="4" name="Espaço Reservado para Número de Slide 3"/>
+          <p:cNvSpPr>
+            <a:spLocks noGrp="1"/>
+          </p:cNvSpPr>
+          <p:nvPr>
+            <p:ph type="sldNum" sz="quarter" idx="12"/>
+          </p:nvPr>
+        </p:nvSpPr>
+        <p:spPr/>
+        <p:txBody>
+          <a:bodyPr/>
+          <a:lstStyle/>
+          <a:p>
+            <a:fld id="{BA9B540C-44DA-4F69-89C9-7C84606640D3}" type="slidenum">
+              <a:rPr lang="en-US" smtClean="0"/>
+              <a:pPr/>
+              <a:t>43</a:t>
+            </a:fld>
+            <a:endParaRPr lang="en-US"/>
+          </a:p>
+        </p:txBody>
+      </p:sp>
+      <p:pic>
+        <p:nvPicPr>
+          <p:cNvPr id="9" name="Imagem 8"/>
+          <p:cNvPicPr>
+            <a:picLocks noChangeAspect="1" noChangeArrowheads="1"/>
+          </p:cNvPicPr>
+          <p:nvPr/>
+        </p:nvPicPr>
+        <p:blipFill>
+          <a:blip r:embed="rId2" cstate="email">
+            <a:extLst>
+              <a:ext uri="{28A0092B-C50C-407E-A947-70E740481C1C}">
+                <a14:useLocalDpi xmlns:a14="http://schemas.microsoft.com/office/drawing/2010/main" val="0"/>
+              </a:ext>
+            </a:extLst>
+          </a:blip>
+          <a:srcRect/>
+          <a:stretch>
+            <a:fillRect/>
+          </a:stretch>
+        </p:blipFill>
+        <p:spPr bwMode="auto">
+          <a:xfrm>
+            <a:off x="1911992" y="1571225"/>
+            <a:ext cx="5732145" cy="1655445"/>
+          </a:xfrm>
+          <a:prstGeom prst="rect">
+            <a:avLst/>
+          </a:prstGeom>
+          <a:noFill/>
+          <a:extLst>
+            <a:ext uri="{909E8E84-426E-40DD-AFC4-6F175D3DCCD1}">
+              <a14:hiddenFill xmlns:a14="http://schemas.microsoft.com/office/drawing/2010/main">
+                <a:solidFill>
+                  <a:srgbClr val="FFFFFF"/>
+                </a:solidFill>
+              </a14:hiddenFill>
+            </a:ext>
+          </a:extLst>
+        </p:spPr>
+      </p:pic>
+      <p:sp>
+        <p:nvSpPr>
+          <p:cNvPr id="2" name="Retângulo 1"/>
+          <p:cNvSpPr/>
+          <p:nvPr/>
+        </p:nvSpPr>
+        <p:spPr>
+          <a:xfrm>
+            <a:off x="1911991" y="3491924"/>
+            <a:ext cx="5325935" cy="2677656"/>
+          </a:xfrm>
+          <a:prstGeom prst="rect">
+            <a:avLst/>
+          </a:prstGeom>
+        </p:spPr>
+        <p:txBody>
+          <a:bodyPr wrap="square">
+            <a:spAutoFit/>
+          </a:bodyPr>
+          <a:lstStyle/>
+          <a:p>
+            <a:pPr algn="ctr"/>
+            <a:r>
+              <a:rPr lang="pt-BR" sz="2400" dirty="0">
+                <a:latin typeface="+mj-lt"/>
+              </a:rPr>
+              <a:t>Cálculo do peso:</a:t>
+            </a:r>
+          </a:p>
+          <a:p>
+            <a:pPr algn="ctr"/>
+            <a:endParaRPr lang="pt-BR" sz="2400" dirty="0">
+              <a:latin typeface="+mj-lt"/>
+            </a:endParaRPr>
+          </a:p>
+          <a:p>
+            <a:pPr algn="ctr"/>
+            <a:r>
+              <a:rPr lang="pt-BR" sz="2400" b="1" dirty="0">
+                <a:latin typeface="+mj-lt"/>
+              </a:rPr>
+              <a:t>s</a:t>
+            </a:r>
+            <a:r>
+              <a:rPr lang="pt-BR" sz="2400" b="1" baseline="-25000" dirty="0">
+                <a:latin typeface="+mj-lt"/>
+              </a:rPr>
+              <a:t>i </a:t>
+            </a:r>
+            <a:r>
+              <a:rPr lang="pt-BR" sz="2400" b="1" dirty="0">
+                <a:latin typeface="+mj-lt"/>
+              </a:rPr>
+              <a:t>= r.v</a:t>
+            </a:r>
+            <a:r>
+              <a:rPr lang="pt-BR" sz="2400" b="1" baseline="-25000" dirty="0">
+                <a:latin typeface="+mj-lt"/>
+              </a:rPr>
+              <a:t>i</a:t>
+            </a:r>
+            <a:endParaRPr lang="pt-BR" sz="2400" b="1" dirty="0">
+              <a:latin typeface="+mj-lt"/>
+            </a:endParaRPr>
+          </a:p>
+          <a:p>
+            <a:pPr algn="ctr"/>
+            <a:endParaRPr lang="pt-BR" sz="2400" dirty="0">
+              <a:latin typeface="+mj-lt"/>
+            </a:endParaRPr>
+          </a:p>
+          <a:p>
+            <a:r>
+              <a:rPr lang="pt-BR" sz="2400">
+                <a:latin typeface="+mj-lt"/>
+              </a:rPr>
+              <a:t>s</a:t>
+            </a:r>
+            <a:r>
+              <a:rPr lang="pt-BR" sz="2400" baseline="-25000">
+                <a:latin typeface="+mj-lt"/>
+              </a:rPr>
+              <a:t>i </a:t>
+            </a:r>
+            <a:r>
+              <a:rPr lang="pt-BR" sz="2400" smtClean="0">
+                <a:latin typeface="+mj-lt"/>
+              </a:rPr>
+              <a:t>= </a:t>
+            </a:r>
+            <a:r>
+              <a:rPr lang="pt-BR" sz="2400" i="1" smtClean="0">
+                <a:latin typeface="+mj-lt"/>
+              </a:rPr>
+              <a:t>score</a:t>
+            </a:r>
+            <a:r>
+              <a:rPr lang="pt-BR" sz="2400" smtClean="0">
+                <a:latin typeface="+mj-lt"/>
+              </a:rPr>
+              <a:t> </a:t>
+            </a:r>
+            <a:r>
+              <a:rPr lang="pt-BR" sz="2400" i="1" dirty="0">
+                <a:latin typeface="+mj-lt"/>
+              </a:rPr>
+              <a:t>i</a:t>
+            </a:r>
+          </a:p>
+          <a:p>
+            <a:r>
+              <a:rPr lang="pt-BR" sz="2400" i="1" dirty="0">
+                <a:latin typeface="+mj-lt"/>
+              </a:rPr>
+              <a:t>r = valor de </a:t>
+            </a:r>
+            <a:r>
+              <a:rPr lang="pt-BR" sz="2400" i="1" dirty="0" err="1">
+                <a:latin typeface="+mj-lt"/>
+              </a:rPr>
+              <a:t>Likert</a:t>
+            </a:r>
+            <a:endParaRPr lang="pt-BR" sz="2400" dirty="0">
+              <a:latin typeface="+mj-lt"/>
+            </a:endParaRPr>
+          </a:p>
+          <a:p>
+            <a:r>
+              <a:rPr lang="pt-BR" sz="2400" dirty="0">
+                <a:latin typeface="+mj-lt"/>
+              </a:rPr>
+              <a:t>v</a:t>
+            </a:r>
+            <a:r>
+              <a:rPr lang="pt-BR" sz="2400" baseline="-25000" dirty="0">
+                <a:latin typeface="+mj-lt"/>
+              </a:rPr>
+              <a:t>i =  </a:t>
+            </a:r>
+            <a:r>
+              <a:rPr lang="pt-BR" sz="2400" dirty="0">
+                <a:latin typeface="+mj-lt"/>
+              </a:rPr>
+              <a:t>peso do valor empresarial </a:t>
+            </a:r>
+            <a:r>
+              <a:rPr lang="pt-BR" sz="2400" i="1" dirty="0">
+                <a:latin typeface="+mj-lt"/>
+              </a:rPr>
+              <a:t>i</a:t>
+            </a:r>
+            <a:endParaRPr lang="pt-BR" sz="2400" dirty="0">
+              <a:latin typeface="+mj-lt"/>
+            </a:endParaRPr>
+          </a:p>
+        </p:txBody>
+      </p:sp>
+    </p:spTree>
+    <p:extLst>
+      <p:ext uri="{BB962C8B-B14F-4D97-AF65-F5344CB8AC3E}">
+        <p14:creationId xmlns:p14="http://schemas.microsoft.com/office/powerpoint/2010/main" val="3205883508"/>
+      </p:ext>
+    </p:extLst>
+  </p:cSld>
+  <p:clrMapOvr>
+    <a:masterClrMapping/>
+  </p:clrMapOvr>
+  <p:timing>
+    <p:tnLst>
+      <p:par>
+        <p:cTn id="1" dur="indefinite" restart="never" nodeType="tmRoot">
+          <p:childTnLst>
+            <p:seq concurrent="1" nextAc="seek">
+              <p:cTn id="2" dur="indefinite" nodeType="mainSeq">
+                <p:childTnLst>
+                  <p:par>
+                    <p:cTn id="3" fill="hold">
+                      <p:stCondLst>
+                        <p:cond delay="indefinite"/>
+                      </p:stCondLst>
+                      <p:childTnLst>
+                        <p:par>
+                          <p:cTn id="4" fill="hold">
+                            <p:stCondLst>
+                              <p:cond delay="0"/>
+                            </p:stCondLst>
+                            <p:childTnLst>
+                              <p:par>
+                                <p:cTn id="5" presetID="1" presetClass="entr" presetSubtype="0" fill="hold" grpId="0" nodeType="clickEffect">
+                                  <p:stCondLst>
+                                    <p:cond delay="0"/>
+                                  </p:stCondLst>
+                                  <p:childTnLst>
+                                    <p:set>
+                                      <p:cBhvr>
+                                        <p:cTn id="6" dur="1" fill="hold">
+                                          <p:stCondLst>
+                                            <p:cond delay="0"/>
+                                          </p:stCondLst>
+                                        </p:cTn>
+                                        <p:tgtEl>
+                                          <p:spTgt spid="2"/>
+                                        </p:tgtEl>
+                                        <p:attrNameLst>
+                                          <p:attrName>style.visibility</p:attrName>
+                                        </p:attrNameLst>
+                                      </p:cBhvr>
+                                      <p:to>
+                                        <p:strVal val="visible"/>
+                                      </p:to>
+                                    </p:set>
+                                  </p:childTnLst>
+                                </p:cTn>
+                              </p:par>
+                            </p:childTnLst>
+                          </p:cTn>
+                        </p:par>
+                      </p:childTnLst>
+                    </p:cTn>
+                  </p:par>
+                </p:childTnLst>
+              </p:cTn>
+              <p:prevCondLst>
+                <p:cond evt="onPrev" delay="0">
+                  <p:tgtEl>
+                    <p:sldTgt/>
+                  </p:tgtEl>
+                </p:cond>
+              </p:prevCondLst>
+              <p:nextCondLst>
+                <p:cond evt="onNext" delay="0">
+                  <p:tgtEl>
+                    <p:sldTgt/>
+                  </p:tgtEl>
+                </p:cond>
+              </p:nextCondLst>
+            </p:seq>
+          </p:childTnLst>
+        </p:cTn>
+      </p:par>
+    </p:tnLst>
+    <p:bldLst>
+      <p:bldP spid="2" grpId="0"/>
+    </p:bldLst>
+  </p:timing>
+</p:sld>
+</file>
+
+<file path=ppt/slides/slide44.xml><?xml version="1.0" encoding="utf-8"?>
+<p:sld xmlns:a="http://schemas.openxmlformats.org/drawingml/2006/main" xmlns:r="http://schemas.openxmlformats.org/officeDocument/2006/relationships" xmlns:p="http://schemas.openxmlformats.org/presentationml/2006/main">
+  <p:cSld>
+    <p:spTree>
+      <p:nvGrpSpPr>
+        <p:cNvPr id="1" name=""/>
+        <p:cNvGrpSpPr/>
+        <p:nvPr/>
+      </p:nvGrpSpPr>
+      <p:grpSpPr>
+        <a:xfrm>
+          <a:off x="0" y="0"/>
+          <a:ext cx="0" cy="0"/>
+          <a:chOff x="0" y="0"/>
+          <a:chExt cx="0" cy="0"/>
+        </a:xfrm>
+      </p:grpSpPr>
+      <p:sp>
+        <p:nvSpPr>
+          <p:cNvPr id="5" name="Título 4"/>
+          <p:cNvSpPr>
+            <a:spLocks noGrp="1"/>
+          </p:cNvSpPr>
+          <p:nvPr>
+            <p:ph type="title"/>
+          </p:nvPr>
+        </p:nvSpPr>
+        <p:spPr>
+          <a:xfrm>
+            <a:off x="457200" y="-1"/>
+            <a:ext cx="8229600" cy="1596981"/>
+          </a:xfrm>
+        </p:spPr>
+        <p:txBody>
+          <a:bodyPr/>
+          <a:lstStyle/>
+          <a:p>
+            <a:r>
+              <a:rPr lang="pt-BR" sz="3200" dirty="0" smtClean="0"/>
+              <a:t>Totalização dos </a:t>
+            </a:r>
+            <a:r>
+              <a:rPr lang="pt-BR" sz="3200" i="1" dirty="0" smtClean="0"/>
+              <a:t>scores</a:t>
+            </a:r>
+            <a:r>
+              <a:rPr lang="pt-BR" sz="3200" dirty="0" smtClean="0"/>
+              <a:t> para </a:t>
+            </a:r>
+            <a:br>
+              <a:rPr lang="pt-BR" sz="3200" dirty="0" smtClean="0"/>
+            </a:br>
+            <a:r>
+              <a:rPr lang="pt-BR" sz="3200" dirty="0" smtClean="0"/>
+              <a:t>gerência de projetos</a:t>
+            </a:r>
+            <a:endParaRPr lang="pt-BR" sz="3200" dirty="0"/>
+          </a:p>
+        </p:txBody>
+      </p:sp>
+      <p:sp>
+        <p:nvSpPr>
+          <p:cNvPr id="4" name="Espaço Reservado para Número de Slide 3"/>
+          <p:cNvSpPr>
+            <a:spLocks noGrp="1"/>
+          </p:cNvSpPr>
+          <p:nvPr>
+            <p:ph type="sldNum" sz="quarter" idx="12"/>
+          </p:nvPr>
+        </p:nvSpPr>
+        <p:spPr/>
+        <p:txBody>
+          <a:bodyPr/>
+          <a:lstStyle/>
+          <a:p>
+            <a:fld id="{BA9B540C-44DA-4F69-89C9-7C84606640D3}" type="slidenum">
+              <a:rPr lang="en-US" smtClean="0"/>
+              <a:pPr/>
+              <a:t>44</a:t>
+            </a:fld>
+            <a:endParaRPr lang="en-US"/>
+          </a:p>
+        </p:txBody>
+      </p:sp>
+      <p:pic>
+        <p:nvPicPr>
+          <p:cNvPr id="7" name="Imagem 6"/>
+          <p:cNvPicPr>
+            <a:picLocks noChangeAspect="1" noChangeArrowheads="1"/>
+          </p:cNvPicPr>
+          <p:nvPr/>
+        </p:nvPicPr>
+        <p:blipFill>
+          <a:blip r:embed="rId2">
+            <a:extLst>
+              <a:ext uri="{28A0092B-C50C-407E-A947-70E740481C1C}">
+                <a14:useLocalDpi xmlns:a14="http://schemas.microsoft.com/office/drawing/2010/main" val="0"/>
+              </a:ext>
+            </a:extLst>
+          </a:blip>
+          <a:srcRect/>
+          <a:stretch>
+            <a:fillRect/>
+          </a:stretch>
+        </p:blipFill>
+        <p:spPr bwMode="auto">
+          <a:xfrm>
+            <a:off x="314325" y="2395537"/>
+            <a:ext cx="8515350" cy="2066925"/>
+          </a:xfrm>
+          <a:prstGeom prst="rect">
+            <a:avLst/>
+          </a:prstGeom>
+          <a:noFill/>
+          <a:extLst>
+            <a:ext uri="{909E8E84-426E-40DD-AFC4-6F175D3DCCD1}">
+              <a14:hiddenFill xmlns:a14="http://schemas.microsoft.com/office/drawing/2010/main">
+                <a:solidFill>
+                  <a:srgbClr val="FFFFFF"/>
+                </a:solidFill>
+              </a14:hiddenFill>
+            </a:ext>
+          </a:extLst>
+        </p:spPr>
+      </p:pic>
+    </p:spTree>
+    <p:extLst>
+      <p:ext uri="{BB962C8B-B14F-4D97-AF65-F5344CB8AC3E}">
+        <p14:creationId xmlns:p14="http://schemas.microsoft.com/office/powerpoint/2010/main" val="2689514566"/>
+      </p:ext>
+    </p:extLst>
+  </p:cSld>
+  <p:clrMapOvr>
+    <a:masterClrMapping/>
+  </p:clrMapOvr>
+  <p:timing>
+    <p:tnLst>
+      <p:par>
+        <p:cTn id="1" dur="indefinite" restart="never" nodeType="tmRoot"/>
+      </p:par>
+    </p:tnLst>
+  </p:timing>
+</p:sld>
+</file>
+
+<file path=ppt/slides/slide45.xml><?xml version="1.0" encoding="utf-8"?>
+<p:sld xmlns:a="http://schemas.openxmlformats.org/drawingml/2006/main" xmlns:r="http://schemas.openxmlformats.org/officeDocument/2006/relationships" xmlns:p="http://schemas.openxmlformats.org/presentationml/2006/main">
+  <p:cSld>
+    <p:spTree>
+      <p:nvGrpSpPr>
+        <p:cNvPr id="1" name=""/>
+        <p:cNvGrpSpPr/>
+        <p:nvPr/>
+      </p:nvGrpSpPr>
+      <p:grpSpPr>
+        <a:xfrm>
+          <a:off x="0" y="0"/>
+          <a:ext cx="0" cy="0"/>
+          <a:chOff x="0" y="0"/>
+          <a:chExt cx="0" cy="0"/>
+        </a:xfrm>
+      </p:grpSpPr>
+      <p:sp>
+        <p:nvSpPr>
+          <p:cNvPr id="5" name="Título 4"/>
+          <p:cNvSpPr>
+            <a:spLocks noGrp="1"/>
+          </p:cNvSpPr>
+          <p:nvPr>
+            <p:ph type="title"/>
+          </p:nvPr>
+        </p:nvSpPr>
+        <p:spPr>
+          <a:xfrm>
+            <a:off x="457200" y="-1"/>
+            <a:ext cx="8229600" cy="1596981"/>
+          </a:xfrm>
+        </p:spPr>
+        <p:txBody>
+          <a:bodyPr/>
+          <a:lstStyle/>
+          <a:p>
+            <a:r>
+              <a:rPr lang="pt-BR" sz="3200" dirty="0" smtClean="0"/>
+              <a:t>Totalização dos </a:t>
+            </a:r>
+            <a:r>
+              <a:rPr lang="pt-BR" sz="3200" i="1" dirty="0" smtClean="0"/>
+              <a:t>scores</a:t>
+            </a:r>
+            <a:r>
+              <a:rPr lang="pt-BR" sz="3200" dirty="0" smtClean="0"/>
+              <a:t> para </a:t>
+            </a:r>
+            <a:br>
+              <a:rPr lang="pt-BR" sz="3200" dirty="0" smtClean="0"/>
+            </a:br>
+            <a:r>
+              <a:rPr lang="pt-BR" sz="3200" dirty="0" smtClean="0"/>
+              <a:t>desenvolvimento de </a:t>
+            </a:r>
+            <a:r>
+              <a:rPr lang="pt-BR" sz="3200" i="1" dirty="0" smtClean="0"/>
+              <a:t>software</a:t>
+            </a:r>
+            <a:endParaRPr lang="pt-BR" sz="3200" dirty="0"/>
+          </a:p>
+        </p:txBody>
+      </p:sp>
+      <p:sp>
+        <p:nvSpPr>
+          <p:cNvPr id="4" name="Espaço Reservado para Número de Slide 3"/>
+          <p:cNvSpPr>
+            <a:spLocks noGrp="1"/>
+          </p:cNvSpPr>
+          <p:nvPr>
+            <p:ph type="sldNum" sz="quarter" idx="12"/>
+          </p:nvPr>
+        </p:nvSpPr>
+        <p:spPr/>
+        <p:txBody>
+          <a:bodyPr/>
+          <a:lstStyle/>
+          <a:p>
+            <a:fld id="{BA9B540C-44DA-4F69-89C9-7C84606640D3}" type="slidenum">
+              <a:rPr lang="en-US" smtClean="0"/>
+              <a:pPr/>
+              <a:t>45</a:t>
             </a:fld>
             <a:endParaRPr lang="en-US"/>
           </a:p>
@@ -19364,7 +21917,110 @@
 </p:sld>
 </file>
 
-<file path=ppt/slides/slide36.xml><?xml version="1.0" encoding="utf-8"?>
+<file path=ppt/slides/slide46.xml><?xml version="1.0" encoding="utf-8"?>
+<p:sld xmlns:a="http://schemas.openxmlformats.org/drawingml/2006/main" xmlns:r="http://schemas.openxmlformats.org/officeDocument/2006/relationships" xmlns:p="http://schemas.openxmlformats.org/presentationml/2006/main">
+  <p:cSld>
+    <p:spTree>
+      <p:nvGrpSpPr>
+        <p:cNvPr id="1" name=""/>
+        <p:cNvGrpSpPr/>
+        <p:nvPr/>
+      </p:nvGrpSpPr>
+      <p:grpSpPr>
+        <a:xfrm>
+          <a:off x="0" y="0"/>
+          <a:ext cx="0" cy="0"/>
+          <a:chOff x="0" y="0"/>
+          <a:chExt cx="0" cy="0"/>
+        </a:xfrm>
+      </p:grpSpPr>
+      <p:sp>
+        <p:nvSpPr>
+          <p:cNvPr id="2" name="Título 1"/>
+          <p:cNvSpPr>
+            <a:spLocks noGrp="1"/>
+          </p:cNvSpPr>
+          <p:nvPr>
+            <p:ph type="title"/>
+          </p:nvPr>
+        </p:nvSpPr>
+        <p:spPr/>
+        <p:txBody>
+          <a:bodyPr/>
+          <a:lstStyle/>
+          <a:p>
+            <a:r>
+              <a:rPr lang="pt-BR" dirty="0" smtClean="0"/>
+              <a:t>Conclusões</a:t>
+            </a:r>
+            <a:endParaRPr lang="pt-BR" dirty="0"/>
+          </a:p>
+        </p:txBody>
+      </p:sp>
+      <p:sp>
+        <p:nvSpPr>
+          <p:cNvPr id="3" name="Espaço Reservado para Texto 2"/>
+          <p:cNvSpPr>
+            <a:spLocks noGrp="1"/>
+          </p:cNvSpPr>
+          <p:nvPr>
+            <p:ph type="body" idx="1"/>
+          </p:nvPr>
+        </p:nvSpPr>
+        <p:spPr/>
+        <p:txBody>
+          <a:bodyPr/>
+          <a:lstStyle/>
+          <a:p>
+            <a:endParaRPr lang="pt-BR"/>
+          </a:p>
+        </p:txBody>
+      </p:sp>
+      <p:sp>
+        <p:nvSpPr>
+          <p:cNvPr id="4" name="Espaço Reservado para Número de Slide 3"/>
+          <p:cNvSpPr>
+            <a:spLocks noGrp="1"/>
+          </p:cNvSpPr>
+          <p:nvPr>
+            <p:ph type="sldNum" sz="quarter" idx="12"/>
+          </p:nvPr>
+        </p:nvSpPr>
+        <p:spPr/>
+        <p:txBody>
+          <a:bodyPr/>
+          <a:lstStyle/>
+          <a:p>
+            <a:fld id="{BA9B540C-44DA-4F69-89C9-7C84606640D3}" type="slidenum">
+              <a:rPr lang="en-US" smtClean="0"/>
+              <a:pPr/>
+              <a:t>46</a:t>
+            </a:fld>
+            <a:endParaRPr lang="en-US"/>
+          </a:p>
+        </p:txBody>
+      </p:sp>
+    </p:spTree>
+    <p:extLst>
+      <p:ext uri="{BB962C8B-B14F-4D97-AF65-F5344CB8AC3E}">
+        <p14:creationId xmlns:p14="http://schemas.microsoft.com/office/powerpoint/2010/main" val="1190694359"/>
+      </p:ext>
+    </p:extLst>
+  </p:cSld>
+  <p:clrMapOvr>
+    <a:masterClrMapping/>
+  </p:clrMapOvr>
+  <p:timing>
+    <p:tnLst>
+      <p:par>
+        <p:cTn id="1" dur="indefinite" restart="never" nodeType="tmRoot"/>
+      </p:par>
+    </p:tnLst>
+  </p:timing>
+</p:sld>
+</file>
+
+<file path=ppt/slides/slide47.xml><?xml version="1.0" encoding="utf-8"?>
 <p:sld xmlns:a="http://schemas.openxmlformats.org/drawingml/2006/main" xmlns:r="http://schemas.openxmlformats.org/officeDocument/2006/relationships" xmlns:p="http://schemas.openxmlformats.org/presentationml/2006/main">
   <p:cSld>
     <p:spTree>
@@ -19403,14 +22059,7 @@
           <a:p>
             <a:r>
               <a:rPr lang="pt-BR" sz="3200" dirty="0" smtClean="0"/>
-              <a:t>Outras vantagens do método proposto/</a:t>
-            </a:r>
-            <a:br>
-              <a:rPr lang="pt-BR" sz="3200" dirty="0" smtClean="0"/>
-            </a:br>
-            <a:r>
-              <a:rPr lang="pt-BR" sz="3200" dirty="0" smtClean="0"/>
-              <a:t>Contribuições da pesquisa</a:t>
+              <a:t>Análise dos resultados</a:t>
             </a:r>
             <a:endParaRPr lang="pt-BR" sz="3200" dirty="0"/>
           </a:p>
@@ -19439,30 +22088,62 @@
           <a:lstStyle/>
           <a:p>
             <a:r>
+              <a:rPr lang="pt-BR" dirty="0"/>
+              <a:t>Dentre os 5 primeiros itens priorizados para </a:t>
+            </a:r>
+            <a:r>
               <a:rPr lang="pt-BR" dirty="0" smtClean="0"/>
-              <a:t>Pode ser customizado com outros valores, de acordo com cada empresa;</a:t>
-            </a:r>
-          </a:p>
-          <a:p>
+              <a:t>Gestão de Projetos, </a:t>
+            </a:r>
+            <a:r>
+              <a:rPr lang="pt-BR" dirty="0"/>
+              <a:t>3 estão diretamente relacionados com o </a:t>
+            </a:r>
             <a:r>
               <a:rPr lang="pt-BR" dirty="0" smtClean="0"/>
-              <a:t>Permite um “ajuste fino” dos pesos de cada valor;</a:t>
-            </a:r>
+              <a:t>cliente;</a:t>
+            </a:r>
+            <a:endParaRPr lang="pt-BR" dirty="0"/>
           </a:p>
           <a:p>
             <a:r>
               <a:rPr lang="pt-BR" dirty="0" smtClean="0"/>
-              <a:t>Pode ser modificado para atender outras demandas de diagnóstico de implantação de outras normas e padrões;</a:t>
-            </a:r>
-          </a:p>
-          <a:p>
+              <a:t>Dentre </a:t>
+            </a:r>
             <a:r>
               <a:rPr lang="pt-BR" dirty="0"/>
-              <a:t>Pode ser modificado para atender outras demandas de </a:t>
+              <a:t>os 5 primeiros itens priorizados para </a:t>
             </a:r>
             <a:r>
               <a:rPr lang="pt-BR" dirty="0" smtClean="0"/>
-              <a:t>diagnóstico, avaliação de mudanças organizacionais, seleção de projetos de trabalho, etc.</a:t>
+              <a:t>Desenvolvimento de </a:t>
+            </a:r>
+            <a:r>
+              <a:rPr lang="pt-BR" i="1" dirty="0" smtClean="0"/>
+              <a:t>Software</a:t>
+            </a:r>
+            <a:r>
+              <a:rPr lang="pt-BR" dirty="0" smtClean="0"/>
+              <a:t>, </a:t>
+            </a:r>
+            <a:r>
+              <a:rPr lang="pt-BR" dirty="0"/>
+              <a:t>2 estão diretamente relacionados com o </a:t>
+            </a:r>
+            <a:r>
+              <a:rPr lang="pt-BR" dirty="0" smtClean="0"/>
+              <a:t>cliente;</a:t>
+            </a:r>
+            <a:endParaRPr lang="pt-BR" dirty="0"/>
+          </a:p>
+          <a:p>
+            <a:r>
+              <a:rPr lang="pt-BR" dirty="0" smtClean="0"/>
+              <a:t>Os </a:t>
+            </a:r>
+            <a:r>
+              <a:rPr lang="pt-BR" dirty="0"/>
+              <a:t>demais itens, das duas listas, estão relacionados com processos que trarão melhorias associadas indiretamente ao cliente.</a:t>
             </a:r>
             <a:endParaRPr lang="pt-BR" dirty="0" smtClean="0"/>
           </a:p>
@@ -19486,7 +22167,7 @@
             <a:fld id="{BA9B540C-44DA-4F69-89C9-7C84606640D3}" type="slidenum">
               <a:rPr lang="en-US" smtClean="0"/>
               <a:pPr/>
-              <a:t>36</a:t>
+              <a:t>47</a:t>
             </a:fld>
             <a:endParaRPr lang="en-US"/>
           </a:p>
@@ -19496,6 +22177,316 @@
     <p:extLst>
       <p:ext uri="{BB962C8B-B14F-4D97-AF65-F5344CB8AC3E}">
         <p14:creationId xmlns:p14="http://schemas.microsoft.com/office/powerpoint/2010/main" val="1265477286"/>
+      </p:ext>
+    </p:extLst>
+  </p:cSld>
+  <p:clrMapOvr>
+    <a:masterClrMapping/>
+  </p:clrMapOvr>
+  <p:timing>
+    <p:tnLst>
+      <p:par>
+        <p:cTn id="1" dur="indefinite" restart="never" nodeType="tmRoot">
+          <p:childTnLst>
+            <p:seq concurrent="1" nextAc="seek">
+              <p:cTn id="2" dur="indefinite" nodeType="mainSeq">
+                <p:childTnLst>
+                  <p:par>
+                    <p:cTn id="3" fill="hold">
+                      <p:stCondLst>
+                        <p:cond delay="indefinite"/>
+                      </p:stCondLst>
+                      <p:childTnLst>
+                        <p:par>
+                          <p:cTn id="4" fill="hold">
+                            <p:stCondLst>
+                              <p:cond delay="0"/>
+                            </p:stCondLst>
+                            <p:childTnLst>
+                              <p:par>
+                                <p:cTn id="5" presetID="1" presetClass="entr" presetSubtype="0" fill="hold" nodeType="clickEffect">
+                                  <p:stCondLst>
+                                    <p:cond delay="0"/>
+                                  </p:stCondLst>
+                                  <p:childTnLst>
+                                    <p:set>
+                                      <p:cBhvr>
+                                        <p:cTn id="6" dur="1" fill="hold">
+                                          <p:stCondLst>
+                                            <p:cond delay="0"/>
+                                          </p:stCondLst>
+                                        </p:cTn>
+                                        <p:tgtEl>
+                                          <p:spTgt spid="6">
+                                            <p:txEl>
+                                              <p:pRg st="0" end="0"/>
+                                            </p:txEl>
+                                          </p:spTgt>
+                                        </p:tgtEl>
+                                        <p:attrNameLst>
+                                          <p:attrName>style.visibility</p:attrName>
+                                        </p:attrNameLst>
+                                      </p:cBhvr>
+                                      <p:to>
+                                        <p:strVal val="visible"/>
+                                      </p:to>
+                                    </p:set>
+                                  </p:childTnLst>
+                                </p:cTn>
+                              </p:par>
+                            </p:childTnLst>
+                          </p:cTn>
+                        </p:par>
+                      </p:childTnLst>
+                    </p:cTn>
+                  </p:par>
+                  <p:par>
+                    <p:cTn id="7" fill="hold">
+                      <p:stCondLst>
+                        <p:cond delay="indefinite"/>
+                      </p:stCondLst>
+                      <p:childTnLst>
+                        <p:par>
+                          <p:cTn id="8" fill="hold">
+                            <p:stCondLst>
+                              <p:cond delay="0"/>
+                            </p:stCondLst>
+                            <p:childTnLst>
+                              <p:par>
+                                <p:cTn id="9" presetID="1" presetClass="entr" presetSubtype="0" fill="hold" nodeType="clickEffect">
+                                  <p:stCondLst>
+                                    <p:cond delay="0"/>
+                                  </p:stCondLst>
+                                  <p:childTnLst>
+                                    <p:set>
+                                      <p:cBhvr>
+                                        <p:cTn id="10" dur="1" fill="hold">
+                                          <p:stCondLst>
+                                            <p:cond delay="0"/>
+                                          </p:stCondLst>
+                                        </p:cTn>
+                                        <p:tgtEl>
+                                          <p:spTgt spid="6">
+                                            <p:txEl>
+                                              <p:pRg st="1" end="1"/>
+                                            </p:txEl>
+                                          </p:spTgt>
+                                        </p:tgtEl>
+                                        <p:attrNameLst>
+                                          <p:attrName>style.visibility</p:attrName>
+                                        </p:attrNameLst>
+                                      </p:cBhvr>
+                                      <p:to>
+                                        <p:strVal val="visible"/>
+                                      </p:to>
+                                    </p:set>
+                                  </p:childTnLst>
+                                </p:cTn>
+                              </p:par>
+                            </p:childTnLst>
+                          </p:cTn>
+                        </p:par>
+                      </p:childTnLst>
+                    </p:cTn>
+                  </p:par>
+                  <p:par>
+                    <p:cTn id="11" fill="hold">
+                      <p:stCondLst>
+                        <p:cond delay="indefinite"/>
+                      </p:stCondLst>
+                      <p:childTnLst>
+                        <p:par>
+                          <p:cTn id="12" fill="hold">
+                            <p:stCondLst>
+                              <p:cond delay="0"/>
+                            </p:stCondLst>
+                            <p:childTnLst>
+                              <p:par>
+                                <p:cTn id="13" presetID="1" presetClass="entr" presetSubtype="0" fill="hold" nodeType="clickEffect">
+                                  <p:stCondLst>
+                                    <p:cond delay="0"/>
+                                  </p:stCondLst>
+                                  <p:childTnLst>
+                                    <p:set>
+                                      <p:cBhvr>
+                                        <p:cTn id="14" dur="1" fill="hold">
+                                          <p:stCondLst>
+                                            <p:cond delay="0"/>
+                                          </p:stCondLst>
+                                        </p:cTn>
+                                        <p:tgtEl>
+                                          <p:spTgt spid="6">
+                                            <p:txEl>
+                                              <p:pRg st="2" end="2"/>
+                                            </p:txEl>
+                                          </p:spTgt>
+                                        </p:tgtEl>
+                                        <p:attrNameLst>
+                                          <p:attrName>style.visibility</p:attrName>
+                                        </p:attrNameLst>
+                                      </p:cBhvr>
+                                      <p:to>
+                                        <p:strVal val="visible"/>
+                                      </p:to>
+                                    </p:set>
+                                  </p:childTnLst>
+                                </p:cTn>
+                              </p:par>
+                            </p:childTnLst>
+                          </p:cTn>
+                        </p:par>
+                      </p:childTnLst>
+                    </p:cTn>
+                  </p:par>
+                </p:childTnLst>
+              </p:cTn>
+              <p:prevCondLst>
+                <p:cond evt="onPrev" delay="0">
+                  <p:tgtEl>
+                    <p:sldTgt/>
+                  </p:tgtEl>
+                </p:cond>
+              </p:prevCondLst>
+              <p:nextCondLst>
+                <p:cond evt="onNext" delay="0">
+                  <p:tgtEl>
+                    <p:sldTgt/>
+                  </p:tgtEl>
+                </p:cond>
+              </p:nextCondLst>
+            </p:seq>
+          </p:childTnLst>
+        </p:cTn>
+      </p:par>
+    </p:tnLst>
+  </p:timing>
+</p:sld>
+</file>
+
+<file path=ppt/slides/slide48.xml><?xml version="1.0" encoding="utf-8"?>
+<p:sld xmlns:a="http://schemas.openxmlformats.org/drawingml/2006/main" xmlns:r="http://schemas.openxmlformats.org/officeDocument/2006/relationships" xmlns:p="http://schemas.openxmlformats.org/presentationml/2006/main">
+  <p:cSld>
+    <p:spTree>
+      <p:nvGrpSpPr>
+        <p:cNvPr id="1" name=""/>
+        <p:cNvGrpSpPr/>
+        <p:nvPr/>
+      </p:nvGrpSpPr>
+      <p:grpSpPr>
+        <a:xfrm>
+          <a:off x="0" y="0"/>
+          <a:ext cx="0" cy="0"/>
+          <a:chOff x="0" y="0"/>
+          <a:chExt cx="0" cy="0"/>
+        </a:xfrm>
+      </p:grpSpPr>
+      <p:sp>
+        <p:nvSpPr>
+          <p:cNvPr id="5" name="Título 4"/>
+          <p:cNvSpPr>
+            <a:spLocks noGrp="1"/>
+          </p:cNvSpPr>
+          <p:nvPr>
+            <p:ph type="title"/>
+          </p:nvPr>
+        </p:nvSpPr>
+        <p:spPr>
+          <a:xfrm>
+            <a:off x="457200" y="-1"/>
+            <a:ext cx="8229600" cy="1365161"/>
+          </a:xfrm>
+        </p:spPr>
+        <p:txBody>
+          <a:bodyPr/>
+          <a:lstStyle/>
+          <a:p>
+            <a:r>
+              <a:rPr lang="pt-BR" sz="3200" smtClean="0"/>
+              <a:t>Benefícios adicionais</a:t>
+            </a:r>
+            <a:endParaRPr lang="pt-BR" sz="3200" dirty="0"/>
+          </a:p>
+        </p:txBody>
+      </p:sp>
+      <p:sp>
+        <p:nvSpPr>
+          <p:cNvPr id="6" name="Espaço Reservado para Conteúdo 5"/>
+          <p:cNvSpPr>
+            <a:spLocks noGrp="1"/>
+          </p:cNvSpPr>
+          <p:nvPr>
+            <p:ph sz="half" idx="2"/>
+          </p:nvPr>
+        </p:nvSpPr>
+        <p:spPr>
+          <a:xfrm>
+            <a:off x="457200" y="1635617"/>
+            <a:ext cx="8229600" cy="4490546"/>
+          </a:xfrm>
+        </p:spPr>
+        <p:txBody>
+          <a:bodyPr>
+            <a:normAutofit/>
+          </a:bodyPr>
+          <a:lstStyle/>
+          <a:p>
+            <a:r>
+              <a:rPr lang="pt-BR" dirty="0" smtClean="0"/>
+              <a:t>Pode ser customizado com outros valores, de acordo com cada empresa;</a:t>
+            </a:r>
+          </a:p>
+          <a:p>
+            <a:r>
+              <a:rPr lang="pt-BR" dirty="0" smtClean="0"/>
+              <a:t>Permite um “ajuste fino” dos pesos de cada valor;</a:t>
+            </a:r>
+          </a:p>
+          <a:p>
+            <a:r>
+              <a:rPr lang="pt-BR" dirty="0" smtClean="0"/>
+              <a:t>Pode ser modificado para atender outras demandas de diagnóstico de implantação de outras normas e padrões;</a:t>
+            </a:r>
+          </a:p>
+          <a:p>
+            <a:r>
+              <a:rPr lang="pt-BR" dirty="0"/>
+              <a:t>Pode ser modificado para atender outras demandas de </a:t>
+            </a:r>
+            <a:r>
+              <a:rPr lang="pt-BR" dirty="0" smtClean="0"/>
+              <a:t>diagnóstico, avaliação de mudanças organizacionais, seleção de projetos de trabalho, etc.</a:t>
+            </a:r>
+          </a:p>
+        </p:txBody>
+      </p:sp>
+      <p:sp>
+        <p:nvSpPr>
+          <p:cNvPr id="4" name="Espaço Reservado para Número de Slide 3"/>
+          <p:cNvSpPr>
+            <a:spLocks noGrp="1"/>
+          </p:cNvSpPr>
+          <p:nvPr>
+            <p:ph type="sldNum" sz="quarter" idx="12"/>
+          </p:nvPr>
+        </p:nvSpPr>
+        <p:spPr/>
+        <p:txBody>
+          <a:bodyPr/>
+          <a:lstStyle/>
+          <a:p>
+            <a:fld id="{BA9B540C-44DA-4F69-89C9-7C84606640D3}" type="slidenum">
+              <a:rPr lang="en-US" smtClean="0"/>
+              <a:pPr/>
+              <a:t>48</a:t>
+            </a:fld>
+            <a:endParaRPr lang="en-US"/>
+          </a:p>
+        </p:txBody>
+      </p:sp>
+    </p:spTree>
+    <p:extLst>
+      <p:ext uri="{BB962C8B-B14F-4D97-AF65-F5344CB8AC3E}">
+        <p14:creationId xmlns:p14="http://schemas.microsoft.com/office/powerpoint/2010/main" val="2437989394"/>
       </p:ext>
     </p:extLst>
   </p:cSld>
@@ -19731,7 +22722,7 @@
 </p:sld>
 </file>
 
-<file path=ppt/slides/slide4.xml><?xml version="1.0" encoding="utf-8"?>
+<file path=ppt/slides/slide49.xml><?xml version="1.0" encoding="utf-8"?>
 <p:sld xmlns:a="http://schemas.openxmlformats.org/drawingml/2006/main" xmlns:r="http://schemas.openxmlformats.org/officeDocument/2006/relationships" xmlns:p="http://schemas.openxmlformats.org/presentationml/2006/main">
   <p:cSld>
     <p:spTree>
@@ -19750,7 +22741,7 @@
       </p:grpSpPr>
       <p:sp>
         <p:nvSpPr>
-          <p:cNvPr id="2" name="Title 1"/>
+          <p:cNvPr id="2" name="Título 1"/>
           <p:cNvSpPr>
             <a:spLocks noGrp="1"/>
           </p:cNvSpPr>
@@ -19765,7 +22756,7 @@
           <a:p>
             <a:r>
               <a:rPr lang="pt-BR" dirty="0" smtClean="0"/>
-              <a:t>Motivação</a:t>
+              <a:t>Obrigado</a:t>
             </a:r>
             <a:endParaRPr lang="pt-BR" dirty="0"/>
           </a:p>
@@ -19773,12 +22764,12 @@
       </p:sp>
       <p:sp>
         <p:nvSpPr>
-          <p:cNvPr id="3" name="Content Placeholder 2"/>
+          <p:cNvPr id="3" name="Espaço Reservado para Texto 2"/>
           <p:cNvSpPr>
             <a:spLocks noGrp="1"/>
           </p:cNvSpPr>
           <p:nvPr>
-            <p:ph idx="1"/>
+            <p:ph type="body" idx="1"/>
           </p:nvPr>
         </p:nvSpPr>
         <p:spPr/>
@@ -19786,108 +22777,13 @@
           <a:bodyPr/>
           <a:lstStyle/>
           <a:p>
-            <a:r>
-              <a:rPr lang="pt-BR" dirty="0"/>
-              <a:t>Mestrado profissional </a:t>
-            </a:r>
-            <a:r>
-              <a:rPr lang="pt-BR" dirty="0" smtClean="0">
-                <a:sym typeface="Wingdings"/>
-              </a:rPr>
-              <a:t> Problema profissional</a:t>
-            </a:r>
-          </a:p>
-          <a:p>
-            <a:r>
-              <a:rPr lang="pt-BR" dirty="0" smtClean="0">
-                <a:sym typeface="Wingdings"/>
-              </a:rPr>
-              <a:t>Área profissional </a:t>
-            </a:r>
-            <a:r>
-              <a:rPr lang="pt-BR" dirty="0" smtClean="0">
-                <a:latin typeface="Wingdings"/>
-                <a:ea typeface="Wingdings"/>
-                <a:cs typeface="Wingdings"/>
-                <a:sym typeface="Wingdings"/>
-              </a:rPr>
-              <a:t></a:t>
-            </a:r>
-            <a:r>
-              <a:rPr lang="pt-BR" dirty="0">
-                <a:sym typeface="Wingdings"/>
-              </a:rPr>
-              <a:t> </a:t>
-            </a:r>
-            <a:r>
-              <a:rPr lang="pt-BR" dirty="0" smtClean="0">
-                <a:sym typeface="Wingdings"/>
-              </a:rPr>
-              <a:t>Engenharia de Software</a:t>
-            </a:r>
-          </a:p>
-          <a:p>
-            <a:r>
-              <a:rPr lang="pt-BR" dirty="0" smtClean="0">
-                <a:sym typeface="Wingdings"/>
-              </a:rPr>
-              <a:t>Situação profissional </a:t>
-            </a:r>
-            <a:r>
-              <a:rPr lang="pt-BR" dirty="0" smtClean="0">
-                <a:latin typeface="Wingdings"/>
-                <a:ea typeface="Wingdings"/>
-                <a:cs typeface="Wingdings"/>
-                <a:sym typeface="Wingdings"/>
-              </a:rPr>
-              <a:t></a:t>
-            </a:r>
-            <a:r>
-              <a:rPr lang="pt-BR" dirty="0">
-                <a:sym typeface="Wingdings"/>
-              </a:rPr>
-              <a:t> </a:t>
-            </a:r>
-            <a:r>
-              <a:rPr lang="pt-BR" dirty="0" smtClean="0">
-                <a:sym typeface="Wingdings"/>
-              </a:rPr>
-              <a:t>Empresário</a:t>
-            </a:r>
-          </a:p>
-          <a:p>
-            <a:r>
-              <a:rPr lang="pt-BR" dirty="0" smtClean="0">
-                <a:sym typeface="Wingdings"/>
-              </a:rPr>
-              <a:t>Motivação</a:t>
-            </a:r>
-          </a:p>
-          <a:p>
-            <a:pPr marL="0" indent="0">
-              <a:buNone/>
-            </a:pPr>
-            <a:endParaRPr lang="pt-BR" dirty="0" smtClean="0">
-              <a:sym typeface="Wingdings"/>
-            </a:endParaRPr>
-          </a:p>
-          <a:p>
-            <a:pPr marL="457200" lvl="1" indent="0" algn="ctr">
-              <a:buNone/>
-            </a:pPr>
-            <a:r>
-              <a:rPr lang="pt-BR" sz="2400" dirty="0" smtClean="0">
-                <a:sym typeface="Wingdings"/>
-              </a:rPr>
-              <a:t>Investir o conhecimento adquirido através das disciplinas e da pesquisa da dissertação para resolver problemas reais na própria empresa de desenvolvimento de software</a:t>
-            </a:r>
-            <a:endParaRPr lang="pt-BR" sz="2400" dirty="0"/>
+            <a:endParaRPr lang="pt-BR"/>
           </a:p>
         </p:txBody>
       </p:sp>
       <p:sp>
         <p:nvSpPr>
-          <p:cNvPr id="4" name="Slide Number Placeholder 3"/>
+          <p:cNvPr id="4" name="Espaço Reservado para Número de Slide 3"/>
           <p:cNvSpPr>
             <a:spLocks noGrp="1"/>
           </p:cNvSpPr>
@@ -19903,7 +22799,7 @@
             <a:fld id="{BA9B540C-44DA-4F69-89C9-7C84606640D3}" type="slidenum">
               <a:rPr lang="en-US" smtClean="0"/>
               <a:pPr/>
-              <a:t>4</a:t>
+              <a:t>49</a:t>
             </a:fld>
             <a:endParaRPr lang="en-US"/>
           </a:p>
@@ -19912,7 +22808,7 @@
     </p:spTree>
     <p:extLst>
       <p:ext uri="{BB962C8B-B14F-4D97-AF65-F5344CB8AC3E}">
-        <p14:creationId xmlns:p14="http://schemas.microsoft.com/office/powerpoint/2010/main" val="1884584294"/>
+        <p14:creationId xmlns:p14="http://schemas.microsoft.com/office/powerpoint/2010/main" val="1290763671"/>
       </p:ext>
     </p:extLst>
   </p:cSld>
@@ -19922,257 +22818,7 @@
   <p:timing>
     <p:tnLst>
       <p:par>
-        <p:cTn id="1" dur="indefinite" restart="never" nodeType="tmRoot">
-          <p:childTnLst>
-            <p:seq concurrent="1" nextAc="seek">
-              <p:cTn id="2" dur="indefinite" nodeType="mainSeq">
-                <p:childTnLst>
-                  <p:par>
-                    <p:cTn id="3" fill="hold">
-                      <p:stCondLst>
-                        <p:cond delay="indefinite"/>
-                      </p:stCondLst>
-                      <p:childTnLst>
-                        <p:par>
-                          <p:cTn id="4" fill="hold">
-                            <p:stCondLst>
-                              <p:cond delay="0"/>
-                            </p:stCondLst>
-                            <p:childTnLst>
-                              <p:par>
-                                <p:cTn id="5" presetID="1" presetClass="entr" presetSubtype="0" fill="hold" nodeType="clickEffect">
-                                  <p:stCondLst>
-                                    <p:cond delay="0"/>
-                                  </p:stCondLst>
-                                  <p:childTnLst>
-                                    <p:set>
-                                      <p:cBhvr>
-                                        <p:cTn id="6" dur="1" fill="hold">
-                                          <p:stCondLst>
-                                            <p:cond delay="0"/>
-                                          </p:stCondLst>
-                                        </p:cTn>
-                                        <p:tgtEl>
-                                          <p:spTgt spid="3">
-                                            <p:txEl>
-                                              <p:pRg st="0" end="0"/>
-                                            </p:txEl>
-                                          </p:spTgt>
-                                        </p:tgtEl>
-                                        <p:attrNameLst>
-                                          <p:attrName>style.visibility</p:attrName>
-                                        </p:attrNameLst>
-                                      </p:cBhvr>
-                                      <p:to>
-                                        <p:strVal val="visible"/>
-                                      </p:to>
-                                    </p:set>
-                                  </p:childTnLst>
-                                </p:cTn>
-                              </p:par>
-                            </p:childTnLst>
-                          </p:cTn>
-                        </p:par>
-                      </p:childTnLst>
-                    </p:cTn>
-                  </p:par>
-                  <p:par>
-                    <p:cTn id="7" fill="hold">
-                      <p:stCondLst>
-                        <p:cond delay="indefinite"/>
-                      </p:stCondLst>
-                      <p:childTnLst>
-                        <p:par>
-                          <p:cTn id="8" fill="hold">
-                            <p:stCondLst>
-                              <p:cond delay="0"/>
-                            </p:stCondLst>
-                            <p:childTnLst>
-                              <p:par>
-                                <p:cTn id="9" presetID="1" presetClass="entr" presetSubtype="0" fill="hold" nodeType="clickEffect">
-                                  <p:stCondLst>
-                                    <p:cond delay="0"/>
-                                  </p:stCondLst>
-                                  <p:childTnLst>
-                                    <p:set>
-                                      <p:cBhvr>
-                                        <p:cTn id="10" dur="1" fill="hold">
-                                          <p:stCondLst>
-                                            <p:cond delay="0"/>
-                                          </p:stCondLst>
-                                        </p:cTn>
-                                        <p:tgtEl>
-                                          <p:spTgt spid="3">
-                                            <p:txEl>
-                                              <p:pRg st="1" end="1"/>
-                                            </p:txEl>
-                                          </p:spTgt>
-                                        </p:tgtEl>
-                                        <p:attrNameLst>
-                                          <p:attrName>style.visibility</p:attrName>
-                                        </p:attrNameLst>
-                                      </p:cBhvr>
-                                      <p:to>
-                                        <p:strVal val="visible"/>
-                                      </p:to>
-                                    </p:set>
-                                  </p:childTnLst>
-                                </p:cTn>
-                              </p:par>
-                            </p:childTnLst>
-                          </p:cTn>
-                        </p:par>
-                      </p:childTnLst>
-                    </p:cTn>
-                  </p:par>
-                  <p:par>
-                    <p:cTn id="11" fill="hold">
-                      <p:stCondLst>
-                        <p:cond delay="indefinite"/>
-                      </p:stCondLst>
-                      <p:childTnLst>
-                        <p:par>
-                          <p:cTn id="12" fill="hold">
-                            <p:stCondLst>
-                              <p:cond delay="0"/>
-                            </p:stCondLst>
-                            <p:childTnLst>
-                              <p:par>
-                                <p:cTn id="13" presetID="1" presetClass="entr" presetSubtype="0" fill="hold" nodeType="clickEffect">
-                                  <p:stCondLst>
-                                    <p:cond delay="0"/>
-                                  </p:stCondLst>
-                                  <p:childTnLst>
-                                    <p:set>
-                                      <p:cBhvr>
-                                        <p:cTn id="14" dur="1" fill="hold">
-                                          <p:stCondLst>
-                                            <p:cond delay="0"/>
-                                          </p:stCondLst>
-                                        </p:cTn>
-                                        <p:tgtEl>
-                                          <p:spTgt spid="3">
-                                            <p:txEl>
-                                              <p:pRg st="2" end="2"/>
-                                            </p:txEl>
-                                          </p:spTgt>
-                                        </p:tgtEl>
-                                        <p:attrNameLst>
-                                          <p:attrName>style.visibility</p:attrName>
-                                        </p:attrNameLst>
-                                      </p:cBhvr>
-                                      <p:to>
-                                        <p:strVal val="visible"/>
-                                      </p:to>
-                                    </p:set>
-                                  </p:childTnLst>
-                                </p:cTn>
-                              </p:par>
-                            </p:childTnLst>
-                          </p:cTn>
-                        </p:par>
-                      </p:childTnLst>
-                    </p:cTn>
-                  </p:par>
-                  <p:par>
-                    <p:cTn id="15" fill="hold">
-                      <p:stCondLst>
-                        <p:cond delay="indefinite"/>
-                      </p:stCondLst>
-                      <p:childTnLst>
-                        <p:par>
-                          <p:cTn id="16" fill="hold">
-                            <p:stCondLst>
-                              <p:cond delay="0"/>
-                            </p:stCondLst>
-                            <p:childTnLst>
-                              <p:par>
-                                <p:cTn id="17" presetID="1" presetClass="entr" presetSubtype="0" fill="hold" nodeType="clickEffect">
-                                  <p:stCondLst>
-                                    <p:cond delay="0"/>
-                                  </p:stCondLst>
-                                  <p:childTnLst>
-                                    <p:set>
-                                      <p:cBhvr>
-                                        <p:cTn id="18" dur="1" fill="hold">
-                                          <p:stCondLst>
-                                            <p:cond delay="0"/>
-                                          </p:stCondLst>
-                                        </p:cTn>
-                                        <p:tgtEl>
-                                          <p:spTgt spid="3">
-                                            <p:txEl>
-                                              <p:pRg st="3" end="3"/>
-                                            </p:txEl>
-                                          </p:spTgt>
-                                        </p:tgtEl>
-                                        <p:attrNameLst>
-                                          <p:attrName>style.visibility</p:attrName>
-                                        </p:attrNameLst>
-                                      </p:cBhvr>
-                                      <p:to>
-                                        <p:strVal val="visible"/>
-                                      </p:to>
-                                    </p:set>
-                                  </p:childTnLst>
-                                </p:cTn>
-                              </p:par>
-                              <p:par>
-                                <p:cTn id="19" presetID="1" presetClass="entr" presetSubtype="0" fill="hold" nodeType="withEffect">
-                                  <p:stCondLst>
-                                    <p:cond delay="0"/>
-                                  </p:stCondLst>
-                                  <p:childTnLst>
-                                    <p:set>
-                                      <p:cBhvr>
-                                        <p:cTn id="20" dur="1" fill="hold">
-                                          <p:stCondLst>
-                                            <p:cond delay="0"/>
-                                          </p:stCondLst>
-                                        </p:cTn>
-                                        <p:tgtEl>
-                                          <p:spTgt spid="3">
-                                            <p:txEl>
-                                              <p:pRg st="5" end="5"/>
-                                            </p:txEl>
-                                          </p:spTgt>
-                                        </p:tgtEl>
-                                        <p:attrNameLst>
-                                          <p:attrName>style.visibility</p:attrName>
-                                        </p:attrNameLst>
-                                      </p:cBhvr>
-                                      <p:to>
-                                        <p:strVal val="visible"/>
-                                      </p:to>
-                                    </p:set>
-                                  </p:childTnLst>
-                                </p:cTn>
-                              </p:par>
-                            </p:childTnLst>
-                          </p:cTn>
-                        </p:par>
-                      </p:childTnLst>
-                    </p:cTn>
-                  </p:par>
-                </p:childTnLst>
-              </p:cTn>
-              <p:prevCondLst>
-                <p:cond evt="onPrev" delay="0">
-                  <p:tgtEl>
-                    <p:sldTgt/>
-                  </p:tgtEl>
-                </p:cond>
-              </p:prevCondLst>
-              <p:nextCondLst>
-                <p:cond evt="onNext" delay="0">
-                  <p:tgtEl>
-                    <p:sldTgt/>
-                  </p:tgtEl>
-                </p:cond>
-              </p:nextCondLst>
-            </p:seq>
-          </p:childTnLst>
-        </p:cTn>
+        <p:cTn id="1" dur="indefinite" restart="never" nodeType="tmRoot"/>
       </p:par>
     </p:tnLst>
   </p:timing>
@@ -20238,15 +22884,7 @@
           <a:p>
             <a:r>
               <a:rPr lang="pt-BR" dirty="0" smtClean="0"/>
-              <a:t>“A empresa está em franca ascensão em termos de quantidade </a:t>
-            </a:r>
-            <a:r>
-              <a:rPr lang="pt-BR" dirty="0" smtClean="0"/>
-              <a:t>de novos clientes, mas os processos internos não estão bem formalizados para suportar este crescimento</a:t>
-            </a:r>
-            <a:r>
-              <a:rPr lang="pt-BR" dirty="0" smtClean="0"/>
-              <a:t>”</a:t>
+              <a:t>“A empresa está em franca ascensão em termos de quantidade de novos clientes, mas os processos internos não estão bem formalizados para suportar este crescimento”</a:t>
             </a:r>
             <a:endParaRPr lang="pt-BR" dirty="0"/>
           </a:p>
@@ -21288,119 +23926,27 @@
           <a:lstStyle/>
           <a:p>
             <a:r>
-              <a:rPr lang="en-US" dirty="0" err="1" smtClean="0"/>
-              <a:t>Demandas</a:t>
-            </a:r>
-            <a:r>
-              <a:rPr lang="en-US" dirty="0" smtClean="0"/>
-              <a:t> </a:t>
-            </a:r>
-            <a:r>
-              <a:rPr lang="en-US" dirty="0" err="1" smtClean="0"/>
-              <a:t>pré-existentes</a:t>
-            </a:r>
-            <a:endParaRPr lang="en-US" dirty="0" smtClean="0"/>
-          </a:p>
-          <a:p>
-            <a:r>
-              <a:rPr lang="en-US" dirty="0" err="1" smtClean="0"/>
-              <a:t>Crescimento</a:t>
-            </a:r>
-            <a:r>
-              <a:rPr lang="en-US" dirty="0" smtClean="0"/>
-              <a:t> </a:t>
-            </a:r>
-            <a:r>
-              <a:rPr lang="en-US" dirty="0" err="1" smtClean="0"/>
-              <a:t>constante</a:t>
-            </a:r>
-            <a:r>
-              <a:rPr lang="en-US" dirty="0" smtClean="0"/>
-              <a:t> </a:t>
-            </a:r>
-            <a:r>
-              <a:rPr lang="en-US" dirty="0" err="1" smtClean="0"/>
-              <a:t>nos</a:t>
-            </a:r>
-            <a:r>
-              <a:rPr lang="en-US" dirty="0" smtClean="0"/>
-              <a:t> </a:t>
-            </a:r>
-            <a:r>
-              <a:rPr lang="en-US" dirty="0" err="1" smtClean="0"/>
-              <a:t>últimos</a:t>
-            </a:r>
-            <a:r>
-              <a:rPr lang="en-US" dirty="0" smtClean="0"/>
-              <a:t> </a:t>
-            </a:r>
-            <a:r>
-              <a:rPr lang="en-US" dirty="0" err="1" smtClean="0"/>
-              <a:t>meses</a:t>
-            </a:r>
-            <a:endParaRPr lang="en-US" dirty="0" smtClean="0"/>
-          </a:p>
-          <a:p>
-            <a:r>
-              <a:rPr lang="en-US" dirty="0" err="1" smtClean="0"/>
-              <a:t>Receio</a:t>
-            </a:r>
-            <a:r>
-              <a:rPr lang="en-US" dirty="0" smtClean="0"/>
-              <a:t> de </a:t>
-            </a:r>
-            <a:r>
-              <a:rPr lang="en-US" dirty="0" err="1" smtClean="0"/>
-              <a:t>crescimento</a:t>
-            </a:r>
-            <a:r>
-              <a:rPr lang="en-US" dirty="0" smtClean="0"/>
-              <a:t> </a:t>
-            </a:r>
-            <a:r>
-              <a:rPr lang="en-US" dirty="0" err="1" smtClean="0"/>
-              <a:t>desordenado</a:t>
-            </a:r>
-            <a:endParaRPr lang="en-US" dirty="0" smtClean="0"/>
-          </a:p>
-          <a:p>
-            <a:r>
-              <a:rPr lang="en-US" dirty="0" err="1" smtClean="0"/>
-              <a:t>Filosofia</a:t>
-            </a:r>
-            <a:r>
-              <a:rPr lang="en-US" dirty="0" smtClean="0"/>
-              <a:t> e </a:t>
-            </a:r>
-            <a:r>
-              <a:rPr lang="en-US" dirty="0" err="1" smtClean="0"/>
-              <a:t>valores</a:t>
-            </a:r>
-            <a:r>
-              <a:rPr lang="en-US" dirty="0" smtClean="0"/>
-              <a:t> da </a:t>
-            </a:r>
-            <a:r>
-              <a:rPr lang="en-US" dirty="0" err="1" smtClean="0"/>
-              <a:t>empresa</a:t>
-            </a:r>
-            <a:r>
-              <a:rPr lang="en-US" dirty="0" smtClean="0"/>
-              <a:t> </a:t>
-            </a:r>
-            <a:r>
-              <a:rPr lang="en-US" dirty="0" err="1" smtClean="0"/>
-              <a:t>centrados</a:t>
-            </a:r>
-            <a:r>
-              <a:rPr lang="en-US" dirty="0" smtClean="0"/>
-              <a:t> no </a:t>
-            </a:r>
-            <a:r>
-              <a:rPr lang="en-US" dirty="0" err="1" smtClean="0"/>
-              <a:t>cliente</a:t>
-            </a:r>
-            <a:endParaRPr lang="en-US" dirty="0"/>
+              <a:rPr lang="pt-BR" dirty="0" smtClean="0"/>
+              <a:t>Demandas preexistentes</a:t>
+            </a:r>
+          </a:p>
+          <a:p>
+            <a:r>
+              <a:rPr lang="pt-BR" dirty="0" smtClean="0"/>
+              <a:t>Crescimento constante nos últimos meses</a:t>
+            </a:r>
+          </a:p>
+          <a:p>
+            <a:r>
+              <a:rPr lang="pt-BR" dirty="0" smtClean="0"/>
+              <a:t>Receio de crescimento desordenado</a:t>
+            </a:r>
+          </a:p>
+          <a:p>
+            <a:r>
+              <a:rPr lang="pt-BR" dirty="0" smtClean="0"/>
+              <a:t>Filosofia e valores da empresa centrados no cliente</a:t>
+            </a:r>
           </a:p>
           <a:p>
             <a:endParaRPr lang="pt-BR" dirty="0"/>
@@ -21756,450 +24302,9 @@
               <a:buNone/>
             </a:pPr>
             <a:r>
-              <a:rPr lang="en-US" sz="2600" dirty="0" smtClean="0"/>
-              <a:t>“</a:t>
-            </a:r>
-            <a:r>
-              <a:rPr lang="en-US" sz="2600" dirty="0" err="1" smtClean="0"/>
-              <a:t>Observou</a:t>
-            </a:r>
-            <a:r>
-              <a:rPr lang="en-US" sz="2600" dirty="0"/>
-              <a:t>-se </a:t>
-            </a:r>
-            <a:r>
-              <a:rPr lang="en-US" sz="2600" dirty="0" err="1"/>
-              <a:t>que</a:t>
-            </a:r>
-            <a:r>
-              <a:rPr lang="en-US" sz="2600" dirty="0"/>
-              <a:t> a </a:t>
-            </a:r>
-            <a:r>
-              <a:rPr lang="en-US" sz="2600" dirty="0" err="1"/>
-              <a:t>empresa</a:t>
-            </a:r>
-            <a:r>
-              <a:rPr lang="en-US" sz="2600" dirty="0"/>
-              <a:t> </a:t>
-            </a:r>
-            <a:r>
-              <a:rPr lang="en-US" sz="2600" dirty="0" err="1"/>
-              <a:t>possui</a:t>
-            </a:r>
-            <a:r>
-              <a:rPr lang="en-US" sz="2600" dirty="0"/>
-              <a:t> </a:t>
-            </a:r>
-            <a:r>
-              <a:rPr lang="en-US" sz="2600" dirty="0" err="1"/>
-              <a:t>qualidades</a:t>
-            </a:r>
-            <a:r>
-              <a:rPr lang="en-US" sz="2600" dirty="0"/>
-              <a:t> </a:t>
-            </a:r>
-            <a:r>
-              <a:rPr lang="en-US" sz="2600" dirty="0" err="1"/>
-              <a:t>essenciais</a:t>
-            </a:r>
-            <a:r>
-              <a:rPr lang="en-US" sz="2600" dirty="0"/>
-              <a:t> </a:t>
-            </a:r>
-            <a:r>
-              <a:rPr lang="en-US" sz="2600" dirty="0" err="1"/>
-              <a:t>para</a:t>
-            </a:r>
-            <a:r>
-              <a:rPr lang="en-US" sz="2600" dirty="0"/>
-              <a:t> o </a:t>
-            </a:r>
-            <a:r>
-              <a:rPr lang="en-US" sz="2600" dirty="0" err="1"/>
-              <a:t>crescimento</a:t>
-            </a:r>
-            <a:r>
-              <a:rPr lang="en-US" sz="2600" dirty="0"/>
-              <a:t> </a:t>
-            </a:r>
-            <a:r>
-              <a:rPr lang="en-US" sz="2600" dirty="0" err="1" smtClean="0"/>
-              <a:t>contínuo</a:t>
-            </a:r>
-            <a:r>
-              <a:rPr lang="en-US" sz="2600" dirty="0"/>
-              <a:t>, </a:t>
-            </a:r>
-            <a:r>
-              <a:rPr lang="en-US" sz="2600" dirty="0" err="1"/>
-              <a:t>como</a:t>
-            </a:r>
-            <a:r>
-              <a:rPr lang="en-US" sz="2600" dirty="0"/>
-              <a:t> </a:t>
-            </a:r>
-            <a:r>
-              <a:rPr lang="en-US" sz="2600" dirty="0" err="1"/>
-              <a:t>por</a:t>
-            </a:r>
-            <a:r>
-              <a:rPr lang="en-US" sz="2600" dirty="0"/>
-              <a:t> </a:t>
-            </a:r>
-            <a:r>
-              <a:rPr lang="en-US" sz="2600" dirty="0" err="1"/>
-              <a:t>exemplo</a:t>
-            </a:r>
-            <a:r>
-              <a:rPr lang="en-US" sz="2600" dirty="0"/>
-              <a:t>, o </a:t>
-            </a:r>
-            <a:r>
-              <a:rPr lang="en-US" sz="2600" dirty="0" err="1"/>
-              <a:t>comprometimento</a:t>
-            </a:r>
-            <a:r>
-              <a:rPr lang="en-US" sz="2600" dirty="0"/>
-              <a:t> dos </a:t>
-            </a:r>
-            <a:r>
-              <a:rPr lang="en-US" sz="2600" dirty="0" err="1"/>
-              <a:t>profissionais</a:t>
-            </a:r>
-            <a:r>
-              <a:rPr lang="en-US" sz="2600" dirty="0"/>
-              <a:t>, a </a:t>
-            </a:r>
-            <a:r>
-              <a:rPr lang="en-US" sz="2600" dirty="0" err="1" smtClean="0"/>
-              <a:t>comunicação</a:t>
-            </a:r>
-            <a:r>
-              <a:rPr lang="en-US" sz="2600" dirty="0"/>
-              <a:t>, o </a:t>
-            </a:r>
-            <a:r>
-              <a:rPr lang="en-US" sz="2600" dirty="0" err="1"/>
-              <a:t>bom</a:t>
-            </a:r>
-            <a:r>
-              <a:rPr lang="en-US" sz="2600" dirty="0"/>
-              <a:t> </a:t>
-            </a:r>
-            <a:r>
-              <a:rPr lang="en-US" sz="2600" dirty="0" err="1"/>
-              <a:t>clima</a:t>
-            </a:r>
-            <a:r>
-              <a:rPr lang="en-US" sz="2600" dirty="0"/>
-              <a:t> </a:t>
-            </a:r>
-            <a:r>
-              <a:rPr lang="en-US" sz="2600" dirty="0" err="1"/>
-              <a:t>organizacional</a:t>
-            </a:r>
-            <a:r>
-              <a:rPr lang="en-US" sz="2600" dirty="0"/>
-              <a:t>, </a:t>
-            </a:r>
-            <a:r>
-              <a:rPr lang="en-US" sz="2600" dirty="0" err="1"/>
-              <a:t>assim</a:t>
-            </a:r>
-            <a:r>
-              <a:rPr lang="en-US" sz="2600" dirty="0"/>
-              <a:t> </a:t>
-            </a:r>
-            <a:r>
-              <a:rPr lang="en-US" sz="2600" dirty="0" err="1"/>
-              <a:t>como</a:t>
-            </a:r>
-            <a:r>
-              <a:rPr lang="en-US" sz="2600" dirty="0"/>
-              <a:t> a </a:t>
-            </a:r>
-            <a:r>
-              <a:rPr lang="en-US" sz="2600" dirty="0" err="1"/>
-              <a:t>cultura</a:t>
-            </a:r>
-            <a:r>
-              <a:rPr lang="en-US" sz="2600" dirty="0"/>
-              <a:t> de </a:t>
-            </a:r>
-            <a:r>
-              <a:rPr lang="en-US" sz="2600" dirty="0" err="1"/>
-              <a:t>prezar</a:t>
-            </a:r>
-            <a:r>
-              <a:rPr lang="en-US" sz="2600" dirty="0"/>
-              <a:t> </a:t>
-            </a:r>
-            <a:r>
-              <a:rPr lang="en-US" sz="2600" dirty="0" err="1"/>
-              <a:t>pela</a:t>
-            </a:r>
-            <a:r>
-              <a:rPr lang="en-US" sz="2600" dirty="0"/>
-              <a:t> </a:t>
-            </a:r>
-            <a:r>
-              <a:rPr lang="en-US" sz="2600" dirty="0" err="1" smtClean="0"/>
-              <a:t>excelência</a:t>
-            </a:r>
-            <a:r>
-              <a:rPr lang="en-US" sz="2600" dirty="0" smtClean="0"/>
-              <a:t> </a:t>
-            </a:r>
-            <a:r>
-              <a:rPr lang="en-US" sz="2600" dirty="0"/>
-              <a:t>e </a:t>
-            </a:r>
-            <a:r>
-              <a:rPr lang="en-US" sz="2600" dirty="0" err="1"/>
-              <a:t>ser</a:t>
-            </a:r>
-            <a:r>
-              <a:rPr lang="en-US" sz="2600" dirty="0"/>
-              <a:t> </a:t>
-            </a:r>
-            <a:r>
-              <a:rPr lang="en-US" sz="2600" dirty="0" err="1"/>
-              <a:t>reconhecida</a:t>
-            </a:r>
-            <a:r>
-              <a:rPr lang="en-US" sz="2600" dirty="0"/>
-              <a:t> </a:t>
-            </a:r>
-            <a:r>
-              <a:rPr lang="en-US" sz="2600" dirty="0" err="1" smtClean="0"/>
-              <a:t>através</a:t>
-            </a:r>
-            <a:r>
-              <a:rPr lang="en-US" sz="2600" dirty="0" smtClean="0"/>
-              <a:t> </a:t>
-            </a:r>
-            <a:r>
-              <a:rPr lang="en-US" sz="2600" dirty="0"/>
-              <a:t>da </a:t>
-            </a:r>
-            <a:r>
-              <a:rPr lang="en-US" sz="2600" dirty="0" err="1"/>
-              <a:t>sua</a:t>
-            </a:r>
-            <a:r>
-              <a:rPr lang="en-US" sz="2600" dirty="0"/>
-              <a:t> </a:t>
-            </a:r>
-            <a:r>
-              <a:rPr lang="en-US" sz="2600" dirty="0" err="1"/>
-              <a:t>confiabilidade</a:t>
-            </a:r>
-            <a:r>
-              <a:rPr lang="en-US" sz="2600" dirty="0"/>
-              <a:t> e </a:t>
-            </a:r>
-            <a:r>
-              <a:rPr lang="en-US" sz="2600" dirty="0" err="1"/>
-              <a:t>qualidade</a:t>
-            </a:r>
-            <a:r>
-              <a:rPr lang="en-US" sz="2600" dirty="0"/>
-              <a:t> </a:t>
-            </a:r>
-            <a:r>
-              <a:rPr lang="en-US" sz="2600" dirty="0" err="1"/>
-              <a:t>nos</a:t>
-            </a:r>
-            <a:r>
-              <a:rPr lang="en-US" sz="2600" dirty="0"/>
-              <a:t> </a:t>
-            </a:r>
-            <a:r>
-              <a:rPr lang="en-US" sz="2600" dirty="0" err="1" smtClean="0"/>
-              <a:t>serviços</a:t>
-            </a:r>
-            <a:r>
-              <a:rPr lang="en-US" sz="2600" dirty="0"/>
-              <a:t>. </a:t>
-            </a:r>
-            <a:r>
-              <a:rPr lang="en-US" sz="2600" dirty="0" err="1" smtClean="0"/>
-              <a:t>Porém</a:t>
-            </a:r>
-            <a:r>
-              <a:rPr lang="en-US" sz="2600" dirty="0"/>
-              <a:t>, </a:t>
-            </a:r>
-            <a:r>
-              <a:rPr lang="en-US" sz="2600" dirty="0" err="1"/>
-              <a:t>para</a:t>
-            </a:r>
-            <a:r>
-              <a:rPr lang="en-US" sz="2600" dirty="0"/>
-              <a:t> </a:t>
-            </a:r>
-            <a:r>
-              <a:rPr lang="en-US" sz="2600" dirty="0" err="1"/>
-              <a:t>que</a:t>
-            </a:r>
-            <a:r>
-              <a:rPr lang="en-US" sz="2600" dirty="0"/>
-              <a:t> a </a:t>
-            </a:r>
-            <a:r>
-              <a:rPr lang="en-US" sz="2600" dirty="0" err="1"/>
-              <a:t>empresa</a:t>
-            </a:r>
-            <a:r>
-              <a:rPr lang="en-US" sz="2600" dirty="0"/>
-              <a:t> </a:t>
-            </a:r>
-            <a:r>
-              <a:rPr lang="en-US" sz="2600" dirty="0" err="1"/>
-              <a:t>suporte</a:t>
-            </a:r>
-            <a:r>
-              <a:rPr lang="en-US" sz="2600" dirty="0"/>
-              <a:t> o </a:t>
-            </a:r>
-            <a:r>
-              <a:rPr lang="en-US" sz="2600" dirty="0" err="1"/>
-              <a:t>crescimento</a:t>
-            </a:r>
-            <a:r>
-              <a:rPr lang="en-US" sz="2600" dirty="0"/>
-              <a:t> </a:t>
-            </a:r>
-            <a:r>
-              <a:rPr lang="en-US" sz="2600" dirty="0" err="1"/>
-              <a:t>que</a:t>
-            </a:r>
-            <a:r>
-              <a:rPr lang="en-US" sz="2600" dirty="0"/>
-              <a:t> </a:t>
-            </a:r>
-            <a:r>
-              <a:rPr lang="en-US" sz="2600" dirty="0" err="1"/>
-              <a:t>tende</a:t>
-            </a:r>
-            <a:r>
-              <a:rPr lang="en-US" sz="2600" dirty="0"/>
-              <a:t> a </a:t>
-            </a:r>
-            <a:r>
-              <a:rPr lang="en-US" sz="2600" dirty="0" err="1"/>
-              <a:t>acontecer</a:t>
-            </a:r>
-            <a:r>
-              <a:rPr lang="en-US" sz="2600" dirty="0"/>
-              <a:t> </a:t>
-            </a:r>
-            <a:r>
-              <a:rPr lang="en-US" sz="2600" dirty="0" err="1"/>
-              <a:t>cada</a:t>
-            </a:r>
-            <a:r>
-              <a:rPr lang="en-US" sz="2600" dirty="0"/>
-              <a:t> </a:t>
-            </a:r>
-            <a:r>
-              <a:rPr lang="en-US" sz="2600" dirty="0" err="1"/>
-              <a:t>vez</a:t>
-            </a:r>
-            <a:r>
-              <a:rPr lang="en-US" sz="2600" dirty="0"/>
-              <a:t> </a:t>
-            </a:r>
-            <a:r>
-              <a:rPr lang="en-US" sz="2600" dirty="0" err="1"/>
-              <a:t>mais</a:t>
-            </a:r>
-            <a:r>
-              <a:rPr lang="en-US" sz="2600" dirty="0"/>
-              <a:t>, </a:t>
-            </a:r>
-            <a:r>
-              <a:rPr lang="en-US" sz="2600" dirty="0" err="1"/>
-              <a:t>devido</a:t>
-            </a:r>
-            <a:r>
-              <a:rPr lang="en-US" sz="2600" dirty="0"/>
-              <a:t> a </a:t>
-            </a:r>
-            <a:r>
-              <a:rPr lang="en-US" sz="2600" dirty="0" err="1"/>
-              <a:t>demanda</a:t>
-            </a:r>
-            <a:r>
-              <a:rPr lang="en-US" sz="2600" dirty="0"/>
-              <a:t> </a:t>
-            </a:r>
-            <a:r>
-              <a:rPr lang="en-US" sz="2600" dirty="0" err="1"/>
-              <a:t>pelos</a:t>
-            </a:r>
-            <a:r>
-              <a:rPr lang="en-US" sz="2600" dirty="0"/>
-              <a:t> </a:t>
-            </a:r>
-            <a:r>
-              <a:rPr lang="en-US" sz="2600" dirty="0" err="1" smtClean="0"/>
-              <a:t>serviços</a:t>
-            </a:r>
-            <a:r>
-              <a:rPr lang="en-US" sz="2600" dirty="0"/>
-              <a:t>, </a:t>
-            </a:r>
-            <a:r>
-              <a:rPr lang="en-US" sz="2600" dirty="0" err="1"/>
-              <a:t>torna</a:t>
-            </a:r>
-            <a:r>
-              <a:rPr lang="en-US" sz="2600" dirty="0"/>
-              <a:t>-se </a:t>
-            </a:r>
-            <a:r>
-              <a:rPr lang="en-US" sz="2600" dirty="0" err="1" smtClean="0"/>
-              <a:t>necessário</a:t>
-            </a:r>
-            <a:r>
-              <a:rPr lang="en-US" sz="2600" dirty="0" smtClean="0"/>
-              <a:t> </a:t>
-            </a:r>
-            <a:r>
-              <a:rPr lang="en-US" sz="2600" dirty="0" err="1"/>
-              <a:t>alguns</a:t>
-            </a:r>
-            <a:r>
-              <a:rPr lang="en-US" sz="2600" dirty="0"/>
-              <a:t> </a:t>
-            </a:r>
-            <a:r>
-              <a:rPr lang="en-US" sz="2600" dirty="0" err="1" smtClean="0"/>
-              <a:t>ajustes</a:t>
-            </a:r>
-            <a:r>
-              <a:rPr lang="en-US" sz="2600" dirty="0" smtClean="0"/>
-              <a:t> </a:t>
-            </a:r>
-            <a:r>
-              <a:rPr lang="en-US" sz="2600" dirty="0" err="1"/>
-              <a:t>nos</a:t>
-            </a:r>
-            <a:r>
-              <a:rPr lang="en-US" sz="2600" dirty="0"/>
-              <a:t> </a:t>
-            </a:r>
-            <a:r>
-              <a:rPr lang="en-US" sz="2600" dirty="0" err="1"/>
-              <a:t>processos</a:t>
-            </a:r>
-            <a:r>
-              <a:rPr lang="en-US" sz="2600" dirty="0" smtClean="0"/>
-              <a:t>.”</a:t>
-            </a:r>
-            <a:endParaRPr lang="en-US" sz="2600" dirty="0"/>
+              <a:rPr lang="pt-BR" sz="2600" dirty="0" smtClean="0"/>
+              <a:t>“Observou-se que a empresa possui qualidades essenciais para o crescimento contínuo, como por exemplo, o comprometimento dos profissionais, a comunicação, o bom clima organizacional, assim como a cultura de prezar pela excelência e ser reconhecida através da sua confiabilidade e qualidade nos serviços. Porém, para que a empresa suporte o crescimento que tende a acontecer cada vez mais, devido a demanda pelos serviços, torna-se necessário alguns ajustes nos processos.”</a:t>
+            </a:r>
           </a:p>
           <a:p>
             <a:endParaRPr lang="pt-BR" dirty="0"/>

--- a/Seminário/Seminário Dissertação Gladistone 2.pptx
+++ b/Seminário/Seminário Dissertação Gladistone 2.pptx
@@ -5,10 +5,10 @@
     <p:sldMasterId id="2147483648" r:id="rId1"/>
   </p:sldMasterIdLst>
   <p:notesMasterIdLst>
-    <p:notesMasterId r:id="rId51"/>
+    <p:notesMasterId r:id="rId53"/>
   </p:notesMasterIdLst>
   <p:handoutMasterIdLst>
-    <p:handoutMasterId r:id="rId52"/>
+    <p:handoutMasterId r:id="rId54"/>
   </p:handoutMasterIdLst>
   <p:sldIdLst>
     <p:sldId id="256" r:id="rId2"/>
@@ -59,7 +59,9 @@
     <p:sldId id="339" r:id="rId47"/>
     <p:sldId id="328" r:id="rId48"/>
     <p:sldId id="340" r:id="rId49"/>
-    <p:sldId id="341" r:id="rId50"/>
+    <p:sldId id="342" r:id="rId50"/>
+    <p:sldId id="343" r:id="rId51"/>
+    <p:sldId id="341" r:id="rId52"/>
   </p:sldIdLst>
   <p:sldSz cx="9144000" cy="6858000" type="screen4x3"/>
   <p:notesSz cx="6858000" cy="9144000"/>
@@ -160,7 +162,7 @@
   </p:defaultTextStyle>
   <p:extLst>
     <p:ext uri="{EFAFB233-063F-42B5-8137-9DF3F51BA10A}">
-      <p15:sldGuideLst xmlns:p15="http://schemas.microsoft.com/office/powerpoint/2012/main">
+      <p15:sldGuideLst xmlns:p15="http://schemas.microsoft.com/office/powerpoint/2012/main" xmlns="">
         <p15:guide id="1" orient="horz" pos="2160">
           <p15:clr>
             <a:srgbClr val="A4A3A4"/>
@@ -5560,7 +5562,7 @@
           <a:p>
             <a:fld id="{53EAA4CA-DE6B-E547-8B01-BF8750F83D5C}" type="datetimeFigureOut">
               <a:rPr lang="en-US" smtClean="0"/>
-              <a:t>5/22/2015</a:t>
+              <a:t>23/05/15</a:t>
             </a:fld>
             <a:endParaRPr lang="pt-BR"/>
           </a:p>
@@ -5626,7 +5628,7 @@
           <a:p>
             <a:fld id="{AA35955D-955B-6F41-B71F-2E9FA4B2EE53}" type="slidenum">
               <a:rPr lang="pt-BR" smtClean="0"/>
-              <a:t>‹nº›</a:t>
+              <a:t>‹#›</a:t>
             </a:fld>
             <a:endParaRPr lang="pt-BR"/>
           </a:p>
@@ -5726,7 +5728,7 @@
           <a:p>
             <a:fld id="{C7DB5A26-5A39-2F4F-8F1E-058893DDF6EA}" type="datetimeFigureOut">
               <a:rPr lang="en-US" smtClean="0"/>
-              <a:t>5/22/2015</a:t>
+              <a:t>23/05/15</a:t>
             </a:fld>
             <a:endParaRPr lang="pt-BR"/>
           </a:p>
@@ -5885,7 +5887,7 @@
           <a:p>
             <a:fld id="{AFEFC387-4B7B-5742-9321-67FA79338EB9}" type="slidenum">
               <a:rPr lang="pt-BR" smtClean="0"/>
-              <a:t>‹nº›</a:t>
+              <a:t>‹#›</a:t>
             </a:fld>
             <a:endParaRPr lang="pt-BR"/>
           </a:p>
@@ -6187,7 +6189,7 @@
           <a:p>
             <a:fld id="{F067F73F-4F70-C348-AAF6-49E855166064}" type="datetime1">
               <a:rPr lang="pt-BR" smtClean="0"/>
-              <a:t>22/05/2015</a:t>
+              <a:t>23/05/15</a:t>
             </a:fld>
             <a:endParaRPr lang="en-US" dirty="0"/>
           </a:p>
@@ -6211,7 +6213,7 @@
             <a:fld id="{BA9B540C-44DA-4F69-89C9-7C84606640D3}" type="slidenum">
               <a:rPr lang="en-US" smtClean="0"/>
               <a:pPr/>
-              <a:t>‹nº›</a:t>
+              <a:t>‹#›</a:t>
             </a:fld>
             <a:endParaRPr lang="en-US" dirty="0"/>
           </a:p>
@@ -6357,7 +6359,7 @@
           <a:p>
             <a:fld id="{08D4E48C-3DEF-5B4E-B418-FF937D3D7EA8}" type="datetime1">
               <a:rPr lang="pt-BR" smtClean="0"/>
-              <a:t>22/05/2015</a:t>
+              <a:t>23/05/15</a:t>
             </a:fld>
             <a:endParaRPr lang="en-US"/>
           </a:p>
@@ -6404,7 +6406,7 @@
             <a:fld id="{BA9B540C-44DA-4F69-89C9-7C84606640D3}" type="slidenum">
               <a:rPr lang="en-US" smtClean="0"/>
               <a:pPr/>
-              <a:t>‹nº›</a:t>
+              <a:t>‹#›</a:t>
             </a:fld>
             <a:endParaRPr lang="en-US"/>
           </a:p>
@@ -6537,7 +6539,7 @@
           <a:p>
             <a:fld id="{FFC279F4-1005-574A-96F4-5355872978E1}" type="datetime1">
               <a:rPr lang="pt-BR" smtClean="0"/>
-              <a:t>22/05/2015</a:t>
+              <a:t>23/05/15</a:t>
             </a:fld>
             <a:endParaRPr lang="en-US"/>
           </a:p>
@@ -6584,7 +6586,7 @@
             <a:fld id="{BA9B540C-44DA-4F69-89C9-7C84606640D3}" type="slidenum">
               <a:rPr lang="en-US" smtClean="0"/>
               <a:pPr/>
-              <a:t>‹nº›</a:t>
+              <a:t>‹#›</a:t>
             </a:fld>
             <a:endParaRPr lang="en-US"/>
           </a:p>
@@ -6725,7 +6727,7 @@
           <a:p>
             <a:fld id="{B4003A6F-662C-864D-A907-567EF8D0DF40}" type="datetime1">
               <a:rPr lang="pt-BR" smtClean="0"/>
-              <a:t>22/05/2015</a:t>
+              <a:t>23/05/15</a:t>
             </a:fld>
             <a:endParaRPr lang="en-US"/>
           </a:p>
@@ -6772,7 +6774,7 @@
             <a:fld id="{BA9B540C-44DA-4F69-89C9-7C84606640D3}" type="slidenum">
               <a:rPr lang="en-US" smtClean="0"/>
               <a:pPr/>
-              <a:t>‹nº›</a:t>
+              <a:t>‹#›</a:t>
             </a:fld>
             <a:endParaRPr lang="en-US"/>
           </a:p>
@@ -6992,7 +6994,7 @@
           <a:p>
             <a:fld id="{15512F72-CAEB-694A-8EDE-8AB0D98CC93B}" type="datetime1">
               <a:rPr lang="pt-BR" smtClean="0"/>
-              <a:t>22/05/2015</a:t>
+              <a:t>23/05/15</a:t>
             </a:fld>
             <a:endParaRPr lang="en-US"/>
           </a:p>
@@ -7039,7 +7041,7 @@
             <a:fld id="{BA9B540C-44DA-4F69-89C9-7C84606640D3}" type="slidenum">
               <a:rPr lang="en-US" smtClean="0"/>
               <a:pPr/>
-              <a:t>‹nº›</a:t>
+              <a:t>‹#›</a:t>
             </a:fld>
             <a:endParaRPr lang="en-US"/>
           </a:p>
@@ -7345,7 +7347,7 @@
           <a:p>
             <a:fld id="{28F8A64D-D085-F747-A206-A2EA857CDA9B}" type="datetime1">
               <a:rPr lang="pt-BR" smtClean="0"/>
-              <a:t>22/05/2015</a:t>
+              <a:t>23/05/15</a:t>
             </a:fld>
             <a:endParaRPr lang="en-US"/>
           </a:p>
@@ -7392,7 +7394,7 @@
             <a:fld id="{BA9B540C-44DA-4F69-89C9-7C84606640D3}" type="slidenum">
               <a:rPr lang="en-US" smtClean="0"/>
               <a:pPr/>
-              <a:t>‹nº›</a:t>
+              <a:t>‹#›</a:t>
             </a:fld>
             <a:endParaRPr lang="en-US"/>
           </a:p>
@@ -7658,7 +7660,7 @@
           <a:p>
             <a:fld id="{B7075980-D026-8640-B846-A3FE3C0696EC}" type="datetime1">
               <a:rPr lang="pt-BR" smtClean="0"/>
-              <a:t>22/05/2015</a:t>
+              <a:t>23/05/15</a:t>
             </a:fld>
             <a:endParaRPr lang="en-US"/>
           </a:p>
@@ -7705,7 +7707,7 @@
             <a:fld id="{BA9B540C-44DA-4F69-89C9-7C84606640D3}" type="slidenum">
               <a:rPr lang="en-US" smtClean="0"/>
               <a:pPr/>
-              <a:t>‹nº›</a:t>
+              <a:t>‹#›</a:t>
             </a:fld>
             <a:endParaRPr lang="en-US"/>
           </a:p>
@@ -7890,7 +7892,7 @@
           <a:p>
             <a:fld id="{34E879C3-C132-B94C-89FA-56BDBB56AE71}" type="datetime1">
               <a:rPr lang="pt-BR" smtClean="0"/>
-              <a:t>22/05/2015</a:t>
+              <a:t>23/05/15</a:t>
             </a:fld>
             <a:endParaRPr lang="en-US"/>
           </a:p>
@@ -7937,7 +7939,7 @@
             <a:fld id="{BA9B540C-44DA-4F69-89C9-7C84606640D3}" type="slidenum">
               <a:rPr lang="en-US" smtClean="0"/>
               <a:pPr/>
-              <a:t>‹nº›</a:t>
+              <a:t>‹#›</a:t>
             </a:fld>
             <a:endParaRPr lang="en-US"/>
           </a:p>
@@ -7985,7 +7987,7 @@
           <a:p>
             <a:fld id="{3D2DE834-0A94-E941-A149-E7C7397C5C7C}" type="datetime1">
               <a:rPr lang="pt-BR" smtClean="0"/>
-              <a:t>22/05/2015</a:t>
+              <a:t>23/05/15</a:t>
             </a:fld>
             <a:endParaRPr lang="en-US"/>
           </a:p>
@@ -8032,7 +8034,7 @@
             <a:fld id="{BA9B540C-44DA-4F69-89C9-7C84606640D3}" type="slidenum">
               <a:rPr lang="en-US" smtClean="0"/>
               <a:pPr/>
-              <a:t>‹nº›</a:t>
+              <a:t>‹#›</a:t>
             </a:fld>
             <a:endParaRPr lang="en-US"/>
           </a:p>
@@ -8278,7 +8280,7 @@
           <a:p>
             <a:fld id="{D4281C8C-544B-0242-85DE-7B6F522E9E8D}" type="datetime1">
               <a:rPr lang="pt-BR" smtClean="0"/>
-              <a:t>22/05/2015</a:t>
+              <a:t>23/05/15</a:t>
             </a:fld>
             <a:endParaRPr lang="en-US"/>
           </a:p>
@@ -8325,7 +8327,7 @@
             <a:fld id="{BA9B540C-44DA-4F69-89C9-7C84606640D3}" type="slidenum">
               <a:rPr lang="en-US" smtClean="0"/>
               <a:pPr/>
-              <a:t>‹nº›</a:t>
+              <a:t>‹#›</a:t>
             </a:fld>
             <a:endParaRPr lang="en-US"/>
           </a:p>
@@ -8552,7 +8554,7 @@
           <a:p>
             <a:fld id="{942938EB-55C1-7E49-8BC4-15B91946A317}" type="datetime1">
               <a:rPr lang="pt-BR" smtClean="0"/>
-              <a:t>22/05/2015</a:t>
+              <a:t>23/05/15</a:t>
             </a:fld>
             <a:endParaRPr lang="en-US"/>
           </a:p>
@@ -8599,7 +8601,7 @@
             <a:fld id="{BA9B540C-44DA-4F69-89C9-7C84606640D3}" type="slidenum">
               <a:rPr lang="en-US" smtClean="0"/>
               <a:pPr/>
-              <a:t>‹nº›</a:t>
+              <a:t>‹#›</a:t>
             </a:fld>
             <a:endParaRPr lang="en-US"/>
           </a:p>
@@ -8767,7 +8769,7 @@
           <a:p>
             <a:fld id="{FB4532D3-BE2D-0B4A-A976-57DEA09C33D5}" type="datetime1">
               <a:rPr lang="pt-BR" smtClean="0"/>
-              <a:t>22/05/2015</a:t>
+              <a:t>23/05/15</a:t>
             </a:fld>
             <a:endParaRPr lang="en-US" dirty="0"/>
           </a:p>
@@ -8854,7 +8856,7 @@
             <a:fld id="{BA9B540C-44DA-4F69-89C9-7C84606640D3}" type="slidenum">
               <a:rPr lang="en-US" smtClean="0"/>
               <a:pPr/>
-              <a:t>‹nº›</a:t>
+              <a:t>‹#›</a:t>
             </a:fld>
             <a:endParaRPr lang="en-US" dirty="0"/>
           </a:p>
@@ -9400,7 +9402,7 @@
   <p:timing>
     <p:tnLst>
       <p:par>
-        <p:cTn id="1" dur="indefinite" restart="never" nodeType="tmRoot"/>
+        <p:cTn xmlns:p14="http://schemas.microsoft.com/office/powerpoint/2010/main" id="1" dur="indefinite" restart="never" nodeType="tmRoot"/>
       </p:par>
     </p:tnLst>
   </p:timing>
@@ -10359,7 +10361,7 @@
   <p:timing>
     <p:tnLst>
       <p:par>
-        <p:cTn id="1" dur="indefinite" restart="never" nodeType="tmRoot"/>
+        <p:cTn xmlns:p14="http://schemas.microsoft.com/office/powerpoint/2010/main" id="1" dur="indefinite" restart="never" nodeType="tmRoot"/>
       </p:par>
     </p:tnLst>
   </p:timing>
@@ -11326,7 +11328,7 @@
   <p:timing>
     <p:tnLst>
       <p:par>
-        <p:cTn id="1" dur="indefinite" restart="never" nodeType="tmRoot"/>
+        <p:cTn xmlns:p14="http://schemas.microsoft.com/office/powerpoint/2010/main" id="1" dur="indefinite" restart="never" nodeType="tmRoot"/>
       </p:par>
     </p:tnLst>
   </p:timing>
@@ -12241,7 +12243,7 @@
   <p:timing>
     <p:tnLst>
       <p:par>
-        <p:cTn id="1" dur="indefinite" restart="never" nodeType="tmRoot"/>
+        <p:cTn xmlns:p14="http://schemas.microsoft.com/office/powerpoint/2010/main" id="1" dur="indefinite" restart="never" nodeType="tmRoot"/>
       </p:par>
     </p:tnLst>
   </p:timing>
@@ -13212,7 +13214,7 @@
   <p:timing>
     <p:tnLst>
       <p:par>
-        <p:cTn id="1" dur="indefinite" restart="never" nodeType="tmRoot"/>
+        <p:cTn xmlns:p14="http://schemas.microsoft.com/office/powerpoint/2010/main" id="1" dur="indefinite" restart="never" nodeType="tmRoot"/>
       </p:par>
     </p:tnLst>
   </p:timing>
@@ -13523,7 +13525,7 @@
   <p:timing>
     <p:tnLst>
       <p:par>
-        <p:cTn id="1" dur="indefinite" restart="never" nodeType="tmRoot"/>
+        <p:cTn xmlns:p14="http://schemas.microsoft.com/office/powerpoint/2010/main" id="1" dur="indefinite" restart="never" nodeType="tmRoot"/>
       </p:par>
     </p:tnLst>
   </p:timing>
@@ -13840,7 +13842,7 @@
   <p:timing>
     <p:tnLst>
       <p:par>
-        <p:cTn id="1" dur="indefinite" restart="never" nodeType="tmRoot"/>
+        <p:cTn xmlns:p14="http://schemas.microsoft.com/office/powerpoint/2010/main" id="1" dur="indefinite" restart="never" nodeType="tmRoot"/>
       </p:par>
     </p:tnLst>
   </p:timing>
@@ -14171,7 +14173,7 @@
   <p:timing>
     <p:tnLst>
       <p:par>
-        <p:cTn id="1" dur="indefinite" restart="never" nodeType="tmRoot"/>
+        <p:cTn xmlns:p14="http://schemas.microsoft.com/office/powerpoint/2010/main" id="1" dur="indefinite" restart="never" nodeType="tmRoot"/>
       </p:par>
     </p:tnLst>
   </p:timing>
@@ -14526,7 +14528,7 @@
   <p:timing>
     <p:tnLst>
       <p:par>
-        <p:cTn id="1" dur="indefinite" restart="never" nodeType="tmRoot"/>
+        <p:cTn xmlns:p14="http://schemas.microsoft.com/office/powerpoint/2010/main" id="1" dur="indefinite" restart="never" nodeType="tmRoot"/>
       </p:par>
     </p:tnLst>
   </p:timing>
@@ -14873,7 +14875,7 @@
   <p:timing>
     <p:tnLst>
       <p:par>
-        <p:cTn id="1" dur="indefinite" restart="never" nodeType="tmRoot"/>
+        <p:cTn xmlns:p14="http://schemas.microsoft.com/office/powerpoint/2010/main" id="1" dur="indefinite" restart="never" nodeType="tmRoot"/>
       </p:par>
     </p:tnLst>
   </p:timing>
@@ -15019,7 +15021,7 @@
   <p:timing>
     <p:tnLst>
       <p:par>
-        <p:cTn id="1" dur="indefinite" restart="never" nodeType="tmRoot">
+        <p:cTn xmlns:p14="http://schemas.microsoft.com/office/powerpoint/2010/main" id="1" dur="indefinite" restart="never" nodeType="tmRoot">
           <p:childTnLst>
             <p:seq concurrent="1" nextAc="seek">
               <p:cTn id="2" dur="indefinite" nodeType="mainSeq">
@@ -15277,11 +15279,7 @@
           <a:p>
             <a:r>
               <a:rPr lang="pt-BR" dirty="0" smtClean="0"/>
-              <a:t>Solução </a:t>
-            </a:r>
-            <a:r>
-              <a:rPr lang="pt-BR" dirty="0" smtClean="0"/>
-              <a:t>proposta</a:t>
+              <a:t>Solução proposta</a:t>
             </a:r>
           </a:p>
           <a:p>
@@ -15361,7 +15359,7 @@
   <p:timing>
     <p:tnLst>
       <p:par>
-        <p:cTn id="1" dur="indefinite" restart="never" nodeType="tmRoot"/>
+        <p:cTn xmlns:p14="http://schemas.microsoft.com/office/powerpoint/2010/main" id="1" dur="indefinite" restart="never" nodeType="tmRoot"/>
       </p:par>
     </p:tnLst>
   </p:timing>
@@ -15512,7 +15510,7 @@
   <p:timing>
     <p:tnLst>
       <p:par>
-        <p:cTn id="1" dur="indefinite" restart="never" nodeType="tmRoot"/>
+        <p:cTn xmlns:p14="http://schemas.microsoft.com/office/powerpoint/2010/main" id="1" dur="indefinite" restart="never" nodeType="tmRoot"/>
       </p:par>
     </p:tnLst>
   </p:timing>
@@ -15713,7 +15711,7 @@
   <p:timing>
     <p:tnLst>
       <p:par>
-        <p:cTn id="1" dur="indefinite" restart="never" nodeType="tmRoot">
+        <p:cTn xmlns:p14="http://schemas.microsoft.com/office/powerpoint/2010/main" id="1" dur="indefinite" restart="never" nodeType="tmRoot">
           <p:childTnLst>
             <p:seq concurrent="1" nextAc="seek">
               <p:cTn id="2" dur="indefinite" nodeType="mainSeq">
@@ -16137,7 +16135,7 @@
   <p:timing>
     <p:tnLst>
       <p:par>
-        <p:cTn id="1" dur="indefinite" restart="never" nodeType="tmRoot"/>
+        <p:cTn xmlns:p14="http://schemas.microsoft.com/office/powerpoint/2010/main" id="1" dur="indefinite" restart="never" nodeType="tmRoot"/>
       </p:par>
     </p:tnLst>
   </p:timing>
@@ -16240,7 +16238,7 @@
   <p:timing>
     <p:tnLst>
       <p:par>
-        <p:cTn id="1" dur="indefinite" restart="never" nodeType="tmRoot"/>
+        <p:cTn xmlns:p14="http://schemas.microsoft.com/office/powerpoint/2010/main" id="1" dur="indefinite" restart="never" nodeType="tmRoot"/>
       </p:par>
     </p:tnLst>
   </p:timing>
@@ -16395,7 +16393,7 @@
   <p:timing>
     <p:tnLst>
       <p:par>
-        <p:cTn id="1" dur="indefinite" restart="never" nodeType="tmRoot"/>
+        <p:cTn xmlns:p14="http://schemas.microsoft.com/office/powerpoint/2010/main" id="1" dur="indefinite" restart="never" nodeType="tmRoot"/>
       </p:par>
     </p:tnLst>
   </p:timing>
@@ -16565,7 +16563,7 @@
   <p:timing>
     <p:tnLst>
       <p:par>
-        <p:cTn id="1" dur="indefinite" restart="never" nodeType="tmRoot"/>
+        <p:cTn xmlns:p14="http://schemas.microsoft.com/office/powerpoint/2010/main" id="1" dur="indefinite" restart="never" nodeType="tmRoot"/>
       </p:par>
     </p:tnLst>
   </p:timing>
@@ -16735,7 +16733,7 @@
   <p:timing>
     <p:tnLst>
       <p:par>
-        <p:cTn id="1" dur="indefinite" restart="never" nodeType="tmRoot">
+        <p:cTn xmlns:p14="http://schemas.microsoft.com/office/powerpoint/2010/main" id="1" dur="indefinite" restart="never" nodeType="tmRoot">
           <p:childTnLst>
             <p:seq concurrent="1" nextAc="seek">
               <p:cTn id="2" dur="indefinite" nodeType="mainSeq">
@@ -17124,7 +17122,7 @@
   <p:timing>
     <p:tnLst>
       <p:par>
-        <p:cTn id="1" dur="indefinite" restart="never" nodeType="tmRoot">
+        <p:cTn xmlns:p14="http://schemas.microsoft.com/office/powerpoint/2010/main" id="1" dur="indefinite" restart="never" nodeType="tmRoot">
           <p:childTnLst>
             <p:seq concurrent="1" nextAc="seek">
               <p:cTn id="2" dur="indefinite" nodeType="mainSeq">
@@ -17868,7 +17866,7 @@
   <p:timing>
     <p:tnLst>
       <p:par>
-        <p:cTn id="1" dur="indefinite" restart="never" nodeType="tmRoot">
+        <p:cTn xmlns:p14="http://schemas.microsoft.com/office/powerpoint/2010/main" id="1" dur="indefinite" restart="never" nodeType="tmRoot">
           <p:childTnLst>
             <p:seq concurrent="1" nextAc="seek">
               <p:cTn id="2" dur="indefinite" nodeType="mainSeq">
@@ -18143,7 +18141,7 @@
   <p:timing>
     <p:tnLst>
       <p:par>
-        <p:cTn id="1" dur="indefinite" restart="never" nodeType="tmRoot"/>
+        <p:cTn xmlns:p14="http://schemas.microsoft.com/office/powerpoint/2010/main" id="1" dur="indefinite" restart="never" nodeType="tmRoot"/>
       </p:par>
     </p:tnLst>
   </p:timing>
@@ -18246,7 +18244,7 @@
   <p:timing>
     <p:tnLst>
       <p:par>
-        <p:cTn id="1" dur="indefinite" restart="never" nodeType="tmRoot"/>
+        <p:cTn xmlns:p14="http://schemas.microsoft.com/office/powerpoint/2010/main" id="1" dur="indefinite" restart="never" nodeType="tmRoot"/>
       </p:par>
     </p:tnLst>
   </p:timing>
@@ -18410,7 +18408,7 @@
   <p:timing>
     <p:tnLst>
       <p:par>
-        <p:cTn id="1" dur="indefinite" restart="never" nodeType="tmRoot"/>
+        <p:cTn xmlns:p14="http://schemas.microsoft.com/office/powerpoint/2010/main" id="1" dur="indefinite" restart="never" nodeType="tmRoot"/>
       </p:par>
     </p:tnLst>
   </p:timing>
@@ -18531,7 +18529,7 @@
   <p:timing>
     <p:tnLst>
       <p:par>
-        <p:cTn id="1" dur="indefinite" restart="never" nodeType="tmRoot"/>
+        <p:cTn xmlns:p14="http://schemas.microsoft.com/office/powerpoint/2010/main" id="1" dur="indefinite" restart="never" nodeType="tmRoot"/>
       </p:par>
     </p:tnLst>
   </p:timing>
@@ -18697,7 +18695,7 @@
   <p:timing>
     <p:tnLst>
       <p:par>
-        <p:cTn id="1" dur="indefinite" restart="never" nodeType="tmRoot">
+        <p:cTn xmlns:p14="http://schemas.microsoft.com/office/powerpoint/2010/main" id="1" dur="indefinite" restart="never" nodeType="tmRoot">
           <p:childTnLst>
             <p:seq concurrent="1" nextAc="seek">
               <p:cTn id="2" dur="indefinite" nodeType="mainSeq">
@@ -19131,7 +19129,7 @@
   <p:timing>
     <p:tnLst>
       <p:par>
-        <p:cTn id="1" dur="indefinite" restart="never" nodeType="tmRoot"/>
+        <p:cTn xmlns:p14="http://schemas.microsoft.com/office/powerpoint/2010/main" id="1" dur="indefinite" restart="never" nodeType="tmRoot"/>
       </p:par>
     </p:tnLst>
   </p:timing>
@@ -19233,7 +19231,7 @@
   <p:timing>
     <p:tnLst>
       <p:par>
-        <p:cTn id="1" dur="indefinite" restart="never" nodeType="tmRoot"/>
+        <p:cTn xmlns:p14="http://schemas.microsoft.com/office/powerpoint/2010/main" id="1" dur="indefinite" restart="never" nodeType="tmRoot"/>
       </p:par>
     </p:tnLst>
   </p:timing>
@@ -19347,7 +19345,7 @@
           </a:prstGeom>
           <a:noFill/>
           <a:extLst>
-            <a:ext uri="{909E8E84-426E-40DD-AFC4-6F175D3DCCD1}">
+            <a:ext uri="{909E8E84-426E-40dd-AFC4-6F175D3DCCD1}">
               <a14:hiddenFill xmlns:a14="http://schemas.microsoft.com/office/drawing/2010/main">
                 <a:solidFill>
                   <a:srgbClr val="FFFFFF"/>
@@ -19502,7 +19500,7 @@
   <p:timing>
     <p:tnLst>
       <p:par>
-        <p:cTn id="1" dur="indefinite" restart="never" nodeType="tmRoot">
+        <p:cTn xmlns:p14="http://schemas.microsoft.com/office/powerpoint/2010/main" id="1" dur="indefinite" restart="never" nodeType="tmRoot">
           <p:childTnLst>
             <p:seq concurrent="1" nextAc="seek">
               <p:cTn id="2" dur="indefinite" nodeType="mainSeq">
@@ -19861,7 +19859,7 @@
   <p:timing>
     <p:tnLst>
       <p:par>
-        <p:cTn id="1" dur="indefinite" restart="never" nodeType="tmRoot">
+        <p:cTn xmlns:p14="http://schemas.microsoft.com/office/powerpoint/2010/main" id="1" dur="indefinite" restart="never" nodeType="tmRoot">
           <p:childTnLst>
             <p:seq concurrent="1" nextAc="seek">
               <p:cTn id="2" dur="indefinite" nodeType="mainSeq">
@@ -20190,7 +20188,7 @@
             </a:solidFill>
           </a:ln>
           <a:extLst>
-            <a:ext uri="{909E8E84-426E-40DD-AFC4-6F175D3DCCD1}">
+            <a:ext uri="{909E8E84-426E-40dd-AFC4-6F175D3DCCD1}">
               <a14:hiddenFill xmlns:a14="http://schemas.microsoft.com/office/drawing/2010/main">
                 <a:solidFill>
                   <a:srgbClr val="FFFFFF"/>
@@ -20213,7 +20211,7 @@
   <p:timing>
     <p:tnLst>
       <p:par>
-        <p:cTn id="1" dur="indefinite" restart="never" nodeType="tmRoot"/>
+        <p:cTn xmlns:p14="http://schemas.microsoft.com/office/powerpoint/2010/main" id="1" dur="indefinite" restart="never" nodeType="tmRoot"/>
       </p:par>
     </p:tnLst>
   </p:timing>
@@ -20314,7 +20312,7 @@
           </a:prstGeom>
           <a:noFill/>
           <a:extLst>
-            <a:ext uri="{909E8E84-426E-40DD-AFC4-6F175D3DCCD1}">
+            <a:ext uri="{909E8E84-426E-40dd-AFC4-6F175D3DCCD1}">
               <a14:hiddenFill xmlns:a14="http://schemas.microsoft.com/office/drawing/2010/main">
                 <a:solidFill>
                   <a:srgbClr val="FFFFFF"/>
@@ -20358,7 +20356,7 @@
             <a:noFill/>
           </a:ln>
           <a:extLst>
-            <a:ext uri="{909E8E84-426E-40DD-AFC4-6F175D3DCCD1}">
+            <a:ext uri="{909E8E84-426E-40dd-AFC4-6F175D3DCCD1}">
               <a14:hiddenFill xmlns:a14="http://schemas.microsoft.com/office/drawing/2010/main">
                 <a:solidFill>
                   <a:srgbClr val="FFFFFF"/>
@@ -20381,7 +20379,7 @@
   <p:timing>
     <p:tnLst>
       <p:par>
-        <p:cTn id="1" dur="indefinite" restart="never" nodeType="tmRoot"/>
+        <p:cTn xmlns:p14="http://schemas.microsoft.com/office/powerpoint/2010/main" id="1" dur="indefinite" restart="never" nodeType="tmRoot"/>
       </p:par>
     </p:tnLst>
   </p:timing>
@@ -20483,7 +20481,7 @@
   <p:timing>
     <p:tnLst>
       <p:par>
-        <p:cTn id="1" dur="indefinite" restart="never" nodeType="tmRoot"/>
+        <p:cTn xmlns:p14="http://schemas.microsoft.com/office/powerpoint/2010/main" id="1" dur="indefinite" restart="never" nodeType="tmRoot"/>
       </p:par>
     </p:tnLst>
   </p:timing>
@@ -20681,7 +20679,7 @@
   <p:timing>
     <p:tnLst>
       <p:par>
-        <p:cTn id="1" dur="indefinite" restart="never" nodeType="tmRoot">
+        <p:cTn xmlns:p14="http://schemas.microsoft.com/office/powerpoint/2010/main" id="1" dur="indefinite" restart="never" nodeType="tmRoot">
           <p:childTnLst>
             <p:seq concurrent="1" nextAc="seek">
               <p:cTn id="2" dur="indefinite" nodeType="mainSeq">
@@ -21026,7 +21024,7 @@
   <p:timing>
     <p:tnLst>
       <p:par>
-        <p:cTn id="1" dur="indefinite" restart="never" nodeType="tmRoot"/>
+        <p:cTn xmlns:p14="http://schemas.microsoft.com/office/powerpoint/2010/main" id="1" dur="indefinite" restart="never" nodeType="tmRoot"/>
       </p:par>
     </p:tnLst>
   </p:timing>
@@ -21074,7 +21072,6 @@
               <a:rPr lang="pt-BR" sz="3200" dirty="0"/>
               <a:t>Resposta às perguntas</a:t>
             </a:r>
-            <a:endParaRPr lang="pt-BR" sz="3200" dirty="0"/>
           </a:p>
         </p:txBody>
       </p:sp>
@@ -21133,7 +21130,7 @@
           </a:prstGeom>
           <a:noFill/>
           <a:extLst>
-            <a:ext uri="{909E8E84-426E-40DD-AFC4-6F175D3DCCD1}">
+            <a:ext uri="{909E8E84-426E-40dd-AFC4-6F175D3DCCD1}">
               <a14:hiddenFill xmlns:a14="http://schemas.microsoft.com/office/drawing/2010/main">
                 <a:solidFill>
                   <a:srgbClr val="FFFFFF"/>
@@ -21156,7 +21153,7 @@
   <p:timing>
     <p:tnLst>
       <p:par>
-        <p:cTn id="1" dur="indefinite" restart="never" nodeType="tmRoot"/>
+        <p:cTn xmlns:p14="http://schemas.microsoft.com/office/powerpoint/2010/main" id="1" dur="indefinite" restart="never" nodeType="tmRoot"/>
       </p:par>
     </p:tnLst>
   </p:timing>
@@ -21258,7 +21255,7 @@
   <p:timing>
     <p:tnLst>
       <p:par>
-        <p:cTn id="1" dur="indefinite" restart="never" nodeType="tmRoot"/>
+        <p:cTn xmlns:p14="http://schemas.microsoft.com/office/powerpoint/2010/main" id="1" dur="indefinite" restart="never" nodeType="tmRoot"/>
       </p:par>
     </p:tnLst>
   </p:timing>
@@ -21365,7 +21362,7 @@
           </a:prstGeom>
           <a:noFill/>
           <a:extLst>
-            <a:ext uri="{909E8E84-426E-40DD-AFC4-6F175D3DCCD1}">
+            <a:ext uri="{909E8E84-426E-40dd-AFC4-6F175D3DCCD1}">
               <a14:hiddenFill xmlns:a14="http://schemas.microsoft.com/office/drawing/2010/main">
                 <a:solidFill>
                   <a:srgbClr val="FFFFFF"/>
@@ -21545,7 +21542,7 @@
   <p:timing>
     <p:tnLst>
       <p:par>
-        <p:cTn id="1" dur="indefinite" restart="never" nodeType="tmRoot">
+        <p:cTn xmlns:p14="http://schemas.microsoft.com/office/powerpoint/2010/main" id="1" dur="indefinite" restart="never" nodeType="tmRoot">
           <p:childTnLst>
             <p:seq concurrent="1" nextAc="seek">
               <p:cTn id="2" dur="indefinite" nodeType="mainSeq">
@@ -21738,7 +21735,7 @@
           </a:prstGeom>
           <a:noFill/>
           <a:extLst>
-            <a:ext uri="{909E8E84-426E-40DD-AFC4-6F175D3DCCD1}">
+            <a:ext uri="{909E8E84-426E-40dd-AFC4-6F175D3DCCD1}">
               <a14:hiddenFill xmlns:a14="http://schemas.microsoft.com/office/drawing/2010/main">
                 <a:solidFill>
                   <a:srgbClr val="FFFFFF"/>
@@ -21761,7 +21758,7 @@
   <p:timing>
     <p:tnLst>
       <p:par>
-        <p:cTn id="1" dur="indefinite" restart="never" nodeType="tmRoot"/>
+        <p:cTn xmlns:p14="http://schemas.microsoft.com/office/powerpoint/2010/main" id="1" dur="indefinite" restart="never" nodeType="tmRoot"/>
       </p:par>
     </p:tnLst>
   </p:timing>
@@ -21887,7 +21884,7 @@
           </a:prstGeom>
           <a:noFill/>
           <a:extLst>
-            <a:ext uri="{909E8E84-426E-40DD-AFC4-6F175D3DCCD1}">
+            <a:ext uri="{909E8E84-426E-40dd-AFC4-6F175D3DCCD1}">
               <a14:hiddenFill xmlns:a14="http://schemas.microsoft.com/office/drawing/2010/main">
                 <a:solidFill>
                   <a:srgbClr val="FFFFFF"/>
@@ -21910,7 +21907,7 @@
   <p:timing>
     <p:tnLst>
       <p:par>
-        <p:cTn id="1" dur="indefinite" restart="never" nodeType="tmRoot"/>
+        <p:cTn xmlns:p14="http://schemas.microsoft.com/office/powerpoint/2010/main" id="1" dur="indefinite" restart="never" nodeType="tmRoot"/>
       </p:par>
     </p:tnLst>
   </p:timing>
@@ -22013,7 +22010,7 @@
   <p:timing>
     <p:tnLst>
       <p:par>
-        <p:cTn id="1" dur="indefinite" restart="never" nodeType="tmRoot"/>
+        <p:cTn xmlns:p14="http://schemas.microsoft.com/office/powerpoint/2010/main" id="1" dur="indefinite" restart="never" nodeType="tmRoot"/>
       </p:par>
     </p:tnLst>
   </p:timing>
@@ -22186,7 +22183,7 @@
   <p:timing>
     <p:tnLst>
       <p:par>
-        <p:cTn id="1" dur="indefinite" restart="never" nodeType="tmRoot">
+        <p:cTn xmlns:p14="http://schemas.microsoft.com/office/powerpoint/2010/main" id="1" dur="indefinite" restart="never" nodeType="tmRoot">
           <p:childTnLst>
             <p:seq concurrent="1" nextAc="seek">
               <p:cTn id="2" dur="indefinite" nodeType="mainSeq">
@@ -22496,7 +22493,7 @@
   <p:timing>
     <p:tnLst>
       <p:par>
-        <p:cTn id="1" dur="indefinite" restart="never" nodeType="tmRoot">
+        <p:cTn xmlns:p14="http://schemas.microsoft.com/office/powerpoint/2010/main" id="1" dur="indefinite" restart="never" nodeType="tmRoot">
           <p:childTnLst>
             <p:seq concurrent="1" nextAc="seek">
               <p:cTn id="2" dur="indefinite" nodeType="mainSeq">
@@ -22741,7 +22738,7 @@
       </p:grpSpPr>
       <p:sp>
         <p:nvSpPr>
-          <p:cNvPr id="2" name="Título 1"/>
+          <p:cNvPr id="2" name="Title 1"/>
           <p:cNvSpPr>
             <a:spLocks noGrp="1"/>
           </p:cNvSpPr>
@@ -22756,7 +22753,11 @@
           <a:p>
             <a:r>
               <a:rPr lang="pt-BR" dirty="0" smtClean="0"/>
-              <a:t>Obrigado</a:t>
+              <a:t>Pr</a:t>
+            </a:r>
+            <a:r>
+              <a:rPr lang="pt-BR" dirty="0" smtClean="0"/>
+              <a:t>óximos passos</a:t>
             </a:r>
             <a:endParaRPr lang="pt-BR" dirty="0"/>
           </a:p>
@@ -22764,7 +22765,7 @@
       </p:sp>
       <p:sp>
         <p:nvSpPr>
-          <p:cNvPr id="3" name="Espaço Reservado para Texto 2"/>
+          <p:cNvPr id="3" name="Text Placeholder 2"/>
           <p:cNvSpPr>
             <a:spLocks noGrp="1"/>
           </p:cNvSpPr>
@@ -22783,7 +22784,7 @@
       </p:sp>
       <p:sp>
         <p:nvSpPr>
-          <p:cNvPr id="4" name="Espaço Reservado para Número de Slide 3"/>
+          <p:cNvPr id="4" name="Slide Number Placeholder 3"/>
           <p:cNvSpPr>
             <a:spLocks noGrp="1"/>
           </p:cNvSpPr>
@@ -22808,7 +22809,7 @@
     </p:spTree>
     <p:extLst>
       <p:ext uri="{BB962C8B-B14F-4D97-AF65-F5344CB8AC3E}">
-        <p14:creationId xmlns:p14="http://schemas.microsoft.com/office/powerpoint/2010/main" val="1290763671"/>
+        <p14:creationId xmlns:p14="http://schemas.microsoft.com/office/powerpoint/2010/main" val="2202023020"/>
       </p:ext>
     </p:extLst>
   </p:cSld>
@@ -22818,7 +22819,7 @@
   <p:timing>
     <p:tnLst>
       <p:par>
-        <p:cTn id="1" dur="indefinite" restart="never" nodeType="tmRoot"/>
+        <p:cTn xmlns:p14="http://schemas.microsoft.com/office/powerpoint/2010/main" id="1" dur="indefinite" restart="never" nodeType="tmRoot"/>
       </p:par>
     </p:tnLst>
   </p:timing>
@@ -22927,7 +22928,507 @@
   <p:timing>
     <p:tnLst>
       <p:par>
-        <p:cTn id="1" dur="indefinite" restart="never" nodeType="tmRoot"/>
+        <p:cTn xmlns:p14="http://schemas.microsoft.com/office/powerpoint/2010/main" id="1" dur="indefinite" restart="never" nodeType="tmRoot"/>
+      </p:par>
+    </p:tnLst>
+  </p:timing>
+</p:sld>
+</file>
+
+<file path=ppt/slides/slide50.xml><?xml version="1.0" encoding="utf-8"?>
+<p:sld xmlns:a="http://schemas.openxmlformats.org/drawingml/2006/main" xmlns:r="http://schemas.openxmlformats.org/officeDocument/2006/relationships" xmlns:p="http://schemas.openxmlformats.org/presentationml/2006/main">
+  <p:cSld>
+    <p:spTree>
+      <p:nvGrpSpPr>
+        <p:cNvPr id="1" name=""/>
+        <p:cNvGrpSpPr/>
+        <p:nvPr/>
+      </p:nvGrpSpPr>
+      <p:grpSpPr>
+        <a:xfrm>
+          <a:off x="0" y="0"/>
+          <a:ext cx="0" cy="0"/>
+          <a:chOff x="0" y="0"/>
+          <a:chExt cx="0" cy="0"/>
+        </a:xfrm>
+      </p:grpSpPr>
+      <p:sp>
+        <p:nvSpPr>
+          <p:cNvPr id="2" name="Title 1"/>
+          <p:cNvSpPr>
+            <a:spLocks noGrp="1"/>
+          </p:cNvSpPr>
+          <p:nvPr>
+            <p:ph type="title"/>
+          </p:nvPr>
+        </p:nvSpPr>
+        <p:spPr/>
+        <p:txBody>
+          <a:bodyPr/>
+          <a:lstStyle/>
+          <a:p>
+            <a:r>
+              <a:rPr lang="pt-BR" dirty="0" smtClean="0"/>
+              <a:t>Cronograma</a:t>
+            </a:r>
+            <a:endParaRPr lang="pt-BR" dirty="0"/>
+          </a:p>
+        </p:txBody>
+      </p:sp>
+      <p:graphicFrame>
+        <p:nvGraphicFramePr>
+          <p:cNvPr id="5" name="Content Placeholder 4"/>
+          <p:cNvGraphicFramePr>
+            <a:graphicFrameLocks noGrp="1"/>
+          </p:cNvGraphicFramePr>
+          <p:nvPr>
+            <p:ph idx="1"/>
+            <p:extLst>
+              <p:ext uri="{D42A27DB-BD31-4B8C-83A1-F6EECF244321}">
+                <p14:modId xmlns:p14="http://schemas.microsoft.com/office/powerpoint/2010/main" val="3856423071"/>
+              </p:ext>
+            </p:extLst>
+          </p:nvPr>
+        </p:nvGraphicFramePr>
+        <p:xfrm>
+          <a:off x="457200" y="2421853"/>
+          <a:ext cx="8229600" cy="2966720"/>
+        </p:xfrm>
+        <a:graphic>
+          <a:graphicData uri="http://schemas.openxmlformats.org/drawingml/2006/table">
+            <a:tbl>
+              <a:tblPr firstRow="1" bandRow="1">
+                <a:tableStyleId>{5C22544A-7EE6-4342-B048-85BDC9FD1C3A}</a:tableStyleId>
+              </a:tblPr>
+              <a:tblGrid>
+                <a:gridCol w="5145455"/>
+                <a:gridCol w="3084145"/>
+              </a:tblGrid>
+              <a:tr h="370840">
+                <a:tc>
+                  <a:txBody>
+                    <a:bodyPr/>
+                    <a:lstStyle/>
+                    <a:p>
+                      <a:r>
+                        <a:rPr lang="pt-BR" dirty="0" smtClean="0"/>
+                        <a:t>Evento</a:t>
+                      </a:r>
+                      <a:endParaRPr lang="pt-BR" dirty="0"/>
+                    </a:p>
+                  </a:txBody>
+                  <a:tcPr/>
+                </a:tc>
+                <a:tc>
+                  <a:txBody>
+                    <a:bodyPr/>
+                    <a:lstStyle/>
+                    <a:p>
+                      <a:r>
+                        <a:rPr lang="pt-BR" dirty="0" smtClean="0"/>
+                        <a:t>Data</a:t>
+                      </a:r>
+                      <a:endParaRPr lang="pt-BR" dirty="0"/>
+                    </a:p>
+                  </a:txBody>
+                  <a:tcPr/>
+                </a:tc>
+              </a:tr>
+              <a:tr h="370840">
+                <a:tc>
+                  <a:txBody>
+                    <a:bodyPr/>
+                    <a:lstStyle/>
+                    <a:p>
+                      <a:r>
+                        <a:rPr lang="pt-BR" dirty="0" smtClean="0"/>
+                        <a:t>Levantamento do problema</a:t>
+                      </a:r>
+                      <a:endParaRPr lang="pt-BR" dirty="0"/>
+                    </a:p>
+                  </a:txBody>
+                  <a:tcPr/>
+                </a:tc>
+                <a:tc>
+                  <a:txBody>
+                    <a:bodyPr/>
+                    <a:lstStyle/>
+                    <a:p>
+                      <a:r>
+                        <a:rPr lang="pt-BR" dirty="0" err="1" smtClean="0"/>
+                        <a:t>Jun</a:t>
+                      </a:r>
+                      <a:r>
+                        <a:rPr lang="pt-BR" dirty="0" smtClean="0"/>
+                        <a:t>/2014</a:t>
+                      </a:r>
+                      <a:endParaRPr lang="pt-BR" dirty="0"/>
+                    </a:p>
+                  </a:txBody>
+                  <a:tcPr/>
+                </a:tc>
+              </a:tr>
+              <a:tr h="370840">
+                <a:tc>
+                  <a:txBody>
+                    <a:bodyPr/>
+                    <a:lstStyle/>
+                    <a:p>
+                      <a:r>
+                        <a:rPr lang="pt-BR" dirty="0" smtClean="0"/>
+                        <a:t>Solu</a:t>
+                      </a:r>
+                      <a:r>
+                        <a:rPr lang="pt-BR" dirty="0" smtClean="0"/>
+                        <a:t>ção proposta</a:t>
+                      </a:r>
+                      <a:endParaRPr lang="pt-BR" dirty="0"/>
+                    </a:p>
+                  </a:txBody>
+                  <a:tcPr/>
+                </a:tc>
+                <a:tc>
+                  <a:txBody>
+                    <a:bodyPr/>
+                    <a:lstStyle/>
+                    <a:p>
+                      <a:r>
+                        <a:rPr lang="pt-BR" dirty="0" smtClean="0"/>
+                        <a:t>Out/2014</a:t>
+                      </a:r>
+                      <a:r>
+                        <a:rPr lang="pt-BR" baseline="0" dirty="0" smtClean="0"/>
+                        <a:t> e Mar/2015</a:t>
+                      </a:r>
+                      <a:endParaRPr lang="pt-BR" dirty="0"/>
+                    </a:p>
+                  </a:txBody>
+                  <a:tcPr/>
+                </a:tc>
+              </a:tr>
+              <a:tr h="370840">
+                <a:tc>
+                  <a:txBody>
+                    <a:bodyPr/>
+                    <a:lstStyle/>
+                    <a:p>
+                      <a:r>
+                        <a:rPr lang="pt-BR" dirty="0" smtClean="0"/>
+                        <a:t>Cria</a:t>
+                      </a:r>
+                      <a:r>
+                        <a:rPr lang="pt-BR" dirty="0" smtClean="0"/>
+                        <a:t>ção do questionário de auto avaliação</a:t>
+                      </a:r>
+                      <a:endParaRPr lang="pt-BR" dirty="0"/>
+                    </a:p>
+                  </a:txBody>
+                  <a:tcPr/>
+                </a:tc>
+                <a:tc>
+                  <a:txBody>
+                    <a:bodyPr/>
+                    <a:lstStyle/>
+                    <a:p>
+                      <a:r>
+                        <a:rPr lang="pt-BR" dirty="0" smtClean="0"/>
+                        <a:t>Mar/2015</a:t>
+                      </a:r>
+                      <a:endParaRPr lang="pt-BR" dirty="0"/>
+                    </a:p>
+                  </a:txBody>
+                  <a:tcPr/>
+                </a:tc>
+              </a:tr>
+              <a:tr h="370840">
+                <a:tc>
+                  <a:txBody>
+                    <a:bodyPr/>
+                    <a:lstStyle/>
+                    <a:p>
+                      <a:r>
+                        <a:rPr lang="pt-BR" dirty="0" smtClean="0"/>
+                        <a:t>Aplica</a:t>
+                      </a:r>
+                      <a:r>
+                        <a:rPr lang="pt-BR" dirty="0" smtClean="0"/>
+                        <a:t>ção do questionário</a:t>
+                      </a:r>
+                      <a:endParaRPr lang="pt-BR" dirty="0"/>
+                    </a:p>
+                  </a:txBody>
+                  <a:tcPr/>
+                </a:tc>
+                <a:tc>
+                  <a:txBody>
+                    <a:bodyPr/>
+                    <a:lstStyle/>
+                    <a:p>
+                      <a:r>
+                        <a:rPr lang="pt-BR" dirty="0" err="1" smtClean="0"/>
+                        <a:t>Abr</a:t>
+                      </a:r>
+                      <a:r>
+                        <a:rPr lang="pt-BR" dirty="0" smtClean="0"/>
+                        <a:t>/2015</a:t>
+                      </a:r>
+                      <a:endParaRPr lang="pt-BR" dirty="0"/>
+                    </a:p>
+                  </a:txBody>
+                  <a:tcPr/>
+                </a:tc>
+              </a:tr>
+              <a:tr h="370840">
+                <a:tc>
+                  <a:txBody>
+                    <a:bodyPr/>
+                    <a:lstStyle/>
+                    <a:p>
+                      <a:r>
+                        <a:rPr lang="pt-BR" dirty="0" smtClean="0"/>
+                        <a:t>An</a:t>
+                      </a:r>
+                      <a:r>
+                        <a:rPr lang="pt-BR" dirty="0" smtClean="0"/>
+                        <a:t>álise dos resultados</a:t>
+                      </a:r>
+                      <a:endParaRPr lang="pt-BR" dirty="0"/>
+                    </a:p>
+                  </a:txBody>
+                  <a:tcPr/>
+                </a:tc>
+                <a:tc>
+                  <a:txBody>
+                    <a:bodyPr/>
+                    <a:lstStyle/>
+                    <a:p>
+                      <a:r>
+                        <a:rPr lang="pt-BR" dirty="0" err="1" smtClean="0"/>
+                        <a:t>Abr</a:t>
+                      </a:r>
+                      <a:r>
+                        <a:rPr lang="pt-BR" dirty="0" smtClean="0"/>
+                        <a:t>/2015</a:t>
+                      </a:r>
+                      <a:endParaRPr lang="pt-BR" dirty="0"/>
+                    </a:p>
+                  </a:txBody>
+                  <a:tcPr/>
+                </a:tc>
+              </a:tr>
+              <a:tr h="370840">
+                <a:tc>
+                  <a:txBody>
+                    <a:bodyPr/>
+                    <a:lstStyle/>
+                    <a:p>
+                      <a:r>
+                        <a:rPr lang="pt-BR" dirty="0" smtClean="0"/>
+                        <a:t>Semin</a:t>
+                      </a:r>
+                      <a:r>
+                        <a:rPr lang="pt-BR" dirty="0" smtClean="0"/>
+                        <a:t>ário</a:t>
+                      </a:r>
+                      <a:endParaRPr lang="pt-BR" dirty="0"/>
+                    </a:p>
+                  </a:txBody>
+                  <a:tcPr/>
+                </a:tc>
+                <a:tc>
+                  <a:txBody>
+                    <a:bodyPr/>
+                    <a:lstStyle/>
+                    <a:p>
+                      <a:r>
+                        <a:rPr lang="pt-BR" dirty="0" smtClean="0"/>
+                        <a:t>Mai/2015</a:t>
+                      </a:r>
+                      <a:endParaRPr lang="pt-BR" dirty="0"/>
+                    </a:p>
+                  </a:txBody>
+                  <a:tcPr/>
+                </a:tc>
+              </a:tr>
+              <a:tr h="370840">
+                <a:tc>
+                  <a:txBody>
+                    <a:bodyPr/>
+                    <a:lstStyle/>
+                    <a:p>
+                      <a:r>
+                        <a:rPr lang="pt-BR" b="1" dirty="0" smtClean="0"/>
+                        <a:t>Defesa do mestrado</a:t>
+                      </a:r>
+                      <a:endParaRPr lang="pt-BR" b="1" dirty="0"/>
+                    </a:p>
+                  </a:txBody>
+                  <a:tcPr/>
+                </a:tc>
+                <a:tc>
+                  <a:txBody>
+                    <a:bodyPr/>
+                    <a:lstStyle/>
+                    <a:p>
+                      <a:r>
+                        <a:rPr lang="pt-BR" b="1" dirty="0" err="1" smtClean="0"/>
+                        <a:t>Jun</a:t>
+                      </a:r>
+                      <a:r>
+                        <a:rPr lang="pt-BR" b="1" dirty="0" smtClean="0"/>
+                        <a:t>/2015 (04/06/2015)</a:t>
+                      </a:r>
+                      <a:endParaRPr lang="pt-BR" b="1" dirty="0"/>
+                    </a:p>
+                  </a:txBody>
+                  <a:tcPr/>
+                </a:tc>
+              </a:tr>
+            </a:tbl>
+          </a:graphicData>
+        </a:graphic>
+      </p:graphicFrame>
+      <p:sp>
+        <p:nvSpPr>
+          <p:cNvPr id="4" name="Slide Number Placeholder 3"/>
+          <p:cNvSpPr>
+            <a:spLocks noGrp="1"/>
+          </p:cNvSpPr>
+          <p:nvPr>
+            <p:ph type="sldNum" sz="quarter" idx="12"/>
+          </p:nvPr>
+        </p:nvSpPr>
+        <p:spPr/>
+        <p:txBody>
+          <a:bodyPr/>
+          <a:lstStyle/>
+          <a:p>
+            <a:fld id="{BA9B540C-44DA-4F69-89C9-7C84606640D3}" type="slidenum">
+              <a:rPr lang="en-US" smtClean="0"/>
+              <a:pPr/>
+              <a:t>50</a:t>
+            </a:fld>
+            <a:endParaRPr lang="en-US"/>
+          </a:p>
+        </p:txBody>
+      </p:sp>
+    </p:spTree>
+    <p:extLst>
+      <p:ext uri="{BB962C8B-B14F-4D97-AF65-F5344CB8AC3E}">
+        <p14:creationId xmlns:p14="http://schemas.microsoft.com/office/powerpoint/2010/main" val="4146935393"/>
+      </p:ext>
+    </p:extLst>
+  </p:cSld>
+  <p:clrMapOvr>
+    <a:masterClrMapping/>
+  </p:clrMapOvr>
+  <p:timing>
+    <p:tnLst>
+      <p:par>
+        <p:cTn xmlns:p14="http://schemas.microsoft.com/office/powerpoint/2010/main" id="1" dur="indefinite" restart="never" nodeType="tmRoot"/>
+      </p:par>
+    </p:tnLst>
+  </p:timing>
+</p:sld>
+</file>
+
+<file path=ppt/slides/slide51.xml><?xml version="1.0" encoding="utf-8"?>
+<p:sld xmlns:a="http://schemas.openxmlformats.org/drawingml/2006/main" xmlns:r="http://schemas.openxmlformats.org/officeDocument/2006/relationships" xmlns:p="http://schemas.openxmlformats.org/presentationml/2006/main">
+  <p:cSld>
+    <p:spTree>
+      <p:nvGrpSpPr>
+        <p:cNvPr id="1" name=""/>
+        <p:cNvGrpSpPr/>
+        <p:nvPr/>
+      </p:nvGrpSpPr>
+      <p:grpSpPr>
+        <a:xfrm>
+          <a:off x="0" y="0"/>
+          <a:ext cx="0" cy="0"/>
+          <a:chOff x="0" y="0"/>
+          <a:chExt cx="0" cy="0"/>
+        </a:xfrm>
+      </p:grpSpPr>
+      <p:sp>
+        <p:nvSpPr>
+          <p:cNvPr id="2" name="Título 1"/>
+          <p:cNvSpPr>
+            <a:spLocks noGrp="1"/>
+          </p:cNvSpPr>
+          <p:nvPr>
+            <p:ph type="title"/>
+          </p:nvPr>
+        </p:nvSpPr>
+        <p:spPr/>
+        <p:txBody>
+          <a:bodyPr/>
+          <a:lstStyle/>
+          <a:p>
+            <a:r>
+              <a:rPr lang="pt-BR" dirty="0" smtClean="0"/>
+              <a:t>Obrigado</a:t>
+            </a:r>
+            <a:endParaRPr lang="pt-BR" dirty="0"/>
+          </a:p>
+        </p:txBody>
+      </p:sp>
+      <p:sp>
+        <p:nvSpPr>
+          <p:cNvPr id="3" name="Espaço Reservado para Texto 2"/>
+          <p:cNvSpPr>
+            <a:spLocks noGrp="1"/>
+          </p:cNvSpPr>
+          <p:nvPr>
+            <p:ph type="body" idx="1"/>
+          </p:nvPr>
+        </p:nvSpPr>
+        <p:spPr/>
+        <p:txBody>
+          <a:bodyPr/>
+          <a:lstStyle/>
+          <a:p>
+            <a:endParaRPr lang="pt-BR"/>
+          </a:p>
+        </p:txBody>
+      </p:sp>
+      <p:sp>
+        <p:nvSpPr>
+          <p:cNvPr id="4" name="Espaço Reservado para Número de Slide 3"/>
+          <p:cNvSpPr>
+            <a:spLocks noGrp="1"/>
+          </p:cNvSpPr>
+          <p:nvPr>
+            <p:ph type="sldNum" sz="quarter" idx="12"/>
+          </p:nvPr>
+        </p:nvSpPr>
+        <p:spPr/>
+        <p:txBody>
+          <a:bodyPr/>
+          <a:lstStyle/>
+          <a:p>
+            <a:fld id="{BA9B540C-44DA-4F69-89C9-7C84606640D3}" type="slidenum">
+              <a:rPr lang="en-US" smtClean="0"/>
+              <a:pPr/>
+              <a:t>51</a:t>
+            </a:fld>
+            <a:endParaRPr lang="en-US"/>
+          </a:p>
+        </p:txBody>
+      </p:sp>
+    </p:spTree>
+    <p:extLst>
+      <p:ext uri="{BB962C8B-B14F-4D97-AF65-F5344CB8AC3E}">
+        <p14:creationId xmlns:p14="http://schemas.microsoft.com/office/powerpoint/2010/main" val="1290763671"/>
+      </p:ext>
+    </p:extLst>
+  </p:cSld>
+  <p:clrMapOvr>
+    <a:masterClrMapping/>
+  </p:clrMapOvr>
+  <p:timing>
+    <p:tnLst>
+      <p:par>
+        <p:cTn xmlns:p14="http://schemas.microsoft.com/office/powerpoint/2010/main" id="1" dur="indefinite" restart="never" nodeType="tmRoot"/>
       </p:par>
     </p:tnLst>
   </p:timing>
@@ -23120,7 +23621,7 @@
   <p:timing>
     <p:tnLst>
       <p:par>
-        <p:cTn id="1" dur="indefinite" restart="never" nodeType="tmRoot">
+        <p:cTn xmlns:p14="http://schemas.microsoft.com/office/powerpoint/2010/main" id="1" dur="indefinite" restart="never" nodeType="tmRoot">
           <p:childTnLst>
             <p:seq concurrent="1" nextAc="seek">
               <p:cTn id="2" dur="indefinite" nodeType="mainSeq">
@@ -23764,7 +24265,7 @@
   <p:timing>
     <p:tnLst>
       <p:par>
-        <p:cTn id="1" dur="indefinite" restart="never" nodeType="tmRoot">
+        <p:cTn xmlns:p14="http://schemas.microsoft.com/office/powerpoint/2010/main" id="1" dur="indefinite" restart="never" nodeType="tmRoot">
           <p:childTnLst>
             <p:seq concurrent="1" nextAc="seek">
               <p:cTn id="2" dur="indefinite" nodeType="mainSeq">
@@ -24015,7 +24516,7 @@
   <p:timing>
     <p:tnLst>
       <p:par>
-        <p:cTn id="1" dur="indefinite" restart="never" nodeType="tmRoot">
+        <p:cTn xmlns:p14="http://schemas.microsoft.com/office/powerpoint/2010/main" id="1" dur="indefinite" restart="never" nodeType="tmRoot">
           <p:childTnLst>
             <p:seq concurrent="1" nextAc="seek">
               <p:cTn id="2" dur="indefinite" nodeType="mainSeq">
@@ -24348,7 +24849,7 @@
   <p:timing>
     <p:tnLst>
       <p:par>
-        <p:cTn id="1" dur="indefinite" restart="never" nodeType="tmRoot"/>
+        <p:cTn xmlns:p14="http://schemas.microsoft.com/office/powerpoint/2010/main" id="1" dur="indefinite" restart="never" nodeType="tmRoot"/>
       </p:par>
     </p:tnLst>
   </p:timing>
